--- a/slides/10-decision-errors.pptx
+++ b/slides/10-decision-errors.pptx
@@ -5,20 +5,21 @@
     <p:sldMasterId id="2147483852" r:id="rId1"/>
   </p:sldMasterIdLst>
   <p:notesMasterIdLst>
-    <p:notesMasterId r:id="rId13"/>
+    <p:notesMasterId r:id="rId14"/>
   </p:notesMasterIdLst>
   <p:sldIdLst>
     <p:sldId id="256" r:id="rId2"/>
-    <p:sldId id="257" r:id="rId3"/>
-    <p:sldId id="358" r:id="rId4"/>
-    <p:sldId id="397" r:id="rId5"/>
-    <p:sldId id="396" r:id="rId6"/>
-    <p:sldId id="398" r:id="rId7"/>
-    <p:sldId id="400" r:id="rId8"/>
-    <p:sldId id="399" r:id="rId9"/>
-    <p:sldId id="401" r:id="rId10"/>
-    <p:sldId id="402" r:id="rId11"/>
-    <p:sldId id="403" r:id="rId12"/>
+    <p:sldId id="335" r:id="rId3"/>
+    <p:sldId id="257" r:id="rId4"/>
+    <p:sldId id="358" r:id="rId5"/>
+    <p:sldId id="397" r:id="rId6"/>
+    <p:sldId id="396" r:id="rId7"/>
+    <p:sldId id="398" r:id="rId8"/>
+    <p:sldId id="400" r:id="rId9"/>
+    <p:sldId id="399" r:id="rId10"/>
+    <p:sldId id="401" r:id="rId11"/>
+    <p:sldId id="402" r:id="rId12"/>
+    <p:sldId id="403" r:id="rId13"/>
   </p:sldIdLst>
   <p:sldSz cx="12192000" cy="6858000"/>
   <p:notesSz cx="6858000" cy="9144000"/>
@@ -207,7 +208,7 @@
           <a:p>
             <a:fld id="{3CBB8A52-8AC5-C74C-97FB-632C448F3674}" type="datetimeFigureOut">
               <a:rPr lang="en-US" smtClean="0"/>
-              <a:t>2/26/24</a:t>
+              <a:t>2/29/24</a:t>
             </a:fld>
             <a:endParaRPr lang="en-US"/>
           </a:p>
@@ -563,7 +564,7 @@
           <a:p>
             <a:fld id="{E666506D-5C9B-294C-B2AE-15ACE8B5B9F7}" type="slidenum">
               <a:rPr lang="en-US" smtClean="0"/>
-              <a:t>3</a:t>
+              <a:t>4</a:t>
             </a:fld>
             <a:endParaRPr lang="en-US"/>
           </a:p>
@@ -671,7 +672,7 @@
           <a:p>
             <a:fld id="{E666506D-5C9B-294C-B2AE-15ACE8B5B9F7}" type="slidenum">
               <a:rPr lang="en-US" smtClean="0"/>
-              <a:t>4</a:t>
+              <a:t>5</a:t>
             </a:fld>
             <a:endParaRPr lang="en-US"/>
           </a:p>
@@ -779,7 +780,7 @@
           <a:p>
             <a:fld id="{E666506D-5C9B-294C-B2AE-15ACE8B5B9F7}" type="slidenum">
               <a:rPr lang="en-US" smtClean="0"/>
-              <a:t>5</a:t>
+              <a:t>6</a:t>
             </a:fld>
             <a:endParaRPr lang="en-US"/>
           </a:p>
@@ -887,7 +888,7 @@
           <a:p>
             <a:fld id="{E666506D-5C9B-294C-B2AE-15ACE8B5B9F7}" type="slidenum">
               <a:rPr lang="en-US" smtClean="0"/>
-              <a:t>6</a:t>
+              <a:t>7</a:t>
             </a:fld>
             <a:endParaRPr lang="en-US"/>
           </a:p>
@@ -995,7 +996,7 @@
           <a:p>
             <a:fld id="{E666506D-5C9B-294C-B2AE-15ACE8B5B9F7}" type="slidenum">
               <a:rPr lang="en-US" smtClean="0"/>
-              <a:t>7</a:t>
+              <a:t>8</a:t>
             </a:fld>
             <a:endParaRPr lang="en-US"/>
           </a:p>
@@ -1103,7 +1104,7 @@
           <a:p>
             <a:fld id="{E666506D-5C9B-294C-B2AE-15ACE8B5B9F7}" type="slidenum">
               <a:rPr lang="en-US" smtClean="0"/>
-              <a:t>8</a:t>
+              <a:t>9</a:t>
             </a:fld>
             <a:endParaRPr lang="en-US"/>
           </a:p>
@@ -1211,7 +1212,7 @@
           <a:p>
             <a:fld id="{E666506D-5C9B-294C-B2AE-15ACE8B5B9F7}" type="slidenum">
               <a:rPr lang="en-US" smtClean="0"/>
-              <a:t>9</a:t>
+              <a:t>10</a:t>
             </a:fld>
             <a:endParaRPr lang="en-US"/>
           </a:p>
@@ -1319,7 +1320,7 @@
           <a:p>
             <a:fld id="{E666506D-5C9B-294C-B2AE-15ACE8B5B9F7}" type="slidenum">
               <a:rPr lang="en-US" smtClean="0"/>
-              <a:t>10</a:t>
+              <a:t>11</a:t>
             </a:fld>
             <a:endParaRPr lang="en-US"/>
           </a:p>
@@ -1427,7 +1428,7 @@
           <a:p>
             <a:fld id="{E666506D-5C9B-294C-B2AE-15ACE8B5B9F7}" type="slidenum">
               <a:rPr lang="en-US" smtClean="0"/>
-              <a:t>11</a:t>
+              <a:t>12</a:t>
             </a:fld>
             <a:endParaRPr lang="en-US"/>
           </a:p>
@@ -1671,7 +1672,7 @@
             <a:fld id="{5586B75A-687E-405C-8A0B-8D00578BA2C3}" type="datetimeFigureOut">
               <a:rPr lang="en-US" smtClean="0"/>
               <a:pPr/>
-              <a:t>2/26/24</a:t>
+              <a:t>2/29/24</a:t>
             </a:fld>
             <a:endParaRPr lang="en-US" dirty="0"/>
           </a:p>
@@ -1843,7 +1844,7 @@
             <a:fld id="{5586B75A-687E-405C-8A0B-8D00578BA2C3}" type="datetimeFigureOut">
               <a:rPr lang="en-US" smtClean="0"/>
               <a:pPr/>
-              <a:t>2/26/24</a:t>
+              <a:t>2/29/24</a:t>
             </a:fld>
             <a:endParaRPr lang="en-US" dirty="0"/>
           </a:p>
@@ -2025,7 +2026,7 @@
             <a:fld id="{5586B75A-687E-405C-8A0B-8D00578BA2C3}" type="datetimeFigureOut">
               <a:rPr lang="en-US" smtClean="0"/>
               <a:pPr/>
-              <a:t>2/26/24</a:t>
+              <a:t>2/29/24</a:t>
             </a:fld>
             <a:endParaRPr lang="en-US" dirty="0"/>
           </a:p>
@@ -2197,7 +2198,7 @@
             <a:fld id="{5586B75A-687E-405C-8A0B-8D00578BA2C3}" type="datetimeFigureOut">
               <a:rPr lang="en-US" smtClean="0"/>
               <a:pPr/>
-              <a:t>2/26/24</a:t>
+              <a:t>2/29/24</a:t>
             </a:fld>
             <a:endParaRPr lang="en-US" dirty="0"/>
           </a:p>
@@ -2453,7 +2454,7 @@
             <a:fld id="{5586B75A-687E-405C-8A0B-8D00578BA2C3}" type="datetimeFigureOut">
               <a:rPr lang="en-US" smtClean="0"/>
               <a:pPr/>
-              <a:t>2/26/24</a:t>
+              <a:t>2/29/24</a:t>
             </a:fld>
             <a:endParaRPr lang="en-US" dirty="0"/>
           </a:p>
@@ -2743,7 +2744,7 @@
             <a:fld id="{5586B75A-687E-405C-8A0B-8D00578BA2C3}" type="datetimeFigureOut">
               <a:rPr lang="en-US" smtClean="0"/>
               <a:pPr/>
-              <a:t>2/26/24</a:t>
+              <a:t>2/29/24</a:t>
             </a:fld>
             <a:endParaRPr lang="en-US" dirty="0"/>
           </a:p>
@@ -3187,7 +3188,7 @@
             <a:fld id="{5586B75A-687E-405C-8A0B-8D00578BA2C3}" type="datetimeFigureOut">
               <a:rPr lang="en-US" smtClean="0"/>
               <a:pPr/>
-              <a:t>2/26/24</a:t>
+              <a:t>2/29/24</a:t>
             </a:fld>
             <a:endParaRPr lang="en-US" dirty="0"/>
           </a:p>
@@ -3307,7 +3308,7 @@
             <a:fld id="{5586B75A-687E-405C-8A0B-8D00578BA2C3}" type="datetimeFigureOut">
               <a:rPr lang="en-US" smtClean="0"/>
               <a:pPr/>
-              <a:t>2/26/24</a:t>
+              <a:t>2/29/24</a:t>
             </a:fld>
             <a:endParaRPr lang="en-US" dirty="0"/>
           </a:p>
@@ -3404,7 +3405,7 @@
             <a:fld id="{5586B75A-687E-405C-8A0B-8D00578BA2C3}" type="datetimeFigureOut">
               <a:rPr lang="en-US" smtClean="0"/>
               <a:pPr/>
-              <a:t>2/26/24</a:t>
+              <a:t>2/29/24</a:t>
             </a:fld>
             <a:endParaRPr lang="en-US" dirty="0"/>
           </a:p>
@@ -3694,7 +3695,7 @@
             <a:fld id="{5586B75A-687E-405C-8A0B-8D00578BA2C3}" type="datetimeFigureOut">
               <a:rPr lang="en-US" smtClean="0"/>
               <a:pPr/>
-              <a:t>2/26/24</a:t>
+              <a:t>2/29/24</a:t>
             </a:fld>
             <a:endParaRPr lang="en-US" dirty="0"/>
           </a:p>
@@ -3969,7 +3970,7 @@
             <a:fld id="{5586B75A-687E-405C-8A0B-8D00578BA2C3}" type="datetimeFigureOut">
               <a:rPr lang="en-US" smtClean="0"/>
               <a:pPr/>
-              <a:t>2/26/24</a:t>
+              <a:t>2/29/24</a:t>
             </a:fld>
             <a:endParaRPr lang="en-US" dirty="0"/>
           </a:p>
@@ -4268,7 +4269,7 @@
             <a:fld id="{5586B75A-687E-405C-8A0B-8D00578BA2C3}" type="datetimeFigureOut">
               <a:rPr lang="en-US" smtClean="0"/>
               <a:pPr/>
-              <a:t>2/26/24</a:t>
+              <a:t>2/29/24</a:t>
             </a:fld>
             <a:endParaRPr lang="en-US" dirty="0"/>
           </a:p>
@@ -4914,13 +4915,2759 @@
           <a:p>
             <a:r>
               <a:rPr lang="en-US" dirty="0"/>
+              <a:t>Decision Errors</a:t>
+            </a:r>
+          </a:p>
+        </p:txBody>
+      </p:sp>
+      <mc:AlternateContent xmlns:mc="http://schemas.openxmlformats.org/markup-compatibility/2006" xmlns:a14="http://schemas.microsoft.com/office/drawing/2010/main">
+        <mc:Choice Requires="a14">
+          <p:sp>
+            <p:nvSpPr>
+              <p:cNvPr id="10" name="TextBox 9">
+                <a:extLst>
+                  <a:ext uri="{FF2B5EF4-FFF2-40B4-BE49-F238E27FC236}">
+                    <a16:creationId xmlns:a16="http://schemas.microsoft.com/office/drawing/2014/main" id="{5912FD36-5C56-DDF1-A12A-DEA4F04B44F4}"/>
+                  </a:ext>
+                </a:extLst>
+              </p:cNvPr>
+              <p:cNvSpPr txBox="1"/>
+              <p:nvPr/>
+            </p:nvSpPr>
+            <p:spPr>
+              <a:xfrm>
+                <a:off x="3464839" y="748226"/>
+                <a:ext cx="8311008" cy="6001643"/>
+              </a:xfrm>
+              <a:prstGeom prst="rect">
+                <a:avLst/>
+              </a:prstGeom>
+              <a:noFill/>
+            </p:spPr>
+            <p:txBody>
+              <a:bodyPr wrap="square" rtlCol="0">
+                <a:spAutoFit/>
+              </a:bodyPr>
+              <a:lstStyle/>
+              <a:p>
+                <a:endParaRPr lang="en-US" sz="2400" dirty="0"/>
+              </a:p>
+              <a:p>
+                <a:endParaRPr lang="en-US" sz="2400" dirty="0"/>
+              </a:p>
+              <a:p>
+                <a:endParaRPr lang="en-US" sz="2400" dirty="0"/>
+              </a:p>
+              <a:p>
+                <a:endParaRPr lang="en-US" sz="2400" dirty="0"/>
+              </a:p>
+              <a:p>
+                <a:endParaRPr lang="en-US" sz="2400" dirty="0"/>
+              </a:p>
+              <a:p>
+                <a:endParaRPr lang="en-US" sz="2400" dirty="0"/>
+              </a:p>
+              <a:p>
+                <a:endParaRPr lang="en-US" sz="2400" dirty="0"/>
+              </a:p>
+              <a:p>
+                <a:endParaRPr lang="en-US" sz="2400" dirty="0"/>
+              </a:p>
+              <a:p>
+                <a:pPr marL="342900" indent="-342900">
+                  <a:buFont typeface="Arial" panose="020B0604020202020204" pitchFamily="34" charset="0"/>
+                  <a:buChar char="•"/>
+                </a:pPr>
+                <a:r>
+                  <a:rPr lang="en-US" sz="2400" dirty="0"/>
+                  <a:t>Because we reject </a:t>
+                </a:r>
+                <a14:m>
+                  <m:oMath xmlns:m="http://schemas.openxmlformats.org/officeDocument/2006/math">
+                    <m:sSub>
+                      <m:sSubPr>
+                        <m:ctrlPr>
+                          <a:rPr lang="en-US" sz="2400" b="0" i="1" smtClean="0">
+                            <a:latin typeface="Cambria Math" panose="02040503050406030204" pitchFamily="18" charset="0"/>
+                          </a:rPr>
+                        </m:ctrlPr>
+                      </m:sSubPr>
+                      <m:e>
+                        <m:r>
+                          <a:rPr lang="en-US" sz="2400" b="0" i="1" smtClean="0">
+                            <a:latin typeface="Cambria Math" panose="02040503050406030204" pitchFamily="18" charset="0"/>
+                          </a:rPr>
+                          <m:t>𝐻</m:t>
+                        </m:r>
+                      </m:e>
+                      <m:sub>
+                        <m:r>
+                          <a:rPr lang="en-US" sz="2400" b="0" i="1" smtClean="0">
+                            <a:latin typeface="Cambria Math" panose="02040503050406030204" pitchFamily="18" charset="0"/>
+                          </a:rPr>
+                          <m:t>0</m:t>
+                        </m:r>
+                      </m:sub>
+                    </m:sSub>
+                  </m:oMath>
+                </a14:m>
+                <a:r>
+                  <a:rPr lang="en-US" sz="2400" dirty="0"/>
+                  <a:t> when </a:t>
+                </a:r>
+                <a14:m>
+                  <m:oMath xmlns:m="http://schemas.openxmlformats.org/officeDocument/2006/math">
+                    <m:r>
+                      <a:rPr lang="en-US" sz="2400" b="0" i="1" smtClean="0">
+                        <a:latin typeface="Cambria Math" panose="02040503050406030204" pitchFamily="18" charset="0"/>
+                      </a:rPr>
+                      <m:t>𝑝</m:t>
+                    </m:r>
+                    <m:r>
+                      <a:rPr lang="en-US" sz="2400" b="0" i="1" smtClean="0">
+                        <a:latin typeface="Cambria Math" panose="02040503050406030204" pitchFamily="18" charset="0"/>
+                      </a:rPr>
+                      <m:t>≤</m:t>
+                    </m:r>
+                    <m:r>
+                      <a:rPr lang="en-US" sz="2400" b="0" i="1" smtClean="0">
+                        <a:latin typeface="Cambria Math" panose="02040503050406030204" pitchFamily="18" charset="0"/>
+                      </a:rPr>
+                      <m:t>𝛼</m:t>
+                    </m:r>
+                  </m:oMath>
+                </a14:m>
+                <a:r>
+                  <a:rPr lang="en-US" sz="2400" dirty="0"/>
+                  <a:t>, the probability of a Type 1 error is </a:t>
+                </a:r>
+                <a14:m>
+                  <m:oMath xmlns:m="http://schemas.openxmlformats.org/officeDocument/2006/math">
+                    <m:r>
+                      <a:rPr lang="en-US" sz="2400" b="0" i="1" smtClean="0">
+                        <a:latin typeface="Cambria Math" panose="02040503050406030204" pitchFamily="18" charset="0"/>
+                      </a:rPr>
+                      <m:t>𝛼</m:t>
+                    </m:r>
+                  </m:oMath>
+                </a14:m>
+                <a:endParaRPr lang="en-US" sz="2400" dirty="0"/>
+              </a:p>
+              <a:p>
+                <a:pPr marL="342900" indent="-342900">
+                  <a:buFont typeface="Arial" panose="020B0604020202020204" pitchFamily="34" charset="0"/>
+                  <a:buChar char="•"/>
+                </a:pPr>
+                <a:r>
+                  <a:rPr lang="en-US" sz="2400" dirty="0"/>
+                  <a:t>The probability of a Type 2 error is </a:t>
+                </a:r>
+                <a14:m>
+                  <m:oMath xmlns:m="http://schemas.openxmlformats.org/officeDocument/2006/math">
+                    <m:r>
+                      <a:rPr lang="en-US" sz="2400" b="0" i="1" smtClean="0">
+                        <a:latin typeface="Cambria Math" panose="02040503050406030204" pitchFamily="18" charset="0"/>
+                      </a:rPr>
+                      <m:t>𝛽</m:t>
+                    </m:r>
+                  </m:oMath>
+                </a14:m>
+                <a:endParaRPr lang="en-US" sz="2400" dirty="0"/>
+              </a:p>
+              <a:p>
+                <a:pPr marL="342900" indent="-342900">
+                  <a:buFont typeface="Arial" panose="020B0604020202020204" pitchFamily="34" charset="0"/>
+                  <a:buChar char="•"/>
+                </a:pPr>
+                <a:endParaRPr lang="en-US" sz="2400" dirty="0"/>
+              </a:p>
+              <a:p>
+                <a:pPr marL="342900" indent="-342900">
+                  <a:buFont typeface="Arial" panose="020B0604020202020204" pitchFamily="34" charset="0"/>
+                  <a:buChar char="•"/>
+                </a:pPr>
+                <a:endParaRPr lang="en-US" sz="2400" dirty="0"/>
+              </a:p>
+              <a:p>
+                <a:pPr marL="342900" indent="-342900">
+                  <a:buFont typeface="Arial" panose="020B0604020202020204" pitchFamily="34" charset="0"/>
+                  <a:buChar char="•"/>
+                </a:pPr>
+                <a:r>
+                  <a:rPr lang="en-US" sz="2400" dirty="0"/>
+                  <a:t>The </a:t>
+                </a:r>
+                <a:r>
+                  <a:rPr lang="en-US" sz="2400" b="1" i="1" dirty="0"/>
+                  <a:t>power </a:t>
+                </a:r>
+                <a:r>
+                  <a:rPr lang="en-US" sz="2400" dirty="0"/>
+                  <a:t>of a statistical test is the probability of correctly rejecting a false </a:t>
+                </a:r>
+                <a14:m>
+                  <m:oMath xmlns:m="http://schemas.openxmlformats.org/officeDocument/2006/math">
+                    <m:sSub>
+                      <m:sSubPr>
+                        <m:ctrlPr>
+                          <a:rPr lang="en-US" sz="2400" b="0" i="1" smtClean="0">
+                            <a:latin typeface="Cambria Math" panose="02040503050406030204" pitchFamily="18" charset="0"/>
+                          </a:rPr>
+                        </m:ctrlPr>
+                      </m:sSubPr>
+                      <m:e>
+                        <m:r>
+                          <a:rPr lang="en-US" sz="2400" b="0" i="1" smtClean="0">
+                            <a:latin typeface="Cambria Math" panose="02040503050406030204" pitchFamily="18" charset="0"/>
+                          </a:rPr>
+                          <m:t>𝐻</m:t>
+                        </m:r>
+                      </m:e>
+                      <m:sub>
+                        <m:r>
+                          <a:rPr lang="en-US" sz="2400" b="0" i="1" smtClean="0">
+                            <a:latin typeface="Cambria Math" panose="02040503050406030204" pitchFamily="18" charset="0"/>
+                          </a:rPr>
+                          <m:t>0</m:t>
+                        </m:r>
+                      </m:sub>
+                    </m:sSub>
+                  </m:oMath>
+                </a14:m>
+                <a:r>
+                  <a:rPr lang="en-US" sz="2400" dirty="0"/>
+                  <a:t> (</a:t>
+                </a:r>
+                <a14:m>
+                  <m:oMath xmlns:m="http://schemas.openxmlformats.org/officeDocument/2006/math">
+                    <m:r>
+                      <a:rPr lang="en-US" sz="2400" b="0" i="1" smtClean="0">
+                        <a:latin typeface="Cambria Math" panose="02040503050406030204" pitchFamily="18" charset="0"/>
+                      </a:rPr>
+                      <m:t>1−</m:t>
+                    </m:r>
+                    <m:r>
+                      <a:rPr lang="en-US" sz="2400" b="0" i="1" smtClean="0">
+                        <a:latin typeface="Cambria Math" panose="02040503050406030204" pitchFamily="18" charset="0"/>
+                      </a:rPr>
+                      <m:t>𝛽</m:t>
+                    </m:r>
+                  </m:oMath>
+                </a14:m>
+                <a:r>
+                  <a:rPr lang="en-US" sz="2400" dirty="0"/>
+                  <a:t>)</a:t>
+                </a:r>
+              </a:p>
+              <a:p>
+                <a:endParaRPr lang="en-US" sz="2400" dirty="0"/>
+              </a:p>
+            </p:txBody>
+          </p:sp>
+        </mc:Choice>
+        <mc:Fallback xmlns="">
+          <p:sp>
+            <p:nvSpPr>
+              <p:cNvPr id="10" name="TextBox 9">
+                <a:extLst>
+                  <a:ext uri="{FF2B5EF4-FFF2-40B4-BE49-F238E27FC236}">
+                    <a16:creationId xmlns:a16="http://schemas.microsoft.com/office/drawing/2014/main" id="{5912FD36-5C56-DDF1-A12A-DEA4F04B44F4}"/>
+                  </a:ext>
+                </a:extLst>
+              </p:cNvPr>
+              <p:cNvSpPr txBox="1">
+                <a:spLocks noRot="1" noChangeAspect="1" noMove="1" noResize="1" noEditPoints="1" noAdjustHandles="1" noChangeArrowheads="1" noChangeShapeType="1" noTextEdit="1"/>
+              </p:cNvSpPr>
+              <p:nvPr/>
+            </p:nvSpPr>
+            <p:spPr>
+              <a:xfrm>
+                <a:off x="3464839" y="748226"/>
+                <a:ext cx="8311008" cy="6001643"/>
+              </a:xfrm>
+              <a:prstGeom prst="rect">
+                <a:avLst/>
+              </a:prstGeom>
+              <a:blipFill>
+                <a:blip r:embed="rId3"/>
+                <a:stretch>
+                  <a:fillRect l="-915"/>
+                </a:stretch>
+              </a:blipFill>
+            </p:spPr>
+            <p:txBody>
+              <a:bodyPr/>
+              <a:lstStyle/>
+              <a:p>
+                <a:r>
+                  <a:rPr lang="en-US">
+                    <a:noFill/>
+                  </a:rPr>
+                  <a:t> </a:t>
+                </a:r>
+              </a:p>
+            </p:txBody>
+          </p:sp>
+        </mc:Fallback>
+      </mc:AlternateContent>
+      <p:sp>
+        <p:nvSpPr>
+          <p:cNvPr id="4" name="Rectangle 3">
+            <a:extLst>
+              <a:ext uri="{FF2B5EF4-FFF2-40B4-BE49-F238E27FC236}">
+                <a16:creationId xmlns:a16="http://schemas.microsoft.com/office/drawing/2014/main" id="{8F9FED91-E2C2-4F33-9677-2C3630A5969D}"/>
+              </a:ext>
+            </a:extLst>
+          </p:cNvPr>
+          <p:cNvSpPr/>
+          <p:nvPr/>
+        </p:nvSpPr>
+        <p:spPr>
+          <a:xfrm>
+            <a:off x="4959927" y="2854036"/>
+            <a:ext cx="512618" cy="485792"/>
+          </a:xfrm>
+          <a:prstGeom prst="rect">
+            <a:avLst/>
+          </a:prstGeom>
+          <a:ln>
+            <a:noFill/>
+          </a:ln>
+        </p:spPr>
+        <p:style>
+          <a:lnRef idx="2">
+            <a:schemeClr val="accent6"/>
+          </a:lnRef>
+          <a:fillRef idx="1">
+            <a:schemeClr val="lt1"/>
+          </a:fillRef>
+          <a:effectRef idx="0">
+            <a:schemeClr val="accent6"/>
+          </a:effectRef>
+          <a:fontRef idx="minor">
+            <a:schemeClr val="dk1"/>
+          </a:fontRef>
+        </p:style>
+        <p:txBody>
+          <a:bodyPr rtlCol="0" anchor="ctr"/>
+          <a:lstStyle/>
+          <a:p>
+            <a:pPr algn="ctr"/>
+            <a:endParaRPr lang="en-US"/>
+          </a:p>
+        </p:txBody>
+      </p:sp>
+      <p:sp>
+        <p:nvSpPr>
+          <p:cNvPr id="8" name="Rectangle 7">
+            <a:extLst>
+              <a:ext uri="{FF2B5EF4-FFF2-40B4-BE49-F238E27FC236}">
+                <a16:creationId xmlns:a16="http://schemas.microsoft.com/office/drawing/2014/main" id="{671C6698-57EE-95F9-B5BC-E2F2C1B9C21A}"/>
+              </a:ext>
+            </a:extLst>
+          </p:cNvPr>
+          <p:cNvSpPr/>
+          <p:nvPr/>
+        </p:nvSpPr>
+        <p:spPr>
+          <a:xfrm>
+            <a:off x="9354272" y="2658169"/>
+            <a:ext cx="1745849" cy="509286"/>
+          </a:xfrm>
+          <a:prstGeom prst="rect">
+            <a:avLst/>
+          </a:prstGeom>
+          <a:solidFill>
+            <a:schemeClr val="bg1"/>
+          </a:solidFill>
+          <a:ln>
+            <a:noFill/>
+          </a:ln>
+        </p:spPr>
+        <p:style>
+          <a:lnRef idx="2">
+            <a:schemeClr val="accent1">
+              <a:shade val="15000"/>
+            </a:schemeClr>
+          </a:lnRef>
+          <a:fillRef idx="1">
+            <a:schemeClr val="accent1"/>
+          </a:fillRef>
+          <a:effectRef idx="0">
+            <a:schemeClr val="accent1"/>
+          </a:effectRef>
+          <a:fontRef idx="minor">
+            <a:schemeClr val="lt1"/>
+          </a:fontRef>
+        </p:style>
+        <p:txBody>
+          <a:bodyPr rtlCol="0" anchor="ctr"/>
+          <a:lstStyle/>
+          <a:p>
+            <a:pPr algn="ctr"/>
+            <a:endParaRPr lang="en-US"/>
+          </a:p>
+        </p:txBody>
+      </p:sp>
+      <p:sp>
+        <p:nvSpPr>
+          <p:cNvPr id="9" name="Rectangle 8">
+            <a:extLst>
+              <a:ext uri="{FF2B5EF4-FFF2-40B4-BE49-F238E27FC236}">
+                <a16:creationId xmlns:a16="http://schemas.microsoft.com/office/drawing/2014/main" id="{86BD752D-4781-7701-FF0E-49C83C0540AE}"/>
+              </a:ext>
+            </a:extLst>
+          </p:cNvPr>
+          <p:cNvSpPr/>
+          <p:nvPr/>
+        </p:nvSpPr>
+        <p:spPr>
+          <a:xfrm>
+            <a:off x="7382476" y="2658169"/>
+            <a:ext cx="1745849" cy="509286"/>
+          </a:xfrm>
+          <a:prstGeom prst="rect">
+            <a:avLst/>
+          </a:prstGeom>
+          <a:solidFill>
+            <a:schemeClr val="bg1"/>
+          </a:solidFill>
+          <a:ln>
+            <a:noFill/>
+          </a:ln>
+        </p:spPr>
+        <p:style>
+          <a:lnRef idx="2">
+            <a:schemeClr val="accent1">
+              <a:shade val="15000"/>
+            </a:schemeClr>
+          </a:lnRef>
+          <a:fillRef idx="1">
+            <a:schemeClr val="accent1"/>
+          </a:fillRef>
+          <a:effectRef idx="0">
+            <a:schemeClr val="accent1"/>
+          </a:effectRef>
+          <a:fontRef idx="minor">
+            <a:schemeClr val="lt1"/>
+          </a:fontRef>
+        </p:style>
+        <p:txBody>
+          <a:bodyPr rtlCol="0" anchor="ctr"/>
+          <a:lstStyle/>
+          <a:p>
+            <a:pPr algn="ctr"/>
+            <a:endParaRPr lang="en-US"/>
+          </a:p>
+        </p:txBody>
+      </p:sp>
+      <mc:AlternateContent xmlns:mc="http://schemas.openxmlformats.org/markup-compatibility/2006" xmlns:a14="http://schemas.microsoft.com/office/drawing/2010/main">
+        <mc:Choice Requires="a14">
+          <p:graphicFrame>
+            <p:nvGraphicFramePr>
+              <p:cNvPr id="11" name="Table 10">
+                <a:extLst>
+                  <a:ext uri="{FF2B5EF4-FFF2-40B4-BE49-F238E27FC236}">
+                    <a16:creationId xmlns:a16="http://schemas.microsoft.com/office/drawing/2014/main" id="{0229C7F4-F9DF-7B3E-ED6B-08A61D7144DE}"/>
+                  </a:ext>
+                </a:extLst>
+              </p:cNvPr>
+              <p:cNvGraphicFramePr>
+                <a:graphicFrameLocks noGrp="1"/>
+              </p:cNvGraphicFramePr>
+              <p:nvPr>
+                <p:extLst>
+                  <p:ext uri="{D42A27DB-BD31-4B8C-83A1-F6EECF244321}">
+                    <p14:modId xmlns:p14="http://schemas.microsoft.com/office/powerpoint/2010/main" val="1089887293"/>
+                  </p:ext>
+                </p:extLst>
+              </p:nvPr>
+            </p:nvGraphicFramePr>
+            <p:xfrm>
+              <a:off x="3556343" y="159429"/>
+              <a:ext cx="8219504" cy="2528082"/>
+            </p:xfrm>
+            <a:graphic>
+              <a:graphicData uri="http://schemas.openxmlformats.org/drawingml/2006/table">
+                <a:tbl>
+                  <a:tblPr firstRow="1" bandRow="1">
+                    <a:tableStyleId>{5940675A-B579-460E-94D1-54222C63F5DA}</a:tableStyleId>
+                  </a:tblPr>
+                  <a:tblGrid>
+                    <a:gridCol w="1117339">
+                      <a:extLst>
+                        <a:ext uri="{9D8B030D-6E8A-4147-A177-3AD203B41FA5}">
+                          <a16:colId xmlns:a16="http://schemas.microsoft.com/office/drawing/2014/main" val="1078454106"/>
+                        </a:ext>
+                      </a:extLst>
+                    </a:gridCol>
+                    <a:gridCol w="1767453">
+                      <a:extLst>
+                        <a:ext uri="{9D8B030D-6E8A-4147-A177-3AD203B41FA5}">
+                          <a16:colId xmlns:a16="http://schemas.microsoft.com/office/drawing/2014/main" val="1156508427"/>
+                        </a:ext>
+                      </a:extLst>
+                    </a:gridCol>
+                    <a:gridCol w="2633623">
+                      <a:extLst>
+                        <a:ext uri="{9D8B030D-6E8A-4147-A177-3AD203B41FA5}">
+                          <a16:colId xmlns:a16="http://schemas.microsoft.com/office/drawing/2014/main" val="3036579095"/>
+                        </a:ext>
+                      </a:extLst>
+                    </a:gridCol>
+                    <a:gridCol w="2701089">
+                      <a:extLst>
+                        <a:ext uri="{9D8B030D-6E8A-4147-A177-3AD203B41FA5}">
+                          <a16:colId xmlns:a16="http://schemas.microsoft.com/office/drawing/2014/main" val="4107515368"/>
+                        </a:ext>
+                      </a:extLst>
+                    </a:gridCol>
+                  </a:tblGrid>
+                  <a:tr h="409158">
+                    <a:tc>
+                      <a:txBody>
+                        <a:bodyPr/>
+                        <a:lstStyle/>
+                        <a:p>
+                          <a:endParaRPr lang="en-US" sz="2000" dirty="0"/>
+                        </a:p>
+                      </a:txBody>
+                      <a:tcPr>
+                        <a:lnL w="12700" cmpd="sng">
+                          <a:noFill/>
+                        </a:lnL>
+                        <a:lnR w="12700" cmpd="sng">
+                          <a:noFill/>
+                        </a:lnR>
+                        <a:lnT w="12700" cap="flat" cmpd="sng" algn="ctr">
+                          <a:noFill/>
+                          <a:prstDash val="solid"/>
+                          <a:round/>
+                          <a:headEnd type="none" w="med" len="med"/>
+                          <a:tailEnd type="none" w="med" len="med"/>
+                        </a:lnT>
+                        <a:lnB w="12700" cmpd="sng">
+                          <a:noFill/>
+                        </a:lnB>
+                        <a:lnTlToBr w="12700" cmpd="sng">
+                          <a:noFill/>
+                          <a:prstDash val="solid"/>
+                        </a:lnTlToBr>
+                        <a:lnBlToTr w="12700" cmpd="sng">
+                          <a:noFill/>
+                          <a:prstDash val="solid"/>
+                        </a:lnBlToTr>
+                      </a:tcPr>
+                    </a:tc>
+                    <a:tc>
+                      <a:txBody>
+                        <a:bodyPr/>
+                        <a:lstStyle/>
+                        <a:p>
+                          <a:endParaRPr lang="en-US" sz="2000" dirty="0"/>
+                        </a:p>
+                      </a:txBody>
+                      <a:tcPr>
+                        <a:lnL w="12700" cmpd="sng">
+                          <a:noFill/>
+                        </a:lnL>
+                        <a:lnR w="12700" cmpd="sng">
+                          <a:noFill/>
+                        </a:lnR>
+                        <a:lnT w="12700" cap="flat" cmpd="sng" algn="ctr">
+                          <a:noFill/>
+                          <a:prstDash val="solid"/>
+                          <a:round/>
+                          <a:headEnd type="none" w="med" len="med"/>
+                          <a:tailEnd type="none" w="med" len="med"/>
+                        </a:lnT>
+                        <a:lnB w="12700" cmpd="sng">
+                          <a:noFill/>
+                        </a:lnB>
+                        <a:lnTlToBr w="12700" cmpd="sng">
+                          <a:noFill/>
+                          <a:prstDash val="solid"/>
+                        </a:lnTlToBr>
+                        <a:lnBlToTr w="12700" cmpd="sng">
+                          <a:noFill/>
+                          <a:prstDash val="solid"/>
+                        </a:lnBlToTr>
+                      </a:tcPr>
+                    </a:tc>
+                    <a:tc gridSpan="2">
+                      <a:txBody>
+                        <a:bodyPr/>
+                        <a:lstStyle/>
+                        <a:p>
+                          <a:pPr algn="ctr"/>
+                          <a:r>
+                            <a:rPr lang="en-US" sz="2000" b="1" dirty="0">
+                              <a:solidFill>
+                                <a:schemeClr val="bg1"/>
+                              </a:solidFill>
+                            </a:rPr>
+                            <a:t>Test Conclusion</a:t>
+                          </a:r>
+                        </a:p>
+                      </a:txBody>
+                      <a:tcPr anchor="ctr">
+                        <a:lnL w="12700" cmpd="sng">
+                          <a:noFill/>
+                        </a:lnL>
+                        <a:lnR w="12700" cmpd="sng">
+                          <a:noFill/>
+                        </a:lnR>
+                        <a:lnT w="38100" cap="flat" cmpd="sng" algn="ctr">
+                          <a:solidFill>
+                            <a:schemeClr val="tx1"/>
+                          </a:solidFill>
+                          <a:prstDash val="solid"/>
+                          <a:round/>
+                          <a:headEnd type="none" w="med" len="med"/>
+                          <a:tailEnd type="none" w="med" len="med"/>
+                        </a:lnT>
+                        <a:lnB w="12700" cap="flat" cmpd="sng" algn="ctr">
+                          <a:noFill/>
+                          <a:prstDash val="solid"/>
+                          <a:round/>
+                          <a:headEnd type="none" w="med" len="med"/>
+                          <a:tailEnd type="none" w="med" len="med"/>
+                        </a:lnB>
+                        <a:lnTlToBr w="12700" cmpd="sng">
+                          <a:noFill/>
+                          <a:prstDash val="solid"/>
+                        </a:lnTlToBr>
+                        <a:lnBlToTr w="12700" cmpd="sng">
+                          <a:noFill/>
+                          <a:prstDash val="solid"/>
+                        </a:lnBlToTr>
+                        <a:solidFill>
+                          <a:schemeClr val="accent6"/>
+                        </a:solidFill>
+                      </a:tcPr>
+                    </a:tc>
+                    <a:tc hMerge="1">
+                      <a:txBody>
+                        <a:bodyPr/>
+                        <a:lstStyle/>
+                        <a:p>
+                          <a:endParaRPr lang="en-US" dirty="0"/>
+                        </a:p>
+                      </a:txBody>
+                      <a:tcPr/>
+                    </a:tc>
+                    <a:extLst>
+                      <a:ext uri="{0D108BD9-81ED-4DB2-BD59-A6C34878D82A}">
+                        <a16:rowId xmlns:a16="http://schemas.microsoft.com/office/drawing/2014/main" val="997505066"/>
+                      </a:ext>
+                    </a:extLst>
+                  </a:tr>
+                  <a:tr h="723894">
+                    <a:tc>
+                      <a:txBody>
+                        <a:bodyPr/>
+                        <a:lstStyle/>
+                        <a:p>
+                          <a:endParaRPr lang="en-US" sz="2000" dirty="0"/>
+                        </a:p>
+                      </a:txBody>
+                      <a:tcPr>
+                        <a:lnL w="12700" cmpd="sng">
+                          <a:noFill/>
+                        </a:lnL>
+                        <a:lnR w="12700" cmpd="sng">
+                          <a:noFill/>
+                        </a:lnR>
+                        <a:lnT w="12700" cmpd="sng">
+                          <a:noFill/>
+                        </a:lnT>
+                        <a:lnB w="12700" cap="flat" cmpd="sng" algn="ctr">
+                          <a:solidFill>
+                            <a:schemeClr val="tx1"/>
+                          </a:solidFill>
+                          <a:prstDash val="solid"/>
+                          <a:round/>
+                          <a:headEnd type="none" w="med" len="med"/>
+                          <a:tailEnd type="none" w="med" len="med"/>
+                        </a:lnB>
+                        <a:lnTlToBr w="12700" cmpd="sng">
+                          <a:noFill/>
+                          <a:prstDash val="solid"/>
+                        </a:lnTlToBr>
+                        <a:lnBlToTr w="12700" cmpd="sng">
+                          <a:noFill/>
+                          <a:prstDash val="solid"/>
+                        </a:lnBlToTr>
+                      </a:tcPr>
+                    </a:tc>
+                    <a:tc>
+                      <a:txBody>
+                        <a:bodyPr/>
+                        <a:lstStyle/>
+                        <a:p>
+                          <a:endParaRPr lang="en-US" sz="2000" dirty="0"/>
+                        </a:p>
+                      </a:txBody>
+                      <a:tcPr>
+                        <a:lnL w="12700" cmpd="sng">
+                          <a:noFill/>
+                        </a:lnL>
+                        <a:lnR w="12700" cap="flat" cmpd="sng" algn="ctr">
+                          <a:solidFill>
+                            <a:schemeClr val="tx1"/>
+                          </a:solidFill>
+                          <a:prstDash val="solid"/>
+                          <a:round/>
+                          <a:headEnd type="none" w="med" len="med"/>
+                          <a:tailEnd type="none" w="med" len="med"/>
+                        </a:lnR>
+                        <a:lnT w="12700" cmpd="sng">
+                          <a:noFill/>
+                        </a:lnT>
+                        <a:lnB w="12700" cap="flat" cmpd="sng" algn="ctr">
+                          <a:solidFill>
+                            <a:schemeClr val="tx1"/>
+                          </a:solidFill>
+                          <a:prstDash val="solid"/>
+                          <a:round/>
+                          <a:headEnd type="none" w="med" len="med"/>
+                          <a:tailEnd type="none" w="med" len="med"/>
+                        </a:lnB>
+                        <a:lnTlToBr w="12700" cmpd="sng">
+                          <a:noFill/>
+                          <a:prstDash val="solid"/>
+                        </a:lnTlToBr>
+                        <a:lnBlToTr w="12700" cmpd="sng">
+                          <a:noFill/>
+                          <a:prstDash val="solid"/>
+                        </a:lnBlToTr>
+                      </a:tcPr>
+                    </a:tc>
+                    <a:tc>
+                      <a:txBody>
+                        <a:bodyPr/>
+                        <a:lstStyle/>
+                        <a:p>
+                          <a:pPr algn="ctr"/>
+                          <a:r>
+                            <a:rPr lang="en-US" sz="2000" dirty="0"/>
+                            <a:t>Reject </a:t>
+                          </a:r>
+                          <a14:m>
+                            <m:oMath xmlns:m="http://schemas.openxmlformats.org/officeDocument/2006/math">
+                              <m:sSub>
+                                <m:sSubPr>
+                                  <m:ctrlPr>
+                                    <a:rPr lang="en-US" sz="2000" b="0" i="1" smtClean="0">
+                                      <a:latin typeface="Cambria Math" panose="02040503050406030204" pitchFamily="18" charset="0"/>
+                                    </a:rPr>
+                                  </m:ctrlPr>
+                                </m:sSubPr>
+                                <m:e>
+                                  <m:r>
+                                    <a:rPr lang="en-US" sz="2000" b="0" i="1" smtClean="0">
+                                      <a:latin typeface="Cambria Math" panose="02040503050406030204" pitchFamily="18" charset="0"/>
+                                    </a:rPr>
+                                    <m:t>𝐻</m:t>
+                                  </m:r>
+                                </m:e>
+                                <m:sub>
+                                  <m:r>
+                                    <a:rPr lang="en-US" sz="2000" b="0" i="1" smtClean="0">
+                                      <a:latin typeface="Cambria Math" panose="02040503050406030204" pitchFamily="18" charset="0"/>
+                                    </a:rPr>
+                                    <m:t>0</m:t>
+                                  </m:r>
+                                </m:sub>
+                              </m:sSub>
+                            </m:oMath>
+                          </a14:m>
+                          <a:r>
+                            <a:rPr lang="en-US" sz="2000" dirty="0"/>
+                            <a:t> </a:t>
+                          </a:r>
+                        </a:p>
+                        <a:p>
+                          <a:pPr algn="ctr"/>
+                          <a:r>
+                            <a:rPr lang="en-US" sz="2000" dirty="0">
+                              <a:solidFill>
+                                <a:schemeClr val="tx1">
+                                  <a:lumMod val="50000"/>
+                                  <a:lumOff val="50000"/>
+                                </a:schemeClr>
+                              </a:solidFill>
+                            </a:rPr>
+                            <a:t>(we suspect</a:t>
+                          </a:r>
+                          <a:r>
+                            <a:rPr lang="en-US" sz="2000" baseline="0" dirty="0">
+                              <a:solidFill>
+                                <a:schemeClr val="tx1">
+                                  <a:lumMod val="50000"/>
+                                  <a:lumOff val="50000"/>
+                                </a:schemeClr>
+                              </a:solidFill>
+                            </a:rPr>
+                            <a:t> </a:t>
+                          </a:r>
+                          <a14:m>
+                            <m:oMath xmlns:m="http://schemas.openxmlformats.org/officeDocument/2006/math">
+                              <m:sSub>
+                                <m:sSubPr>
+                                  <m:ctrlPr>
+                                    <a:rPr lang="en-US" sz="2000" b="0" i="1" baseline="0" smtClean="0">
+                                      <a:solidFill>
+                                        <a:schemeClr val="tx1">
+                                          <a:lumMod val="50000"/>
+                                          <a:lumOff val="50000"/>
+                                        </a:schemeClr>
+                                      </a:solidFill>
+                                      <a:latin typeface="Cambria Math" panose="02040503050406030204" pitchFamily="18" charset="0"/>
+                                    </a:rPr>
+                                  </m:ctrlPr>
+                                </m:sSubPr>
+                                <m:e>
+                                  <m:r>
+                                    <a:rPr lang="en-US" sz="2000" b="0" i="1" baseline="0" smtClean="0">
+                                      <a:solidFill>
+                                        <a:schemeClr val="tx1">
+                                          <a:lumMod val="50000"/>
+                                          <a:lumOff val="50000"/>
+                                        </a:schemeClr>
+                                      </a:solidFill>
+                                      <a:latin typeface="Cambria Math" panose="02040503050406030204" pitchFamily="18" charset="0"/>
+                                    </a:rPr>
+                                    <m:t>𝐻</m:t>
+                                  </m:r>
+                                </m:e>
+                                <m:sub>
+                                  <m:r>
+                                    <a:rPr lang="en-US" sz="2000" b="0" i="1" baseline="0" smtClean="0">
+                                      <a:solidFill>
+                                        <a:schemeClr val="tx1">
+                                          <a:lumMod val="50000"/>
+                                          <a:lumOff val="50000"/>
+                                        </a:schemeClr>
+                                      </a:solidFill>
+                                      <a:latin typeface="Cambria Math" panose="02040503050406030204" pitchFamily="18" charset="0"/>
+                                    </a:rPr>
+                                    <m:t>0</m:t>
+                                  </m:r>
+                                </m:sub>
+                              </m:sSub>
+                            </m:oMath>
+                          </a14:m>
+                          <a:r>
+                            <a:rPr lang="en-US" sz="2000" dirty="0">
+                              <a:solidFill>
+                                <a:schemeClr val="tx1">
+                                  <a:lumMod val="50000"/>
+                                  <a:lumOff val="50000"/>
+                                </a:schemeClr>
+                              </a:solidFill>
+                            </a:rPr>
+                            <a:t> is false)</a:t>
+                          </a:r>
+                        </a:p>
+                      </a:txBody>
+                      <a:tcPr>
+                        <a:lnL w="12700" cap="flat" cmpd="sng" algn="ctr">
+                          <a:solidFill>
+                            <a:schemeClr val="tx1"/>
+                          </a:solidFill>
+                          <a:prstDash val="solid"/>
+                          <a:round/>
+                          <a:headEnd type="none" w="med" len="med"/>
+                          <a:tailEnd type="none" w="med" len="med"/>
+                        </a:lnL>
+                        <a:lnR w="12700" cap="flat" cmpd="sng" algn="ctr">
+                          <a:solidFill>
+                            <a:schemeClr val="tx1"/>
+                          </a:solidFill>
+                          <a:prstDash val="solid"/>
+                          <a:round/>
+                          <a:headEnd type="none" w="med" len="med"/>
+                          <a:tailEnd type="none" w="med" len="med"/>
+                        </a:lnR>
+                        <a:lnT w="12700" cap="flat" cmpd="sng" algn="ctr">
+                          <a:noFill/>
+                          <a:prstDash val="solid"/>
+                          <a:round/>
+                          <a:headEnd type="none" w="med" len="med"/>
+                          <a:tailEnd type="none" w="med" len="med"/>
+                        </a:lnT>
+                        <a:lnB w="12700" cap="flat" cmpd="sng" algn="ctr">
+                          <a:solidFill>
+                            <a:schemeClr val="tx1"/>
+                          </a:solidFill>
+                          <a:prstDash val="solid"/>
+                          <a:round/>
+                          <a:headEnd type="none" w="med" len="med"/>
+                          <a:tailEnd type="none" w="med" len="med"/>
+                        </a:lnB>
+                        <a:lnTlToBr w="12700" cmpd="sng">
+                          <a:noFill/>
+                          <a:prstDash val="solid"/>
+                        </a:lnTlToBr>
+                        <a:lnBlToTr w="12700" cmpd="sng">
+                          <a:noFill/>
+                          <a:prstDash val="solid"/>
+                        </a:lnBlToTr>
+                      </a:tcPr>
+                    </a:tc>
+                    <a:tc>
+                      <a:txBody>
+                        <a:bodyPr/>
+                        <a:lstStyle/>
+                        <a:p>
+                          <a:pPr marL="0" marR="0" lvl="0" indent="0" algn="ctr" defTabSz="914400" rtl="0" eaLnBrk="1" fontAlgn="auto" latinLnBrk="0" hangingPunct="1">
+                            <a:lnSpc>
+                              <a:spcPct val="100000"/>
+                            </a:lnSpc>
+                            <a:spcBef>
+                              <a:spcPts val="0"/>
+                            </a:spcBef>
+                            <a:spcAft>
+                              <a:spcPts val="0"/>
+                            </a:spcAft>
+                            <a:buClrTx/>
+                            <a:buSzTx/>
+                            <a:buFontTx/>
+                            <a:buNone/>
+                            <a:tabLst/>
+                            <a:defRPr/>
+                          </a:pPr>
+                          <a:r>
+                            <a:rPr lang="en-US" sz="2000" dirty="0"/>
+                            <a:t>Fail</a:t>
+                          </a:r>
+                          <a:r>
+                            <a:rPr lang="en-US" sz="2000" baseline="0" dirty="0"/>
+                            <a:t> to r</a:t>
+                          </a:r>
+                          <a:r>
+                            <a:rPr lang="en-US" sz="2000" dirty="0"/>
+                            <a:t>eject </a:t>
+                          </a:r>
+                          <a14:m>
+                            <m:oMath xmlns:m="http://schemas.openxmlformats.org/officeDocument/2006/math">
+                              <m:sSub>
+                                <m:sSubPr>
+                                  <m:ctrlPr>
+                                    <a:rPr lang="en-US" sz="2000" b="0" i="1" smtClean="0">
+                                      <a:latin typeface="Cambria Math" panose="02040503050406030204" pitchFamily="18" charset="0"/>
+                                    </a:rPr>
+                                  </m:ctrlPr>
+                                </m:sSubPr>
+                                <m:e>
+                                  <m:r>
+                                    <a:rPr lang="en-US" sz="2000" b="0" i="1" smtClean="0">
+                                      <a:latin typeface="Cambria Math" panose="02040503050406030204" pitchFamily="18" charset="0"/>
+                                    </a:rPr>
+                                    <m:t>𝐻</m:t>
+                                  </m:r>
+                                </m:e>
+                                <m:sub>
+                                  <m:r>
+                                    <a:rPr lang="en-US" sz="2000" b="0" i="1" smtClean="0">
+                                      <a:latin typeface="Cambria Math" panose="02040503050406030204" pitchFamily="18" charset="0"/>
+                                    </a:rPr>
+                                    <m:t>0</m:t>
+                                  </m:r>
+                                </m:sub>
+                              </m:sSub>
+                            </m:oMath>
+                          </a14:m>
+                          <a:r>
+                            <a:rPr lang="en-US" sz="2000" dirty="0"/>
+                            <a:t> </a:t>
+                          </a:r>
+                        </a:p>
+                        <a:p>
+                          <a:pPr marL="0" marR="0" lvl="0" indent="0" algn="ctr" defTabSz="914400" rtl="0" eaLnBrk="1" fontAlgn="auto" latinLnBrk="0" hangingPunct="1">
+                            <a:lnSpc>
+                              <a:spcPct val="100000"/>
+                            </a:lnSpc>
+                            <a:spcBef>
+                              <a:spcPts val="0"/>
+                            </a:spcBef>
+                            <a:spcAft>
+                              <a:spcPts val="0"/>
+                            </a:spcAft>
+                            <a:buClrTx/>
+                            <a:buSzTx/>
+                            <a:buFontTx/>
+                            <a:buNone/>
+                            <a:tabLst/>
+                            <a:defRPr/>
+                          </a:pPr>
+                          <a:r>
+                            <a:rPr lang="en-US" sz="2000" dirty="0">
+                              <a:solidFill>
+                                <a:schemeClr val="tx1">
+                                  <a:lumMod val="50000"/>
+                                  <a:lumOff val="50000"/>
+                                </a:schemeClr>
+                              </a:solidFill>
+                            </a:rPr>
+                            <a:t>(we</a:t>
+                          </a:r>
+                          <a:r>
+                            <a:rPr lang="en-US" sz="2000" baseline="0" dirty="0">
+                              <a:solidFill>
+                                <a:schemeClr val="tx1">
+                                  <a:lumMod val="50000"/>
+                                  <a:lumOff val="50000"/>
+                                </a:schemeClr>
+                              </a:solidFill>
+                            </a:rPr>
+                            <a:t> suspect </a:t>
+                          </a:r>
+                          <a14:m>
+                            <m:oMath xmlns:m="http://schemas.openxmlformats.org/officeDocument/2006/math">
+                              <m:sSub>
+                                <m:sSubPr>
+                                  <m:ctrlPr>
+                                    <a:rPr lang="en-US" sz="2000" b="0" i="1" baseline="0" smtClean="0">
+                                      <a:solidFill>
+                                        <a:schemeClr val="tx1">
+                                          <a:lumMod val="50000"/>
+                                          <a:lumOff val="50000"/>
+                                        </a:schemeClr>
+                                      </a:solidFill>
+                                      <a:latin typeface="Cambria Math" panose="02040503050406030204" pitchFamily="18" charset="0"/>
+                                    </a:rPr>
+                                  </m:ctrlPr>
+                                </m:sSubPr>
+                                <m:e>
+                                  <m:r>
+                                    <a:rPr lang="en-US" sz="2000" b="0" i="1" baseline="0" smtClean="0">
+                                      <a:solidFill>
+                                        <a:schemeClr val="tx1">
+                                          <a:lumMod val="50000"/>
+                                          <a:lumOff val="50000"/>
+                                        </a:schemeClr>
+                                      </a:solidFill>
+                                      <a:latin typeface="Cambria Math" panose="02040503050406030204" pitchFamily="18" charset="0"/>
+                                    </a:rPr>
+                                    <m:t>𝐻</m:t>
+                                  </m:r>
+                                </m:e>
+                                <m:sub>
+                                  <m:r>
+                                    <a:rPr lang="en-US" sz="2000" b="0" i="1" baseline="0" smtClean="0">
+                                      <a:solidFill>
+                                        <a:schemeClr val="tx1">
+                                          <a:lumMod val="50000"/>
+                                          <a:lumOff val="50000"/>
+                                        </a:schemeClr>
+                                      </a:solidFill>
+                                      <a:latin typeface="Cambria Math" panose="02040503050406030204" pitchFamily="18" charset="0"/>
+                                    </a:rPr>
+                                    <m:t>0</m:t>
+                                  </m:r>
+                                </m:sub>
+                              </m:sSub>
+                            </m:oMath>
+                          </a14:m>
+                          <a:r>
+                            <a:rPr lang="en-US" sz="2000" dirty="0">
+                              <a:solidFill>
+                                <a:schemeClr val="tx1">
+                                  <a:lumMod val="50000"/>
+                                  <a:lumOff val="50000"/>
+                                </a:schemeClr>
+                              </a:solidFill>
+                            </a:rPr>
+                            <a:t> is true)</a:t>
+                          </a:r>
+                        </a:p>
+                      </a:txBody>
+                      <a:tcPr>
+                        <a:lnL w="12700" cap="flat" cmpd="sng" algn="ctr">
+                          <a:solidFill>
+                            <a:schemeClr val="tx1"/>
+                          </a:solidFill>
+                          <a:prstDash val="solid"/>
+                          <a:round/>
+                          <a:headEnd type="none" w="med" len="med"/>
+                          <a:tailEnd type="none" w="med" len="med"/>
+                        </a:lnL>
+                        <a:lnR w="12700" cmpd="sng">
+                          <a:noFill/>
+                        </a:lnR>
+                        <a:lnT w="12700" cap="flat" cmpd="sng" algn="ctr">
+                          <a:noFill/>
+                          <a:prstDash val="solid"/>
+                          <a:round/>
+                          <a:headEnd type="none" w="med" len="med"/>
+                          <a:tailEnd type="none" w="med" len="med"/>
+                        </a:lnT>
+                        <a:lnB w="12700" cap="flat" cmpd="sng" algn="ctr">
+                          <a:solidFill>
+                            <a:schemeClr val="tx1"/>
+                          </a:solidFill>
+                          <a:prstDash val="solid"/>
+                          <a:round/>
+                          <a:headEnd type="none" w="med" len="med"/>
+                          <a:tailEnd type="none" w="med" len="med"/>
+                        </a:lnB>
+                        <a:lnTlToBr w="12700" cmpd="sng">
+                          <a:noFill/>
+                          <a:prstDash val="solid"/>
+                        </a:lnTlToBr>
+                        <a:lnBlToTr w="12700" cmpd="sng">
+                          <a:noFill/>
+                          <a:prstDash val="solid"/>
+                        </a:lnBlToTr>
+                      </a:tcPr>
+                    </a:tc>
+                    <a:extLst>
+                      <a:ext uri="{0D108BD9-81ED-4DB2-BD59-A6C34878D82A}">
+                        <a16:rowId xmlns:a16="http://schemas.microsoft.com/office/drawing/2014/main" val="1176627883"/>
+                      </a:ext>
+                    </a:extLst>
+                  </a:tr>
+                  <a:tr h="671136">
+                    <a:tc rowSpan="2">
+                      <a:txBody>
+                        <a:bodyPr/>
+                        <a:lstStyle/>
+                        <a:p>
+                          <a:pPr algn="ctr"/>
+                          <a:r>
+                            <a:rPr lang="en-US" sz="2000" b="1" dirty="0">
+                              <a:solidFill>
+                                <a:schemeClr val="bg1"/>
+                              </a:solidFill>
+                            </a:rPr>
+                            <a:t>Truth</a:t>
+                          </a:r>
+                        </a:p>
+                      </a:txBody>
+                      <a:tcPr anchor="ctr">
+                        <a:lnL w="12700" cmpd="sng">
+                          <a:noFill/>
+                        </a:lnL>
+                        <a:lnR w="12700" cmpd="sng">
+                          <a:noFill/>
+                        </a:lnR>
+                        <a:lnT w="12700" cap="flat" cmpd="sng" algn="ctr">
+                          <a:solidFill>
+                            <a:schemeClr val="tx1"/>
+                          </a:solidFill>
+                          <a:prstDash val="solid"/>
+                          <a:round/>
+                          <a:headEnd type="none" w="med" len="med"/>
+                          <a:tailEnd type="none" w="med" len="med"/>
+                        </a:lnT>
+                        <a:lnB w="38100" cap="flat" cmpd="sng" algn="ctr">
+                          <a:solidFill>
+                            <a:schemeClr val="tx1"/>
+                          </a:solidFill>
+                          <a:prstDash val="solid"/>
+                          <a:round/>
+                          <a:headEnd type="none" w="med" len="med"/>
+                          <a:tailEnd type="none" w="med" len="med"/>
+                        </a:lnB>
+                        <a:lnTlToBr w="12700" cmpd="sng">
+                          <a:noFill/>
+                          <a:prstDash val="solid"/>
+                        </a:lnTlToBr>
+                        <a:lnBlToTr w="12700" cmpd="sng">
+                          <a:noFill/>
+                          <a:prstDash val="solid"/>
+                        </a:lnBlToTr>
+                        <a:solidFill>
+                          <a:schemeClr val="accent6"/>
+                        </a:solidFill>
+                      </a:tcPr>
+                    </a:tc>
+                    <a:tc>
+                      <a:txBody>
+                        <a:bodyPr/>
+                        <a:lstStyle/>
+                        <a:p>
+                          <a:pPr algn="ctr"/>
+                          <a14:m>
+                            <m:oMath xmlns:m="http://schemas.openxmlformats.org/officeDocument/2006/math">
+                              <m:sSub>
+                                <m:sSubPr>
+                                  <m:ctrlPr>
+                                    <a:rPr lang="en-US" sz="2000" b="0" i="1" smtClean="0">
+                                      <a:latin typeface="Cambria Math" panose="02040503050406030204" pitchFamily="18" charset="0"/>
+                                    </a:rPr>
+                                  </m:ctrlPr>
+                                </m:sSubPr>
+                                <m:e>
+                                  <m:r>
+                                    <a:rPr lang="en-US" sz="2000" b="0" i="1" smtClean="0">
+                                      <a:latin typeface="Cambria Math" panose="02040503050406030204" pitchFamily="18" charset="0"/>
+                                    </a:rPr>
+                                    <m:t>𝐻</m:t>
+                                  </m:r>
+                                </m:e>
+                                <m:sub>
+                                  <m:r>
+                                    <a:rPr lang="en-US" sz="2000" b="0" i="1" smtClean="0">
+                                      <a:latin typeface="Cambria Math" panose="02040503050406030204" pitchFamily="18" charset="0"/>
+                                    </a:rPr>
+                                    <m:t>0</m:t>
+                                  </m:r>
+                                </m:sub>
+                              </m:sSub>
+                            </m:oMath>
+                          </a14:m>
+                          <a:r>
+                            <a:rPr lang="en-US" sz="2000" dirty="0"/>
+                            <a:t> is true</a:t>
+                          </a:r>
+                        </a:p>
+                      </a:txBody>
+                      <a:tcPr anchor="ctr">
+                        <a:lnL w="12700" cmpd="sng">
+                          <a:noFill/>
+                        </a:lnL>
+                        <a:lnR w="12700" cap="flat" cmpd="sng" algn="ctr">
+                          <a:solidFill>
+                            <a:schemeClr val="tx1"/>
+                          </a:solidFill>
+                          <a:prstDash val="solid"/>
+                          <a:round/>
+                          <a:headEnd type="none" w="med" len="med"/>
+                          <a:tailEnd type="none" w="med" len="med"/>
+                        </a:lnR>
+                        <a:lnT w="12700" cap="flat" cmpd="sng" algn="ctr">
+                          <a:solidFill>
+                            <a:schemeClr val="tx1"/>
+                          </a:solidFill>
+                          <a:prstDash val="solid"/>
+                          <a:round/>
+                          <a:headEnd type="none" w="med" len="med"/>
+                          <a:tailEnd type="none" w="med" len="med"/>
+                        </a:lnT>
+                        <a:lnB w="12700" cap="flat" cmpd="sng" algn="ctr">
+                          <a:solidFill>
+                            <a:schemeClr val="tx1"/>
+                          </a:solidFill>
+                          <a:prstDash val="solid"/>
+                          <a:round/>
+                          <a:headEnd type="none" w="med" len="med"/>
+                          <a:tailEnd type="none" w="med" len="med"/>
+                        </a:lnB>
+                        <a:lnTlToBr w="12700" cmpd="sng">
+                          <a:noFill/>
+                          <a:prstDash val="solid"/>
+                        </a:lnTlToBr>
+                        <a:lnBlToTr w="12700" cmpd="sng">
+                          <a:noFill/>
+                          <a:prstDash val="solid"/>
+                        </a:lnBlToTr>
+                      </a:tcPr>
+                    </a:tc>
+                    <a:tc>
+                      <a:txBody>
+                        <a:bodyPr/>
+                        <a:lstStyle/>
+                        <a:p>
+                          <a:pPr algn="ctr"/>
+                          <a:r>
+                            <a:rPr lang="en-US" sz="2000" b="1" dirty="0">
+                              <a:solidFill>
+                                <a:srgbClr val="C00000"/>
+                              </a:solidFill>
+                            </a:rPr>
+                            <a:t>Type 1 Error</a:t>
+                          </a:r>
+                        </a:p>
+                      </a:txBody>
+                      <a:tcPr anchor="ctr">
+                        <a:lnL w="12700" cap="flat" cmpd="sng" algn="ctr">
+                          <a:solidFill>
+                            <a:schemeClr val="tx1"/>
+                          </a:solidFill>
+                          <a:prstDash val="solid"/>
+                          <a:round/>
+                          <a:headEnd type="none" w="med" len="med"/>
+                          <a:tailEnd type="none" w="med" len="med"/>
+                        </a:lnL>
+                        <a:lnR w="12700" cap="flat" cmpd="sng" algn="ctr">
+                          <a:solidFill>
+                            <a:schemeClr val="tx1"/>
+                          </a:solidFill>
+                          <a:prstDash val="solid"/>
+                          <a:round/>
+                          <a:headEnd type="none" w="med" len="med"/>
+                          <a:tailEnd type="none" w="med" len="med"/>
+                        </a:lnR>
+                        <a:lnT w="12700" cap="flat" cmpd="sng" algn="ctr">
+                          <a:solidFill>
+                            <a:schemeClr val="tx1"/>
+                          </a:solidFill>
+                          <a:prstDash val="solid"/>
+                          <a:round/>
+                          <a:headEnd type="none" w="med" len="med"/>
+                          <a:tailEnd type="none" w="med" len="med"/>
+                        </a:lnT>
+                        <a:lnB w="12700" cap="flat" cmpd="sng" algn="ctr">
+                          <a:solidFill>
+                            <a:schemeClr val="tx1"/>
+                          </a:solidFill>
+                          <a:prstDash val="solid"/>
+                          <a:round/>
+                          <a:headEnd type="none" w="med" len="med"/>
+                          <a:tailEnd type="none" w="med" len="med"/>
+                        </a:lnB>
+                        <a:lnTlToBr w="12700" cmpd="sng">
+                          <a:noFill/>
+                          <a:prstDash val="solid"/>
+                        </a:lnTlToBr>
+                        <a:lnBlToTr w="12700" cmpd="sng">
+                          <a:noFill/>
+                          <a:prstDash val="solid"/>
+                        </a:lnBlToTr>
+                      </a:tcPr>
+                    </a:tc>
+                    <a:tc>
+                      <a:txBody>
+                        <a:bodyPr/>
+                        <a:lstStyle/>
+                        <a:p>
+                          <a:pPr algn="ctr"/>
+                          <a:endParaRPr lang="en-US" sz="2000" dirty="0"/>
+                        </a:p>
+                      </a:txBody>
+                      <a:tcPr anchor="ctr">
+                        <a:lnL w="12700" cap="flat" cmpd="sng" algn="ctr">
+                          <a:solidFill>
+                            <a:schemeClr val="tx1"/>
+                          </a:solidFill>
+                          <a:prstDash val="solid"/>
+                          <a:round/>
+                          <a:headEnd type="none" w="med" len="med"/>
+                          <a:tailEnd type="none" w="med" len="med"/>
+                        </a:lnL>
+                        <a:lnR w="12700" cmpd="sng">
+                          <a:noFill/>
+                        </a:lnR>
+                        <a:lnT w="12700" cap="flat" cmpd="sng" algn="ctr">
+                          <a:solidFill>
+                            <a:schemeClr val="tx1"/>
+                          </a:solidFill>
+                          <a:prstDash val="solid"/>
+                          <a:round/>
+                          <a:headEnd type="none" w="med" len="med"/>
+                          <a:tailEnd type="none" w="med" len="med"/>
+                        </a:lnT>
+                        <a:lnB w="12700" cap="flat" cmpd="sng" algn="ctr">
+                          <a:solidFill>
+                            <a:schemeClr val="tx1"/>
+                          </a:solidFill>
+                          <a:prstDash val="solid"/>
+                          <a:round/>
+                          <a:headEnd type="none" w="med" len="med"/>
+                          <a:tailEnd type="none" w="med" len="med"/>
+                        </a:lnB>
+                        <a:lnTlToBr w="12700" cmpd="sng">
+                          <a:noFill/>
+                          <a:prstDash val="solid"/>
+                        </a:lnTlToBr>
+                        <a:lnBlToTr w="12700" cmpd="sng">
+                          <a:noFill/>
+                          <a:prstDash val="solid"/>
+                        </a:lnBlToTr>
+                      </a:tcPr>
+                    </a:tc>
+                    <a:extLst>
+                      <a:ext uri="{0D108BD9-81ED-4DB2-BD59-A6C34878D82A}">
+                        <a16:rowId xmlns:a16="http://schemas.microsoft.com/office/drawing/2014/main" val="1253287830"/>
+                      </a:ext>
+                    </a:extLst>
+                  </a:tr>
+                  <a:tr h="723894">
+                    <a:tc vMerge="1">
+                      <a:txBody>
+                        <a:bodyPr/>
+                        <a:lstStyle/>
+                        <a:p>
+                          <a:endParaRPr lang="en-US" dirty="0"/>
+                        </a:p>
+                      </a:txBody>
+                      <a:tcPr/>
+                    </a:tc>
+                    <a:tc>
+                      <a:txBody>
+                        <a:bodyPr/>
+                        <a:lstStyle/>
+                        <a:p>
+                          <a:pPr algn="ctr"/>
+                          <a14:m>
+                            <m:oMath xmlns:m="http://schemas.openxmlformats.org/officeDocument/2006/math">
+                              <m:sSub>
+                                <m:sSubPr>
+                                  <m:ctrlPr>
+                                    <a:rPr lang="en-US" sz="2000" b="0" i="1" smtClean="0">
+                                      <a:latin typeface="Cambria Math" panose="02040503050406030204" pitchFamily="18" charset="0"/>
+                                    </a:rPr>
+                                  </m:ctrlPr>
+                                </m:sSubPr>
+                                <m:e>
+                                  <m:r>
+                                    <a:rPr lang="en-US" sz="2000" b="0" i="1" smtClean="0">
+                                      <a:latin typeface="Cambria Math" panose="02040503050406030204" pitchFamily="18" charset="0"/>
+                                    </a:rPr>
+                                    <m:t>𝐻</m:t>
+                                  </m:r>
+                                </m:e>
+                                <m:sub>
+                                  <m:r>
+                                    <a:rPr lang="en-US" sz="2000" b="0" i="1" smtClean="0">
+                                      <a:latin typeface="Cambria Math" panose="02040503050406030204" pitchFamily="18" charset="0"/>
+                                    </a:rPr>
+                                    <m:t>0</m:t>
+                                  </m:r>
+                                </m:sub>
+                              </m:sSub>
+                            </m:oMath>
+                          </a14:m>
+                          <a:r>
+                            <a:rPr lang="en-US" sz="2000" b="0" i="0" dirty="0">
+                              <a:latin typeface="+mj-lt"/>
+                            </a:rPr>
+                            <a:t> is false</a:t>
+                          </a:r>
+                          <a:endParaRPr lang="en-US" sz="2000" b="0" i="1" dirty="0">
+                            <a:latin typeface="Cambria Math" panose="02040503050406030204" pitchFamily="18" charset="0"/>
+                          </a:endParaRPr>
+                        </a:p>
+                        <a:p>
+                          <a:pPr algn="ctr"/>
+                          <a:r>
+                            <a:rPr lang="en-US" sz="2000" b="0" dirty="0">
+                              <a:solidFill>
+                                <a:schemeClr val="tx1">
+                                  <a:lumMod val="50000"/>
+                                  <a:lumOff val="50000"/>
+                                </a:schemeClr>
+                              </a:solidFill>
+                            </a:rPr>
+                            <a:t>(</a:t>
+                          </a:r>
+                          <a14:m>
+                            <m:oMath xmlns:m="http://schemas.openxmlformats.org/officeDocument/2006/math">
+                              <m:sSub>
+                                <m:sSubPr>
+                                  <m:ctrlPr>
+                                    <a:rPr lang="en-US" sz="2000" b="0" i="1" smtClean="0">
+                                      <a:solidFill>
+                                        <a:schemeClr val="tx1">
+                                          <a:lumMod val="50000"/>
+                                          <a:lumOff val="50000"/>
+                                        </a:schemeClr>
+                                      </a:solidFill>
+                                      <a:latin typeface="Cambria Math" panose="02040503050406030204" pitchFamily="18" charset="0"/>
+                                    </a:rPr>
+                                  </m:ctrlPr>
+                                </m:sSubPr>
+                                <m:e>
+                                  <m:r>
+                                    <a:rPr lang="en-US" sz="2000" b="0" i="1" smtClean="0">
+                                      <a:solidFill>
+                                        <a:schemeClr val="tx1">
+                                          <a:lumMod val="50000"/>
+                                          <a:lumOff val="50000"/>
+                                        </a:schemeClr>
+                                      </a:solidFill>
+                                      <a:latin typeface="Cambria Math" panose="02040503050406030204" pitchFamily="18" charset="0"/>
+                                    </a:rPr>
+                                    <m:t>𝐻</m:t>
+                                  </m:r>
+                                </m:e>
+                                <m:sub>
+                                  <m:r>
+                                    <a:rPr lang="en-US" sz="2000" b="0" i="1" smtClean="0">
+                                      <a:solidFill>
+                                        <a:schemeClr val="tx1">
+                                          <a:lumMod val="50000"/>
+                                          <a:lumOff val="50000"/>
+                                        </a:schemeClr>
+                                      </a:solidFill>
+                                      <a:latin typeface="Cambria Math" panose="02040503050406030204" pitchFamily="18" charset="0"/>
+                                    </a:rPr>
+                                    <m:t>𝐴</m:t>
+                                  </m:r>
+                                </m:sub>
+                              </m:sSub>
+                            </m:oMath>
+                          </a14:m>
+                          <a:r>
+                            <a:rPr lang="en-US" sz="2000" dirty="0">
+                              <a:solidFill>
+                                <a:schemeClr val="tx1">
+                                  <a:lumMod val="50000"/>
+                                  <a:lumOff val="50000"/>
+                                </a:schemeClr>
+                              </a:solidFill>
+                            </a:rPr>
+                            <a:t> is true)</a:t>
+                          </a:r>
+                        </a:p>
+                      </a:txBody>
+                      <a:tcPr>
+                        <a:lnL w="12700" cmpd="sng">
+                          <a:noFill/>
+                        </a:lnL>
+                        <a:lnR w="12700" cap="flat" cmpd="sng" algn="ctr">
+                          <a:solidFill>
+                            <a:schemeClr val="tx1"/>
+                          </a:solidFill>
+                          <a:prstDash val="solid"/>
+                          <a:round/>
+                          <a:headEnd type="none" w="med" len="med"/>
+                          <a:tailEnd type="none" w="med" len="med"/>
+                        </a:lnR>
+                        <a:lnT w="12700" cap="flat" cmpd="sng" algn="ctr">
+                          <a:solidFill>
+                            <a:schemeClr val="tx1"/>
+                          </a:solidFill>
+                          <a:prstDash val="solid"/>
+                          <a:round/>
+                          <a:headEnd type="none" w="med" len="med"/>
+                          <a:tailEnd type="none" w="med" len="med"/>
+                        </a:lnT>
+                        <a:lnB w="38100" cap="flat" cmpd="sng" algn="ctr">
+                          <a:solidFill>
+                            <a:schemeClr val="tx1"/>
+                          </a:solidFill>
+                          <a:prstDash val="solid"/>
+                          <a:round/>
+                          <a:headEnd type="none" w="med" len="med"/>
+                          <a:tailEnd type="none" w="med" len="med"/>
+                        </a:lnB>
+                        <a:lnTlToBr w="12700" cmpd="sng">
+                          <a:noFill/>
+                          <a:prstDash val="solid"/>
+                        </a:lnTlToBr>
+                        <a:lnBlToTr w="12700" cmpd="sng">
+                          <a:noFill/>
+                          <a:prstDash val="solid"/>
+                        </a:lnBlToTr>
+                      </a:tcPr>
+                    </a:tc>
+                    <a:tc>
+                      <a:txBody>
+                        <a:bodyPr/>
+                        <a:lstStyle/>
+                        <a:p>
+                          <a:pPr algn="ctr"/>
+                          <a:endParaRPr lang="en-US" sz="2000" dirty="0"/>
+                        </a:p>
+                      </a:txBody>
+                      <a:tcPr anchor="ctr">
+                        <a:lnL w="12700" cap="flat" cmpd="sng" algn="ctr">
+                          <a:solidFill>
+                            <a:schemeClr val="tx1"/>
+                          </a:solidFill>
+                          <a:prstDash val="solid"/>
+                          <a:round/>
+                          <a:headEnd type="none" w="med" len="med"/>
+                          <a:tailEnd type="none" w="med" len="med"/>
+                        </a:lnL>
+                        <a:lnR w="12700" cap="flat" cmpd="sng" algn="ctr">
+                          <a:solidFill>
+                            <a:schemeClr val="tx1"/>
+                          </a:solidFill>
+                          <a:prstDash val="solid"/>
+                          <a:round/>
+                          <a:headEnd type="none" w="med" len="med"/>
+                          <a:tailEnd type="none" w="med" len="med"/>
+                        </a:lnR>
+                        <a:lnT w="12700" cap="flat" cmpd="sng" algn="ctr">
+                          <a:solidFill>
+                            <a:schemeClr val="tx1"/>
+                          </a:solidFill>
+                          <a:prstDash val="solid"/>
+                          <a:round/>
+                          <a:headEnd type="none" w="med" len="med"/>
+                          <a:tailEnd type="none" w="med" len="med"/>
+                        </a:lnT>
+                        <a:lnB w="38100" cap="flat" cmpd="sng" algn="ctr">
+                          <a:solidFill>
+                            <a:schemeClr val="tx1"/>
+                          </a:solidFill>
+                          <a:prstDash val="solid"/>
+                          <a:round/>
+                          <a:headEnd type="none" w="med" len="med"/>
+                          <a:tailEnd type="none" w="med" len="med"/>
+                        </a:lnB>
+                        <a:lnTlToBr w="12700" cmpd="sng">
+                          <a:noFill/>
+                          <a:prstDash val="solid"/>
+                        </a:lnTlToBr>
+                        <a:lnBlToTr w="12700" cmpd="sng">
+                          <a:noFill/>
+                          <a:prstDash val="solid"/>
+                        </a:lnBlToTr>
+                      </a:tcPr>
+                    </a:tc>
+                    <a:tc>
+                      <a:txBody>
+                        <a:bodyPr/>
+                        <a:lstStyle/>
+                        <a:p>
+                          <a:pPr algn="ctr"/>
+                          <a:r>
+                            <a:rPr lang="en-US" sz="2000" b="1" dirty="0">
+                              <a:solidFill>
+                                <a:srgbClr val="C00000"/>
+                              </a:solidFill>
+                            </a:rPr>
+                            <a:t>Type 2 error</a:t>
+                          </a:r>
+                        </a:p>
+                      </a:txBody>
+                      <a:tcPr anchor="ctr">
+                        <a:lnL w="12700" cap="flat" cmpd="sng" algn="ctr">
+                          <a:solidFill>
+                            <a:schemeClr val="tx1"/>
+                          </a:solidFill>
+                          <a:prstDash val="solid"/>
+                          <a:round/>
+                          <a:headEnd type="none" w="med" len="med"/>
+                          <a:tailEnd type="none" w="med" len="med"/>
+                        </a:lnL>
+                        <a:lnR w="12700" cmpd="sng">
+                          <a:noFill/>
+                        </a:lnR>
+                        <a:lnT w="12700" cap="flat" cmpd="sng" algn="ctr">
+                          <a:solidFill>
+                            <a:schemeClr val="tx1"/>
+                          </a:solidFill>
+                          <a:prstDash val="solid"/>
+                          <a:round/>
+                          <a:headEnd type="none" w="med" len="med"/>
+                          <a:tailEnd type="none" w="med" len="med"/>
+                        </a:lnT>
+                        <a:lnB w="38100" cap="flat" cmpd="sng" algn="ctr">
+                          <a:solidFill>
+                            <a:schemeClr val="tx1"/>
+                          </a:solidFill>
+                          <a:prstDash val="solid"/>
+                          <a:round/>
+                          <a:headEnd type="none" w="med" len="med"/>
+                          <a:tailEnd type="none" w="med" len="med"/>
+                        </a:lnB>
+                        <a:lnTlToBr w="12700" cmpd="sng">
+                          <a:noFill/>
+                          <a:prstDash val="solid"/>
+                        </a:lnTlToBr>
+                        <a:lnBlToTr w="12700" cmpd="sng">
+                          <a:noFill/>
+                          <a:prstDash val="solid"/>
+                        </a:lnBlToTr>
+                      </a:tcPr>
+                    </a:tc>
+                    <a:extLst>
+                      <a:ext uri="{0D108BD9-81ED-4DB2-BD59-A6C34878D82A}">
+                        <a16:rowId xmlns:a16="http://schemas.microsoft.com/office/drawing/2014/main" val="986018790"/>
+                      </a:ext>
+                    </a:extLst>
+                  </a:tr>
+                </a:tbl>
+              </a:graphicData>
+            </a:graphic>
+          </p:graphicFrame>
+        </mc:Choice>
+        <mc:Fallback xmlns="">
+          <p:graphicFrame>
+            <p:nvGraphicFramePr>
+              <p:cNvPr id="11" name="Table 10">
+                <a:extLst>
+                  <a:ext uri="{FF2B5EF4-FFF2-40B4-BE49-F238E27FC236}">
+                    <a16:creationId xmlns:a16="http://schemas.microsoft.com/office/drawing/2014/main" id="{0229C7F4-F9DF-7B3E-ED6B-08A61D7144DE}"/>
+                  </a:ext>
+                </a:extLst>
+              </p:cNvPr>
+              <p:cNvGraphicFramePr>
+                <a:graphicFrameLocks noGrp="1"/>
+              </p:cNvGraphicFramePr>
+              <p:nvPr>
+                <p:extLst>
+                  <p:ext uri="{D42A27DB-BD31-4B8C-83A1-F6EECF244321}">
+                    <p14:modId xmlns:p14="http://schemas.microsoft.com/office/powerpoint/2010/main" val="1089887293"/>
+                  </p:ext>
+                </p:extLst>
+              </p:nvPr>
+            </p:nvGraphicFramePr>
+            <p:xfrm>
+              <a:off x="3556343" y="159429"/>
+              <a:ext cx="8219504" cy="2528082"/>
+            </p:xfrm>
+            <a:graphic>
+              <a:graphicData uri="http://schemas.openxmlformats.org/drawingml/2006/table">
+                <a:tbl>
+                  <a:tblPr firstRow="1" bandRow="1">
+                    <a:tableStyleId>{5940675A-B579-460E-94D1-54222C63F5DA}</a:tableStyleId>
+                  </a:tblPr>
+                  <a:tblGrid>
+                    <a:gridCol w="1117339">
+                      <a:extLst>
+                        <a:ext uri="{9D8B030D-6E8A-4147-A177-3AD203B41FA5}">
+                          <a16:colId xmlns:a16="http://schemas.microsoft.com/office/drawing/2014/main" val="1078454106"/>
+                        </a:ext>
+                      </a:extLst>
+                    </a:gridCol>
+                    <a:gridCol w="1767453">
+                      <a:extLst>
+                        <a:ext uri="{9D8B030D-6E8A-4147-A177-3AD203B41FA5}">
+                          <a16:colId xmlns:a16="http://schemas.microsoft.com/office/drawing/2014/main" val="1156508427"/>
+                        </a:ext>
+                      </a:extLst>
+                    </a:gridCol>
+                    <a:gridCol w="2633623">
+                      <a:extLst>
+                        <a:ext uri="{9D8B030D-6E8A-4147-A177-3AD203B41FA5}">
+                          <a16:colId xmlns:a16="http://schemas.microsoft.com/office/drawing/2014/main" val="3036579095"/>
+                        </a:ext>
+                      </a:extLst>
+                    </a:gridCol>
+                    <a:gridCol w="2701089">
+                      <a:extLst>
+                        <a:ext uri="{9D8B030D-6E8A-4147-A177-3AD203B41FA5}">
+                          <a16:colId xmlns:a16="http://schemas.microsoft.com/office/drawing/2014/main" val="4107515368"/>
+                        </a:ext>
+                      </a:extLst>
+                    </a:gridCol>
+                  </a:tblGrid>
+                  <a:tr h="409158">
+                    <a:tc>
+                      <a:txBody>
+                        <a:bodyPr/>
+                        <a:lstStyle/>
+                        <a:p>
+                          <a:endParaRPr lang="en-US" sz="2000" dirty="0"/>
+                        </a:p>
+                      </a:txBody>
+                      <a:tcPr>
+                        <a:lnL w="12700" cmpd="sng">
+                          <a:noFill/>
+                        </a:lnL>
+                        <a:lnR w="12700" cmpd="sng">
+                          <a:noFill/>
+                        </a:lnR>
+                        <a:lnT w="12700" cap="flat" cmpd="sng" algn="ctr">
+                          <a:noFill/>
+                          <a:prstDash val="solid"/>
+                          <a:round/>
+                          <a:headEnd type="none" w="med" len="med"/>
+                          <a:tailEnd type="none" w="med" len="med"/>
+                        </a:lnT>
+                        <a:lnB w="12700" cmpd="sng">
+                          <a:noFill/>
+                        </a:lnB>
+                        <a:lnTlToBr w="12700" cmpd="sng">
+                          <a:noFill/>
+                          <a:prstDash val="solid"/>
+                        </a:lnTlToBr>
+                        <a:lnBlToTr w="12700" cmpd="sng">
+                          <a:noFill/>
+                          <a:prstDash val="solid"/>
+                        </a:lnBlToTr>
+                      </a:tcPr>
+                    </a:tc>
+                    <a:tc>
+                      <a:txBody>
+                        <a:bodyPr/>
+                        <a:lstStyle/>
+                        <a:p>
+                          <a:endParaRPr lang="en-US" sz="2000" dirty="0"/>
+                        </a:p>
+                      </a:txBody>
+                      <a:tcPr>
+                        <a:lnL w="12700" cmpd="sng">
+                          <a:noFill/>
+                        </a:lnL>
+                        <a:lnR w="12700" cmpd="sng">
+                          <a:noFill/>
+                        </a:lnR>
+                        <a:lnT w="12700" cap="flat" cmpd="sng" algn="ctr">
+                          <a:noFill/>
+                          <a:prstDash val="solid"/>
+                          <a:round/>
+                          <a:headEnd type="none" w="med" len="med"/>
+                          <a:tailEnd type="none" w="med" len="med"/>
+                        </a:lnT>
+                        <a:lnB w="12700" cmpd="sng">
+                          <a:noFill/>
+                        </a:lnB>
+                        <a:lnTlToBr w="12700" cmpd="sng">
+                          <a:noFill/>
+                          <a:prstDash val="solid"/>
+                        </a:lnTlToBr>
+                        <a:lnBlToTr w="12700" cmpd="sng">
+                          <a:noFill/>
+                          <a:prstDash val="solid"/>
+                        </a:lnBlToTr>
+                      </a:tcPr>
+                    </a:tc>
+                    <a:tc gridSpan="2">
+                      <a:txBody>
+                        <a:bodyPr/>
+                        <a:lstStyle/>
+                        <a:p>
+                          <a:pPr algn="ctr"/>
+                          <a:r>
+                            <a:rPr lang="en-US" sz="2000" b="1" dirty="0">
+                              <a:solidFill>
+                                <a:schemeClr val="bg1"/>
+                              </a:solidFill>
+                            </a:rPr>
+                            <a:t>Test Conclusion</a:t>
+                          </a:r>
+                        </a:p>
+                      </a:txBody>
+                      <a:tcPr anchor="ctr">
+                        <a:lnL w="12700" cmpd="sng">
+                          <a:noFill/>
+                        </a:lnL>
+                        <a:lnR w="12700" cmpd="sng">
+                          <a:noFill/>
+                        </a:lnR>
+                        <a:lnT w="38100" cap="flat" cmpd="sng" algn="ctr">
+                          <a:solidFill>
+                            <a:schemeClr val="tx1"/>
+                          </a:solidFill>
+                          <a:prstDash val="solid"/>
+                          <a:round/>
+                          <a:headEnd type="none" w="med" len="med"/>
+                          <a:tailEnd type="none" w="med" len="med"/>
+                        </a:lnT>
+                        <a:lnB w="12700" cap="flat" cmpd="sng" algn="ctr">
+                          <a:noFill/>
+                          <a:prstDash val="solid"/>
+                          <a:round/>
+                          <a:headEnd type="none" w="med" len="med"/>
+                          <a:tailEnd type="none" w="med" len="med"/>
+                        </a:lnB>
+                        <a:lnTlToBr w="12700" cmpd="sng">
+                          <a:noFill/>
+                          <a:prstDash val="solid"/>
+                        </a:lnTlToBr>
+                        <a:lnBlToTr w="12700" cmpd="sng">
+                          <a:noFill/>
+                          <a:prstDash val="solid"/>
+                        </a:lnBlToTr>
+                        <a:solidFill>
+                          <a:schemeClr val="accent6"/>
+                        </a:solidFill>
+                      </a:tcPr>
+                    </a:tc>
+                    <a:tc hMerge="1">
+                      <a:txBody>
+                        <a:bodyPr/>
+                        <a:lstStyle/>
+                        <a:p>
+                          <a:endParaRPr lang="en-US" dirty="0"/>
+                        </a:p>
+                      </a:txBody>
+                      <a:tcPr/>
+                    </a:tc>
+                    <a:extLst>
+                      <a:ext uri="{0D108BD9-81ED-4DB2-BD59-A6C34878D82A}">
+                        <a16:rowId xmlns:a16="http://schemas.microsoft.com/office/drawing/2014/main" val="997505066"/>
+                      </a:ext>
+                    </a:extLst>
+                  </a:tr>
+                  <a:tr h="723894">
+                    <a:tc>
+                      <a:txBody>
+                        <a:bodyPr/>
+                        <a:lstStyle/>
+                        <a:p>
+                          <a:endParaRPr lang="en-US" sz="2000" dirty="0"/>
+                        </a:p>
+                      </a:txBody>
+                      <a:tcPr>
+                        <a:lnL w="12700" cmpd="sng">
+                          <a:noFill/>
+                        </a:lnL>
+                        <a:lnR w="12700" cmpd="sng">
+                          <a:noFill/>
+                        </a:lnR>
+                        <a:lnT w="12700" cmpd="sng">
+                          <a:noFill/>
+                        </a:lnT>
+                        <a:lnB w="12700" cap="flat" cmpd="sng" algn="ctr">
+                          <a:solidFill>
+                            <a:schemeClr val="tx1"/>
+                          </a:solidFill>
+                          <a:prstDash val="solid"/>
+                          <a:round/>
+                          <a:headEnd type="none" w="med" len="med"/>
+                          <a:tailEnd type="none" w="med" len="med"/>
+                        </a:lnB>
+                        <a:lnTlToBr w="12700" cmpd="sng">
+                          <a:noFill/>
+                          <a:prstDash val="solid"/>
+                        </a:lnTlToBr>
+                        <a:lnBlToTr w="12700" cmpd="sng">
+                          <a:noFill/>
+                          <a:prstDash val="solid"/>
+                        </a:lnBlToTr>
+                      </a:tcPr>
+                    </a:tc>
+                    <a:tc>
+                      <a:txBody>
+                        <a:bodyPr/>
+                        <a:lstStyle/>
+                        <a:p>
+                          <a:endParaRPr lang="en-US" sz="2000" dirty="0"/>
+                        </a:p>
+                      </a:txBody>
+                      <a:tcPr>
+                        <a:lnL w="12700" cmpd="sng">
+                          <a:noFill/>
+                        </a:lnL>
+                        <a:lnR w="12700" cap="flat" cmpd="sng" algn="ctr">
+                          <a:solidFill>
+                            <a:schemeClr val="tx1"/>
+                          </a:solidFill>
+                          <a:prstDash val="solid"/>
+                          <a:round/>
+                          <a:headEnd type="none" w="med" len="med"/>
+                          <a:tailEnd type="none" w="med" len="med"/>
+                        </a:lnR>
+                        <a:lnT w="12700" cmpd="sng">
+                          <a:noFill/>
+                        </a:lnT>
+                        <a:lnB w="12700" cap="flat" cmpd="sng" algn="ctr">
+                          <a:solidFill>
+                            <a:schemeClr val="tx1"/>
+                          </a:solidFill>
+                          <a:prstDash val="solid"/>
+                          <a:round/>
+                          <a:headEnd type="none" w="med" len="med"/>
+                          <a:tailEnd type="none" w="med" len="med"/>
+                        </a:lnB>
+                        <a:lnTlToBr w="12700" cmpd="sng">
+                          <a:noFill/>
+                          <a:prstDash val="solid"/>
+                        </a:lnTlToBr>
+                        <a:lnBlToTr w="12700" cmpd="sng">
+                          <a:noFill/>
+                          <a:prstDash val="solid"/>
+                        </a:lnBlToTr>
+                      </a:tcPr>
+                    </a:tc>
+                    <a:tc>
+                      <a:txBody>
+                        <a:bodyPr/>
+                        <a:lstStyle/>
+                        <a:p>
+                          <a:endParaRPr lang="en-US"/>
+                        </a:p>
+                      </a:txBody>
+                      <a:tcPr>
+                        <a:lnL w="12700" cap="flat" cmpd="sng" algn="ctr">
+                          <a:solidFill>
+                            <a:schemeClr val="tx1"/>
+                          </a:solidFill>
+                          <a:prstDash val="solid"/>
+                          <a:round/>
+                          <a:headEnd type="none" w="med" len="med"/>
+                          <a:tailEnd type="none" w="med" len="med"/>
+                        </a:lnL>
+                        <a:lnR w="12700" cap="flat" cmpd="sng" algn="ctr">
+                          <a:solidFill>
+                            <a:schemeClr val="tx1"/>
+                          </a:solidFill>
+                          <a:prstDash val="solid"/>
+                          <a:round/>
+                          <a:headEnd type="none" w="med" len="med"/>
+                          <a:tailEnd type="none" w="med" len="med"/>
+                        </a:lnR>
+                        <a:lnT w="12700" cap="flat" cmpd="sng" algn="ctr">
+                          <a:noFill/>
+                          <a:prstDash val="solid"/>
+                          <a:round/>
+                          <a:headEnd type="none" w="med" len="med"/>
+                          <a:tailEnd type="none" w="med" len="med"/>
+                        </a:lnT>
+                        <a:lnB w="12700" cap="flat" cmpd="sng" algn="ctr">
+                          <a:solidFill>
+                            <a:schemeClr val="tx1"/>
+                          </a:solidFill>
+                          <a:prstDash val="solid"/>
+                          <a:round/>
+                          <a:headEnd type="none" w="med" len="med"/>
+                          <a:tailEnd type="none" w="med" len="med"/>
+                        </a:lnB>
+                        <a:lnTlToBr w="12700" cmpd="sng">
+                          <a:noFill/>
+                          <a:prstDash val="solid"/>
+                        </a:lnTlToBr>
+                        <a:lnBlToTr w="12700" cmpd="sng">
+                          <a:noFill/>
+                          <a:prstDash val="solid"/>
+                        </a:lnBlToTr>
+                        <a:blipFill>
+                          <a:blip r:embed="rId4"/>
+                          <a:stretch>
+                            <a:fillRect l="-109615" t="-58621" r="-102885" b="-201724"/>
+                          </a:stretch>
+                        </a:blipFill>
+                      </a:tcPr>
+                    </a:tc>
+                    <a:tc>
+                      <a:txBody>
+                        <a:bodyPr/>
+                        <a:lstStyle/>
+                        <a:p>
+                          <a:endParaRPr lang="en-US"/>
+                        </a:p>
+                      </a:txBody>
+                      <a:tcPr>
+                        <a:lnL w="12700" cap="flat" cmpd="sng" algn="ctr">
+                          <a:solidFill>
+                            <a:schemeClr val="tx1"/>
+                          </a:solidFill>
+                          <a:prstDash val="solid"/>
+                          <a:round/>
+                          <a:headEnd type="none" w="med" len="med"/>
+                          <a:tailEnd type="none" w="med" len="med"/>
+                        </a:lnL>
+                        <a:lnR w="12700" cmpd="sng">
+                          <a:noFill/>
+                        </a:lnR>
+                        <a:lnT w="12700" cap="flat" cmpd="sng" algn="ctr">
+                          <a:noFill/>
+                          <a:prstDash val="solid"/>
+                          <a:round/>
+                          <a:headEnd type="none" w="med" len="med"/>
+                          <a:tailEnd type="none" w="med" len="med"/>
+                        </a:lnT>
+                        <a:lnB w="12700" cap="flat" cmpd="sng" algn="ctr">
+                          <a:solidFill>
+                            <a:schemeClr val="tx1"/>
+                          </a:solidFill>
+                          <a:prstDash val="solid"/>
+                          <a:round/>
+                          <a:headEnd type="none" w="med" len="med"/>
+                          <a:tailEnd type="none" w="med" len="med"/>
+                        </a:lnB>
+                        <a:lnTlToBr w="12700" cmpd="sng">
+                          <a:noFill/>
+                          <a:prstDash val="solid"/>
+                        </a:lnTlToBr>
+                        <a:lnBlToTr w="12700" cmpd="sng">
+                          <a:noFill/>
+                          <a:prstDash val="solid"/>
+                        </a:lnBlToTr>
+                        <a:blipFill>
+                          <a:blip r:embed="rId4"/>
+                          <a:stretch>
+                            <a:fillRect l="-204695" t="-58621" r="-469" b="-201724"/>
+                          </a:stretch>
+                        </a:blipFill>
+                      </a:tcPr>
+                    </a:tc>
+                    <a:extLst>
+                      <a:ext uri="{0D108BD9-81ED-4DB2-BD59-A6C34878D82A}">
+                        <a16:rowId xmlns:a16="http://schemas.microsoft.com/office/drawing/2014/main" val="1176627883"/>
+                      </a:ext>
+                    </a:extLst>
+                  </a:tr>
+                  <a:tr h="671136">
+                    <a:tc rowSpan="2">
+                      <a:txBody>
+                        <a:bodyPr/>
+                        <a:lstStyle/>
+                        <a:p>
+                          <a:pPr algn="ctr"/>
+                          <a:r>
+                            <a:rPr lang="en-US" sz="2000" b="1" dirty="0">
+                              <a:solidFill>
+                                <a:schemeClr val="bg1"/>
+                              </a:solidFill>
+                            </a:rPr>
+                            <a:t>Truth</a:t>
+                          </a:r>
+                        </a:p>
+                      </a:txBody>
+                      <a:tcPr anchor="ctr">
+                        <a:lnL w="12700" cmpd="sng">
+                          <a:noFill/>
+                        </a:lnL>
+                        <a:lnR w="12700" cmpd="sng">
+                          <a:noFill/>
+                        </a:lnR>
+                        <a:lnT w="12700" cap="flat" cmpd="sng" algn="ctr">
+                          <a:solidFill>
+                            <a:schemeClr val="tx1"/>
+                          </a:solidFill>
+                          <a:prstDash val="solid"/>
+                          <a:round/>
+                          <a:headEnd type="none" w="med" len="med"/>
+                          <a:tailEnd type="none" w="med" len="med"/>
+                        </a:lnT>
+                        <a:lnB w="38100" cap="flat" cmpd="sng" algn="ctr">
+                          <a:solidFill>
+                            <a:schemeClr val="tx1"/>
+                          </a:solidFill>
+                          <a:prstDash val="solid"/>
+                          <a:round/>
+                          <a:headEnd type="none" w="med" len="med"/>
+                          <a:tailEnd type="none" w="med" len="med"/>
+                        </a:lnB>
+                        <a:lnTlToBr w="12700" cmpd="sng">
+                          <a:noFill/>
+                          <a:prstDash val="solid"/>
+                        </a:lnTlToBr>
+                        <a:lnBlToTr w="12700" cmpd="sng">
+                          <a:noFill/>
+                          <a:prstDash val="solid"/>
+                        </a:lnBlToTr>
+                        <a:solidFill>
+                          <a:schemeClr val="accent6"/>
+                        </a:solidFill>
+                      </a:tcPr>
+                    </a:tc>
+                    <a:tc>
+                      <a:txBody>
+                        <a:bodyPr/>
+                        <a:lstStyle/>
+                        <a:p>
+                          <a:endParaRPr lang="en-US"/>
+                        </a:p>
+                      </a:txBody>
+                      <a:tcPr anchor="ctr">
+                        <a:lnL w="12700" cmpd="sng">
+                          <a:noFill/>
+                        </a:lnL>
+                        <a:lnR w="12700" cap="flat" cmpd="sng" algn="ctr">
+                          <a:solidFill>
+                            <a:schemeClr val="tx1"/>
+                          </a:solidFill>
+                          <a:prstDash val="solid"/>
+                          <a:round/>
+                          <a:headEnd type="none" w="med" len="med"/>
+                          <a:tailEnd type="none" w="med" len="med"/>
+                        </a:lnR>
+                        <a:lnT w="12700" cap="flat" cmpd="sng" algn="ctr">
+                          <a:solidFill>
+                            <a:schemeClr val="tx1"/>
+                          </a:solidFill>
+                          <a:prstDash val="solid"/>
+                          <a:round/>
+                          <a:headEnd type="none" w="med" len="med"/>
+                          <a:tailEnd type="none" w="med" len="med"/>
+                        </a:lnT>
+                        <a:lnB w="12700" cap="flat" cmpd="sng" algn="ctr">
+                          <a:solidFill>
+                            <a:schemeClr val="tx1"/>
+                          </a:solidFill>
+                          <a:prstDash val="solid"/>
+                          <a:round/>
+                          <a:headEnd type="none" w="med" len="med"/>
+                          <a:tailEnd type="none" w="med" len="med"/>
+                        </a:lnB>
+                        <a:lnTlToBr w="12700" cmpd="sng">
+                          <a:noFill/>
+                          <a:prstDash val="solid"/>
+                        </a:lnTlToBr>
+                        <a:lnBlToTr w="12700" cmpd="sng">
+                          <a:noFill/>
+                          <a:prstDash val="solid"/>
+                        </a:lnBlToTr>
+                        <a:blipFill>
+                          <a:blip r:embed="rId4"/>
+                          <a:stretch>
+                            <a:fillRect l="-64029" t="-173585" r="-303597" b="-120755"/>
+                          </a:stretch>
+                        </a:blipFill>
+                      </a:tcPr>
+                    </a:tc>
+                    <a:tc>
+                      <a:txBody>
+                        <a:bodyPr/>
+                        <a:lstStyle/>
+                        <a:p>
+                          <a:pPr algn="ctr"/>
+                          <a:r>
+                            <a:rPr lang="en-US" sz="2000" b="1" dirty="0">
+                              <a:solidFill>
+                                <a:srgbClr val="C00000"/>
+                              </a:solidFill>
+                            </a:rPr>
+                            <a:t>Type 1 Error</a:t>
+                          </a:r>
+                        </a:p>
+                      </a:txBody>
+                      <a:tcPr anchor="ctr">
+                        <a:lnL w="12700" cap="flat" cmpd="sng" algn="ctr">
+                          <a:solidFill>
+                            <a:schemeClr val="tx1"/>
+                          </a:solidFill>
+                          <a:prstDash val="solid"/>
+                          <a:round/>
+                          <a:headEnd type="none" w="med" len="med"/>
+                          <a:tailEnd type="none" w="med" len="med"/>
+                        </a:lnL>
+                        <a:lnR w="12700" cap="flat" cmpd="sng" algn="ctr">
+                          <a:solidFill>
+                            <a:schemeClr val="tx1"/>
+                          </a:solidFill>
+                          <a:prstDash val="solid"/>
+                          <a:round/>
+                          <a:headEnd type="none" w="med" len="med"/>
+                          <a:tailEnd type="none" w="med" len="med"/>
+                        </a:lnR>
+                        <a:lnT w="12700" cap="flat" cmpd="sng" algn="ctr">
+                          <a:solidFill>
+                            <a:schemeClr val="tx1"/>
+                          </a:solidFill>
+                          <a:prstDash val="solid"/>
+                          <a:round/>
+                          <a:headEnd type="none" w="med" len="med"/>
+                          <a:tailEnd type="none" w="med" len="med"/>
+                        </a:lnT>
+                        <a:lnB w="12700" cap="flat" cmpd="sng" algn="ctr">
+                          <a:solidFill>
+                            <a:schemeClr val="tx1"/>
+                          </a:solidFill>
+                          <a:prstDash val="solid"/>
+                          <a:round/>
+                          <a:headEnd type="none" w="med" len="med"/>
+                          <a:tailEnd type="none" w="med" len="med"/>
+                        </a:lnB>
+                        <a:lnTlToBr w="12700" cmpd="sng">
+                          <a:noFill/>
+                          <a:prstDash val="solid"/>
+                        </a:lnTlToBr>
+                        <a:lnBlToTr w="12700" cmpd="sng">
+                          <a:noFill/>
+                          <a:prstDash val="solid"/>
+                        </a:lnBlToTr>
+                      </a:tcPr>
+                    </a:tc>
+                    <a:tc>
+                      <a:txBody>
+                        <a:bodyPr/>
+                        <a:lstStyle/>
+                        <a:p>
+                          <a:pPr algn="ctr"/>
+                          <a:endParaRPr lang="en-US" sz="2000" dirty="0"/>
+                        </a:p>
+                      </a:txBody>
+                      <a:tcPr anchor="ctr">
+                        <a:lnL w="12700" cap="flat" cmpd="sng" algn="ctr">
+                          <a:solidFill>
+                            <a:schemeClr val="tx1"/>
+                          </a:solidFill>
+                          <a:prstDash val="solid"/>
+                          <a:round/>
+                          <a:headEnd type="none" w="med" len="med"/>
+                          <a:tailEnd type="none" w="med" len="med"/>
+                        </a:lnL>
+                        <a:lnR w="12700" cmpd="sng">
+                          <a:noFill/>
+                        </a:lnR>
+                        <a:lnT w="12700" cap="flat" cmpd="sng" algn="ctr">
+                          <a:solidFill>
+                            <a:schemeClr val="tx1"/>
+                          </a:solidFill>
+                          <a:prstDash val="solid"/>
+                          <a:round/>
+                          <a:headEnd type="none" w="med" len="med"/>
+                          <a:tailEnd type="none" w="med" len="med"/>
+                        </a:lnT>
+                        <a:lnB w="12700" cap="flat" cmpd="sng" algn="ctr">
+                          <a:solidFill>
+                            <a:schemeClr val="tx1"/>
+                          </a:solidFill>
+                          <a:prstDash val="solid"/>
+                          <a:round/>
+                          <a:headEnd type="none" w="med" len="med"/>
+                          <a:tailEnd type="none" w="med" len="med"/>
+                        </a:lnB>
+                        <a:lnTlToBr w="12700" cmpd="sng">
+                          <a:noFill/>
+                          <a:prstDash val="solid"/>
+                        </a:lnTlToBr>
+                        <a:lnBlToTr w="12700" cmpd="sng">
+                          <a:noFill/>
+                          <a:prstDash val="solid"/>
+                        </a:lnBlToTr>
+                      </a:tcPr>
+                    </a:tc>
+                    <a:extLst>
+                      <a:ext uri="{0D108BD9-81ED-4DB2-BD59-A6C34878D82A}">
+                        <a16:rowId xmlns:a16="http://schemas.microsoft.com/office/drawing/2014/main" val="1253287830"/>
+                      </a:ext>
+                    </a:extLst>
+                  </a:tr>
+                  <a:tr h="723894">
+                    <a:tc vMerge="1">
+                      <a:txBody>
+                        <a:bodyPr/>
+                        <a:lstStyle/>
+                        <a:p>
+                          <a:endParaRPr lang="en-US" dirty="0"/>
+                        </a:p>
+                      </a:txBody>
+                      <a:tcPr/>
+                    </a:tc>
+                    <a:tc>
+                      <a:txBody>
+                        <a:bodyPr/>
+                        <a:lstStyle/>
+                        <a:p>
+                          <a:endParaRPr lang="en-US"/>
+                        </a:p>
+                      </a:txBody>
+                      <a:tcPr>
+                        <a:lnL w="12700" cmpd="sng">
+                          <a:noFill/>
+                        </a:lnL>
+                        <a:lnR w="12700" cap="flat" cmpd="sng" algn="ctr">
+                          <a:solidFill>
+                            <a:schemeClr val="tx1"/>
+                          </a:solidFill>
+                          <a:prstDash val="solid"/>
+                          <a:round/>
+                          <a:headEnd type="none" w="med" len="med"/>
+                          <a:tailEnd type="none" w="med" len="med"/>
+                        </a:lnR>
+                        <a:lnT w="12700" cap="flat" cmpd="sng" algn="ctr">
+                          <a:solidFill>
+                            <a:schemeClr val="tx1"/>
+                          </a:solidFill>
+                          <a:prstDash val="solid"/>
+                          <a:round/>
+                          <a:headEnd type="none" w="med" len="med"/>
+                          <a:tailEnd type="none" w="med" len="med"/>
+                        </a:lnT>
+                        <a:lnB w="38100" cap="flat" cmpd="sng" algn="ctr">
+                          <a:solidFill>
+                            <a:schemeClr val="tx1"/>
+                          </a:solidFill>
+                          <a:prstDash val="solid"/>
+                          <a:round/>
+                          <a:headEnd type="none" w="med" len="med"/>
+                          <a:tailEnd type="none" w="med" len="med"/>
+                        </a:lnB>
+                        <a:lnTlToBr w="12700" cmpd="sng">
+                          <a:noFill/>
+                          <a:prstDash val="solid"/>
+                        </a:lnTlToBr>
+                        <a:lnBlToTr w="12700" cmpd="sng">
+                          <a:noFill/>
+                          <a:prstDash val="solid"/>
+                        </a:lnBlToTr>
+                        <a:blipFill>
+                          <a:blip r:embed="rId4"/>
+                          <a:stretch>
+                            <a:fillRect l="-64029" t="-254386" r="-303597" b="-12281"/>
+                          </a:stretch>
+                        </a:blipFill>
+                      </a:tcPr>
+                    </a:tc>
+                    <a:tc>
+                      <a:txBody>
+                        <a:bodyPr/>
+                        <a:lstStyle/>
+                        <a:p>
+                          <a:pPr algn="ctr"/>
+                          <a:endParaRPr lang="en-US" sz="2000" dirty="0"/>
+                        </a:p>
+                      </a:txBody>
+                      <a:tcPr anchor="ctr">
+                        <a:lnL w="12700" cap="flat" cmpd="sng" algn="ctr">
+                          <a:solidFill>
+                            <a:schemeClr val="tx1"/>
+                          </a:solidFill>
+                          <a:prstDash val="solid"/>
+                          <a:round/>
+                          <a:headEnd type="none" w="med" len="med"/>
+                          <a:tailEnd type="none" w="med" len="med"/>
+                        </a:lnL>
+                        <a:lnR w="12700" cap="flat" cmpd="sng" algn="ctr">
+                          <a:solidFill>
+                            <a:schemeClr val="tx1"/>
+                          </a:solidFill>
+                          <a:prstDash val="solid"/>
+                          <a:round/>
+                          <a:headEnd type="none" w="med" len="med"/>
+                          <a:tailEnd type="none" w="med" len="med"/>
+                        </a:lnR>
+                        <a:lnT w="12700" cap="flat" cmpd="sng" algn="ctr">
+                          <a:solidFill>
+                            <a:schemeClr val="tx1"/>
+                          </a:solidFill>
+                          <a:prstDash val="solid"/>
+                          <a:round/>
+                          <a:headEnd type="none" w="med" len="med"/>
+                          <a:tailEnd type="none" w="med" len="med"/>
+                        </a:lnT>
+                        <a:lnB w="38100" cap="flat" cmpd="sng" algn="ctr">
+                          <a:solidFill>
+                            <a:schemeClr val="tx1"/>
+                          </a:solidFill>
+                          <a:prstDash val="solid"/>
+                          <a:round/>
+                          <a:headEnd type="none" w="med" len="med"/>
+                          <a:tailEnd type="none" w="med" len="med"/>
+                        </a:lnB>
+                        <a:lnTlToBr w="12700" cmpd="sng">
+                          <a:noFill/>
+                          <a:prstDash val="solid"/>
+                        </a:lnTlToBr>
+                        <a:lnBlToTr w="12700" cmpd="sng">
+                          <a:noFill/>
+                          <a:prstDash val="solid"/>
+                        </a:lnBlToTr>
+                      </a:tcPr>
+                    </a:tc>
+                    <a:tc>
+                      <a:txBody>
+                        <a:bodyPr/>
+                        <a:lstStyle/>
+                        <a:p>
+                          <a:pPr algn="ctr"/>
+                          <a:r>
+                            <a:rPr lang="en-US" sz="2000" b="1" dirty="0">
+                              <a:solidFill>
+                                <a:srgbClr val="C00000"/>
+                              </a:solidFill>
+                            </a:rPr>
+                            <a:t>Type 2 error</a:t>
+                          </a:r>
+                        </a:p>
+                      </a:txBody>
+                      <a:tcPr anchor="ctr">
+                        <a:lnL w="12700" cap="flat" cmpd="sng" algn="ctr">
+                          <a:solidFill>
+                            <a:schemeClr val="tx1"/>
+                          </a:solidFill>
+                          <a:prstDash val="solid"/>
+                          <a:round/>
+                          <a:headEnd type="none" w="med" len="med"/>
+                          <a:tailEnd type="none" w="med" len="med"/>
+                        </a:lnL>
+                        <a:lnR w="12700" cmpd="sng">
+                          <a:noFill/>
+                        </a:lnR>
+                        <a:lnT w="12700" cap="flat" cmpd="sng" algn="ctr">
+                          <a:solidFill>
+                            <a:schemeClr val="tx1"/>
+                          </a:solidFill>
+                          <a:prstDash val="solid"/>
+                          <a:round/>
+                          <a:headEnd type="none" w="med" len="med"/>
+                          <a:tailEnd type="none" w="med" len="med"/>
+                        </a:lnT>
+                        <a:lnB w="38100" cap="flat" cmpd="sng" algn="ctr">
+                          <a:solidFill>
+                            <a:schemeClr val="tx1"/>
+                          </a:solidFill>
+                          <a:prstDash val="solid"/>
+                          <a:round/>
+                          <a:headEnd type="none" w="med" len="med"/>
+                          <a:tailEnd type="none" w="med" len="med"/>
+                        </a:lnB>
+                        <a:lnTlToBr w="12700" cmpd="sng">
+                          <a:noFill/>
+                          <a:prstDash val="solid"/>
+                        </a:lnTlToBr>
+                        <a:lnBlToTr w="12700" cmpd="sng">
+                          <a:noFill/>
+                          <a:prstDash val="solid"/>
+                        </a:lnBlToTr>
+                      </a:tcPr>
+                    </a:tc>
+                    <a:extLst>
+                      <a:ext uri="{0D108BD9-81ED-4DB2-BD59-A6C34878D82A}">
+                        <a16:rowId xmlns:a16="http://schemas.microsoft.com/office/drawing/2014/main" val="986018790"/>
+                      </a:ext>
+                    </a:extLst>
+                  </a:tr>
+                </a:tbl>
+              </a:graphicData>
+            </a:graphic>
+          </p:graphicFrame>
+        </mc:Fallback>
+      </mc:AlternateContent>
+      <p:pic>
+        <p:nvPicPr>
+          <p:cNvPr id="18" name="Graphic 17" descr="Thumbs up sign with solid fill">
+            <a:extLst>
+              <a:ext uri="{FF2B5EF4-FFF2-40B4-BE49-F238E27FC236}">
+                <a16:creationId xmlns:a16="http://schemas.microsoft.com/office/drawing/2014/main" id="{FE215A2C-6127-0B47-86BE-79C3385F71C4}"/>
+              </a:ext>
+            </a:extLst>
+          </p:cNvPr>
+          <p:cNvPicPr>
+            <a:picLocks noChangeAspect="1"/>
+          </p:cNvPicPr>
+          <p:nvPr/>
+        </p:nvPicPr>
+        <p:blipFill>
+          <a:blip r:embed="rId5">
+            <a:extLst>
+              <a:ext uri="{96DAC541-7B7A-43D3-8B79-37D633B846F1}">
+                <asvg:svgBlip xmlns:asvg="http://schemas.microsoft.com/office/drawing/2016/SVG/main" r:embed="rId6"/>
+              </a:ext>
+            </a:extLst>
+          </a:blip>
+          <a:stretch>
+            <a:fillRect/>
+          </a:stretch>
+        </p:blipFill>
+        <p:spPr>
+          <a:xfrm>
+            <a:off x="7305841" y="1910350"/>
+            <a:ext cx="777160" cy="777160"/>
+          </a:xfrm>
+          <a:prstGeom prst="rect">
+            <a:avLst/>
+          </a:prstGeom>
+        </p:spPr>
+      </p:pic>
+      <p:pic>
+        <p:nvPicPr>
+          <p:cNvPr id="19" name="Graphic 18" descr="Thumbs up sign with solid fill">
+            <a:extLst>
+              <a:ext uri="{FF2B5EF4-FFF2-40B4-BE49-F238E27FC236}">
+                <a16:creationId xmlns:a16="http://schemas.microsoft.com/office/drawing/2014/main" id="{49D69BE1-469A-4B88-E8F8-0566CB503A84}"/>
+              </a:ext>
+            </a:extLst>
+          </p:cNvPr>
+          <p:cNvPicPr>
+            <a:picLocks noChangeAspect="1"/>
+          </p:cNvPicPr>
+          <p:nvPr/>
+        </p:nvPicPr>
+        <p:blipFill>
+          <a:blip r:embed="rId5">
+            <a:extLst>
+              <a:ext uri="{96DAC541-7B7A-43D3-8B79-37D633B846F1}">
+                <asvg:svgBlip xmlns:asvg="http://schemas.microsoft.com/office/drawing/2016/SVG/main" r:embed="rId6"/>
+              </a:ext>
+            </a:extLst>
+          </a:blip>
+          <a:stretch>
+            <a:fillRect/>
+          </a:stretch>
+        </p:blipFill>
+        <p:spPr>
+          <a:xfrm>
+            <a:off x="9992932" y="1256709"/>
+            <a:ext cx="777160" cy="777160"/>
+          </a:xfrm>
+          <a:prstGeom prst="rect">
+            <a:avLst/>
+          </a:prstGeom>
+        </p:spPr>
+      </p:pic>
+      <p:sp>
+        <p:nvSpPr>
+          <p:cNvPr id="2" name="Rounded Rectangle 1">
+            <a:extLst>
+              <a:ext uri="{FF2B5EF4-FFF2-40B4-BE49-F238E27FC236}">
+                <a16:creationId xmlns:a16="http://schemas.microsoft.com/office/drawing/2014/main" id="{3B247E05-CC17-433E-E9BB-51C1E3B5B8C9}"/>
+              </a:ext>
+            </a:extLst>
+          </p:cNvPr>
+          <p:cNvSpPr/>
+          <p:nvPr/>
+        </p:nvSpPr>
+        <p:spPr>
+          <a:xfrm>
+            <a:off x="460524" y="2854035"/>
+            <a:ext cx="11522928" cy="3958885"/>
+          </a:xfrm>
+          <a:prstGeom prst="roundRect">
+            <a:avLst/>
+          </a:prstGeom>
+        </p:spPr>
+        <p:style>
+          <a:lnRef idx="0">
+            <a:schemeClr val="accent5"/>
+          </a:lnRef>
+          <a:fillRef idx="3">
+            <a:schemeClr val="accent5"/>
+          </a:fillRef>
+          <a:effectRef idx="3">
+            <a:schemeClr val="accent5"/>
+          </a:effectRef>
+          <a:fontRef idx="minor">
+            <a:schemeClr val="lt1"/>
+          </a:fontRef>
+        </p:style>
+        <p:txBody>
+          <a:bodyPr rtlCol="0" anchor="ctr"/>
+          <a:lstStyle/>
+          <a:p>
+            <a:r>
+              <a:rPr lang="en-US" sz="2000" dirty="0"/>
+              <a:t>Suppose you are the manager of a professional baseball team. </a:t>
+            </a:r>
+          </a:p>
+          <a:p>
+            <a:pPr marL="342900" indent="-342900">
+              <a:buFont typeface="Arial" panose="020B0604020202020204" pitchFamily="34" charset="0"/>
+              <a:buChar char="•"/>
+            </a:pPr>
+            <a:r>
+              <a:rPr lang="en-US" sz="2000" dirty="0"/>
+              <a:t>One of the players on your team consistently had a 0.250 batting average (they hit about one out of every four times at the plate).</a:t>
+            </a:r>
+          </a:p>
+          <a:p>
+            <a:pPr marL="342900" indent="-342900">
+              <a:buFont typeface="Arial" panose="020B0604020202020204" pitchFamily="34" charset="0"/>
+              <a:buChar char="•"/>
+            </a:pPr>
+            <a:r>
+              <a:rPr lang="en-US" sz="2000" dirty="0"/>
+              <a:t>When you sit down to negotiate, this player claims they have been working hard in the off season and improved to become a 0.333 hitter.</a:t>
+            </a:r>
+          </a:p>
+          <a:p>
+            <a:pPr marL="342900" indent="-342900">
+              <a:buFont typeface="Arial" panose="020B0604020202020204" pitchFamily="34" charset="0"/>
+              <a:buChar char="•"/>
+            </a:pPr>
+            <a:endParaRPr lang="en-US" sz="2000" dirty="0"/>
+          </a:p>
+          <a:p>
+            <a:r>
+              <a:rPr lang="en-US" sz="2000" dirty="0"/>
+              <a:t>Should you offer this player a raise (at the expense of another players salary)?</a:t>
+            </a:r>
+          </a:p>
+          <a:p>
+            <a:pPr marL="800100" lvl="1" indent="-342900">
+              <a:buFont typeface="Wingdings" pitchFamily="2" charset="2"/>
+              <a:buChar char="Ø"/>
+            </a:pPr>
+            <a:r>
+              <a:rPr lang="en-US" sz="2000" dirty="0"/>
+              <a:t>What is the parameter of interest in this context?</a:t>
+            </a:r>
+          </a:p>
+          <a:p>
+            <a:pPr marL="800100" lvl="1" indent="-342900">
+              <a:buFont typeface="Wingdings" pitchFamily="2" charset="2"/>
+              <a:buChar char="Ø"/>
+            </a:pPr>
+            <a:r>
+              <a:rPr lang="en-US" sz="2000" dirty="0"/>
+              <a:t>If you were to conduct a hypothesis test, what would your null and alternative hypotheses be?</a:t>
+            </a:r>
+          </a:p>
+          <a:p>
+            <a:pPr marL="800100" lvl="1" indent="-342900">
+              <a:buFont typeface="Wingdings" pitchFamily="2" charset="2"/>
+              <a:buChar char="Ø"/>
+            </a:pPr>
+            <a:r>
+              <a:rPr lang="en-US" sz="2000" dirty="0"/>
+              <a:t>What would a Type 1 error be in the context of this problem?</a:t>
+            </a:r>
+          </a:p>
+          <a:p>
+            <a:pPr marL="800100" lvl="1" indent="-342900">
+              <a:buFont typeface="Wingdings" pitchFamily="2" charset="2"/>
+              <a:buChar char="Ø"/>
+            </a:pPr>
+            <a:r>
+              <a:rPr lang="en-US" sz="2000" dirty="0"/>
+              <a:t>What would a Type 2 error be in the context of this problem?</a:t>
+            </a:r>
+          </a:p>
+          <a:p>
+            <a:pPr marL="800100" lvl="1" indent="-342900">
+              <a:buFont typeface="Wingdings" pitchFamily="2" charset="2"/>
+              <a:buChar char="Ø"/>
+            </a:pPr>
+            <a:r>
+              <a:rPr lang="en-US" sz="2000" dirty="0"/>
+              <a:t>Who would be most worried about each type of error (you or the player)? </a:t>
+            </a:r>
+          </a:p>
+        </p:txBody>
+      </p:sp>
+    </p:spTree>
+    <p:extLst>
+      <p:ext uri="{BB962C8B-B14F-4D97-AF65-F5344CB8AC3E}">
+        <p14:creationId xmlns:p14="http://schemas.microsoft.com/office/powerpoint/2010/main" val="187991199"/>
+      </p:ext>
+    </p:extLst>
+  </p:cSld>
+  <p:clrMapOvr>
+    <a:masterClrMapping/>
+  </p:clrMapOvr>
+  <p:transition>
+    <p:cut/>
+  </p:transition>
+</p:sld>
+</file>
+
+<file path=ppt/slides/slide11.xml><?xml version="1.0" encoding="utf-8"?>
+<p:sld xmlns:a="http://schemas.openxmlformats.org/drawingml/2006/main" xmlns:r="http://schemas.openxmlformats.org/officeDocument/2006/relationships" xmlns:p="http://schemas.openxmlformats.org/presentationml/2006/main">
+  <p:cSld>
+    <p:spTree>
+      <p:nvGrpSpPr>
+        <p:cNvPr id="1" name="">
+          <a:extLst>
+            <a:ext uri="{FF2B5EF4-FFF2-40B4-BE49-F238E27FC236}">
+              <a16:creationId xmlns:a16="http://schemas.microsoft.com/office/drawing/2014/main" id="{51E8B79B-E8E6-9CBC-CFFE-FCF3DF3ACC0B}"/>
+            </a:ext>
+          </a:extLst>
+        </p:cNvPr>
+        <p:cNvGrpSpPr/>
+        <p:nvPr/>
+      </p:nvGrpSpPr>
+      <p:grpSpPr>
+        <a:xfrm>
+          <a:off x="0" y="0"/>
+          <a:ext cx="0" cy="0"/>
+          <a:chOff x="0" y="0"/>
+          <a:chExt cx="0" cy="0"/>
+        </a:xfrm>
+      </p:grpSpPr>
+      <p:sp>
+        <p:nvSpPr>
+          <p:cNvPr id="25" name="Title 24">
+            <a:extLst>
+              <a:ext uri="{FF2B5EF4-FFF2-40B4-BE49-F238E27FC236}">
+                <a16:creationId xmlns:a16="http://schemas.microsoft.com/office/drawing/2014/main" id="{F8453FC2-5BE9-D49A-A77C-346F0550F648}"/>
+              </a:ext>
+            </a:extLst>
+          </p:cNvPr>
+          <p:cNvSpPr>
+            <a:spLocks noGrp="1"/>
+          </p:cNvSpPr>
+          <p:nvPr>
+            <p:ph type="title"/>
+          </p:nvPr>
+        </p:nvSpPr>
+        <p:spPr/>
+        <p:txBody>
+          <a:bodyPr/>
+          <a:lstStyle/>
+          <a:p>
+            <a:r>
+              <a:rPr lang="en-US" dirty="0"/>
               <a:t>Practical Significance</a:t>
             </a:r>
           </a:p>
         </p:txBody>
       </p:sp>
-      <mc:AlternateContent xmlns:mc="http://schemas.openxmlformats.org/markup-compatibility/2006">
-        <mc:Choice xmlns:a14="http://schemas.microsoft.com/office/drawing/2010/main" Requires="a14">
+      <mc:AlternateContent xmlns:mc="http://schemas.openxmlformats.org/markup-compatibility/2006" xmlns:a14="http://schemas.microsoft.com/office/drawing/2010/main">
+        <mc:Choice Requires="a14">
           <p:sp>
             <p:nvSpPr>
               <p:cNvPr id="10" name="TextBox 9">
@@ -4955,6 +7702,7 @@
                 </a:r>
               </a:p>
               <a:p>
+                <a:pPr/>
                 <a14:m>
                   <m:oMathPara xmlns:m="http://schemas.openxmlformats.org/officeDocument/2006/math">
                     <m:oMathParaPr>
@@ -5010,6 +7758,7 @@
                 <a:endParaRPr lang="en-US" sz="2400" dirty="0"/>
               </a:p>
               <a:p>
+                <a:pPr/>
                 <a14:m>
                   <m:oMathPara xmlns:m="http://schemas.openxmlformats.org/officeDocument/2006/math">
                     <m:oMathParaPr>
@@ -5114,7 +7863,7 @@
             </p:txBody>
           </p:sp>
         </mc:Choice>
-        <mc:Fallback>
+        <mc:Fallback xmlns="">
           <p:sp>
             <p:nvSpPr>
               <p:cNvPr id="10" name="TextBox 9">
@@ -5159,8 +7908,8 @@
           </p:sp>
         </mc:Fallback>
       </mc:AlternateContent>
-      <mc:AlternateContent xmlns:mc="http://schemas.openxmlformats.org/markup-compatibility/2006">
-        <mc:Choice xmlns:a14="http://schemas.microsoft.com/office/drawing/2010/main" Requires="a14">
+      <mc:AlternateContent xmlns:mc="http://schemas.openxmlformats.org/markup-compatibility/2006" xmlns:a14="http://schemas.microsoft.com/office/drawing/2010/main">
+        <mc:Choice Requires="a14">
           <p:sp>
             <p:nvSpPr>
               <p:cNvPr id="3" name="Rounded Rectangular Callout 2">
@@ -5267,7 +8016,7 @@
             </p:txBody>
           </p:sp>
         </mc:Choice>
-        <mc:Fallback>
+        <mc:Fallback xmlns="">
           <p:sp>
             <p:nvSpPr>
               <p:cNvPr id="3" name="Rounded Rectangular Callout 2">
@@ -5332,7 +8081,7 @@
 </p:sld>
 </file>
 
-<file path=ppt/slides/slide11.xml><?xml version="1.0" encoding="utf-8"?>
+<file path=ppt/slides/slide12.xml><?xml version="1.0" encoding="utf-8"?>
 <p:sld xmlns:a="http://schemas.openxmlformats.org/drawingml/2006/main" xmlns:r="http://schemas.openxmlformats.org/officeDocument/2006/relationships" xmlns:p="http://schemas.openxmlformats.org/presentationml/2006/main">
   <p:cSld>
     <p:spTree>
@@ -5383,8 +8132,8 @@
           </a:p>
         </p:txBody>
       </p:sp>
-      <mc:AlternateContent xmlns:mc="http://schemas.openxmlformats.org/markup-compatibility/2006">
-        <mc:Choice xmlns:a14="http://schemas.microsoft.com/office/drawing/2010/main" Requires="a14">
+      <mc:AlternateContent xmlns:mc="http://schemas.openxmlformats.org/markup-compatibility/2006" xmlns:a14="http://schemas.microsoft.com/office/drawing/2010/main">
+        <mc:Choice Requires="a14">
           <p:sp>
             <p:nvSpPr>
               <p:cNvPr id="10" name="TextBox 9">
@@ -5419,6 +8168,7 @@
                 </a:r>
               </a:p>
               <a:p>
+                <a:pPr/>
                 <a14:m>
                   <m:oMathPara xmlns:m="http://schemas.openxmlformats.org/officeDocument/2006/math">
                     <m:oMathParaPr>
@@ -5474,6 +8224,7 @@
                 <a:endParaRPr lang="en-US" sz="2400" dirty="0"/>
               </a:p>
               <a:p>
+                <a:pPr/>
                 <a14:m>
                   <m:oMathPara xmlns:m="http://schemas.openxmlformats.org/officeDocument/2006/math">
                     <m:oMathParaPr>
@@ -5578,7 +8329,7 @@
             </p:txBody>
           </p:sp>
         </mc:Choice>
-        <mc:Fallback>
+        <mc:Fallback xmlns="">
           <p:sp>
             <p:nvSpPr>
               <p:cNvPr id="10" name="TextBox 9">
@@ -5725,6 +8476,114 @@
           <p:cNvPr id="2" name="Title 1">
             <a:extLst>
               <a:ext uri="{FF2B5EF4-FFF2-40B4-BE49-F238E27FC236}">
+                <a16:creationId xmlns:a16="http://schemas.microsoft.com/office/drawing/2014/main" id="{BEA6A380-698D-F04F-898D-CC6BD20937D1}"/>
+              </a:ext>
+            </a:extLst>
+          </p:cNvPr>
+          <p:cNvSpPr>
+            <a:spLocks noGrp="1"/>
+          </p:cNvSpPr>
+          <p:nvPr>
+            <p:ph type="title"/>
+          </p:nvPr>
+        </p:nvSpPr>
+        <p:spPr/>
+        <p:txBody>
+          <a:bodyPr/>
+          <a:lstStyle/>
+          <a:p>
+            <a:r>
+              <a:rPr lang="en-US" dirty="0"/>
+              <a:t>Reminder</a:t>
+            </a:r>
+          </a:p>
+        </p:txBody>
+      </p:sp>
+      <p:sp>
+        <p:nvSpPr>
+          <p:cNvPr id="3" name="Content Placeholder 2">
+            <a:extLst>
+              <a:ext uri="{FF2B5EF4-FFF2-40B4-BE49-F238E27FC236}">
+                <a16:creationId xmlns:a16="http://schemas.microsoft.com/office/drawing/2014/main" id="{E5144880-6285-A04C-B6DB-BE442B8A2762}"/>
+              </a:ext>
+            </a:extLst>
+          </p:cNvPr>
+          <p:cNvSpPr>
+            <a:spLocks noGrp="1"/>
+          </p:cNvSpPr>
+          <p:nvPr>
+            <p:ph idx="1"/>
+          </p:nvPr>
+        </p:nvSpPr>
+        <p:spPr/>
+        <p:txBody>
+          <a:bodyPr>
+            <a:normAutofit/>
+          </a:bodyPr>
+          <a:lstStyle/>
+          <a:p>
+            <a:r>
+              <a:rPr lang="en-US" sz="2400" dirty="0"/>
+              <a:t>It is your responsibility to submit your assignments on </a:t>
+            </a:r>
+            <a:r>
+              <a:rPr lang="en-US" sz="2400" dirty="0" err="1"/>
+              <a:t>Gradescope</a:t>
+            </a:r>
+            <a:r>
+              <a:rPr lang="en-US" sz="2400" dirty="0"/>
+              <a:t> (and quizzes on PLATO) on time</a:t>
+            </a:r>
+          </a:p>
+          <a:p>
+            <a:r>
+              <a:rPr lang="en-US" sz="2400" dirty="0"/>
+              <a:t>A lot of people are missing submissions – I will not track you down and I will not accept late assignments</a:t>
+            </a:r>
+          </a:p>
+          <a:p>
+            <a:pPr marL="0" indent="0">
+              <a:buNone/>
+            </a:pPr>
+            <a:endParaRPr lang="en-US" sz="2400" dirty="0"/>
+          </a:p>
+        </p:txBody>
+      </p:sp>
+    </p:spTree>
+    <p:extLst>
+      <p:ext uri="{BB962C8B-B14F-4D97-AF65-F5344CB8AC3E}">
+        <p14:creationId xmlns:p14="http://schemas.microsoft.com/office/powerpoint/2010/main" val="973025610"/>
+      </p:ext>
+    </p:extLst>
+  </p:cSld>
+  <p:clrMapOvr>
+    <a:masterClrMapping/>
+  </p:clrMapOvr>
+</p:sld>
+</file>
+
+<file path=ppt/slides/slide3.xml><?xml version="1.0" encoding="utf-8"?>
+<p:sld xmlns:a="http://schemas.openxmlformats.org/drawingml/2006/main" xmlns:r="http://schemas.openxmlformats.org/officeDocument/2006/relationships" xmlns:p="http://schemas.openxmlformats.org/presentationml/2006/main">
+  <p:cSld>
+    <p:spTree>
+      <p:nvGrpSpPr>
+        <p:cNvPr id="1" name=""/>
+        <p:cNvGrpSpPr/>
+        <p:nvPr/>
+      </p:nvGrpSpPr>
+      <p:grpSpPr>
+        <a:xfrm>
+          <a:off x="0" y="0"/>
+          <a:ext cx="0" cy="0"/>
+          <a:chOff x="0" y="0"/>
+          <a:chExt cx="0" cy="0"/>
+        </a:xfrm>
+      </p:grpSpPr>
+      <p:sp>
+        <p:nvSpPr>
+          <p:cNvPr id="2" name="Title 1">
+            <a:extLst>
+              <a:ext uri="{FF2B5EF4-FFF2-40B4-BE49-F238E27FC236}">
                 <a16:creationId xmlns:a16="http://schemas.microsoft.com/office/drawing/2014/main" id="{10D330C2-52A4-1ABA-980B-56FBC97F350C}"/>
               </a:ext>
             </a:extLst>
@@ -5805,7 +8664,7 @@
 </p:sld>
 </file>
 
-<file path=ppt/slides/slide3.xml><?xml version="1.0" encoding="utf-8"?>
+<file path=ppt/slides/slide4.xml><?xml version="1.0" encoding="utf-8"?>
 <p:sld xmlns:a="http://schemas.openxmlformats.org/drawingml/2006/main" xmlns:r="http://schemas.openxmlformats.org/officeDocument/2006/relationships" xmlns:p="http://schemas.openxmlformats.org/presentationml/2006/main">
   <p:cSld>
     <p:spTree>
@@ -5856,8 +8715,8 @@
           </a:p>
         </p:txBody>
       </p:sp>
-      <mc:AlternateContent xmlns:mc="http://schemas.openxmlformats.org/markup-compatibility/2006">
-        <mc:Choice xmlns:a14="http://schemas.microsoft.com/office/drawing/2010/main" Requires="a14">
+      <mc:AlternateContent xmlns:mc="http://schemas.openxmlformats.org/markup-compatibility/2006" xmlns:a14="http://schemas.microsoft.com/office/drawing/2010/main">
+        <mc:Choice Requires="a14">
           <p:sp>
             <p:nvSpPr>
               <p:cNvPr id="10" name="TextBox 9">
@@ -6164,7 +9023,7 @@
             </p:txBody>
           </p:sp>
         </mc:Choice>
-        <mc:Fallback>
+        <mc:Fallback xmlns="">
           <p:sp>
             <p:nvSpPr>
               <p:cNvPr id="10" name="TextBox 9">
@@ -6209,8 +9068,8 @@
           </p:sp>
         </mc:Fallback>
       </mc:AlternateContent>
-      <mc:AlternateContent xmlns:mc="http://schemas.openxmlformats.org/markup-compatibility/2006">
-        <mc:Choice xmlns:a14="http://schemas.microsoft.com/office/drawing/2010/main" Requires="a14">
+      <mc:AlternateContent xmlns:mc="http://schemas.openxmlformats.org/markup-compatibility/2006" xmlns:a14="http://schemas.microsoft.com/office/drawing/2010/main">
+        <mc:Choice Requires="a14">
           <p:sp>
             <p:nvSpPr>
               <p:cNvPr id="3" name="Rounded Rectangle 2">
@@ -6461,7 +9320,7 @@
             </p:txBody>
           </p:sp>
         </mc:Choice>
-        <mc:Fallback>
+        <mc:Fallback xmlns="">
           <p:sp>
             <p:nvSpPr>
               <p:cNvPr id="3" name="Rounded Rectangle 2">
@@ -6522,7 +9381,7 @@
 </p:sld>
 </file>
 
-<file path=ppt/slides/slide4.xml><?xml version="1.0" encoding="utf-8"?>
+<file path=ppt/slides/slide5.xml><?xml version="1.0" encoding="utf-8"?>
 <p:sld xmlns:a="http://schemas.openxmlformats.org/drawingml/2006/main" xmlns:r="http://schemas.openxmlformats.org/officeDocument/2006/relationships" xmlns:p="http://schemas.openxmlformats.org/presentationml/2006/main">
   <p:cSld>
     <p:spTree>
@@ -6545,8 +9404,8 @@
           <a:chExt cx="0" cy="0"/>
         </a:xfrm>
       </p:grpSpPr>
-      <mc:AlternateContent xmlns:mc="http://schemas.openxmlformats.org/markup-compatibility/2006">
-        <mc:Choice xmlns:a14="http://schemas.microsoft.com/office/drawing/2010/main" Requires="a14">
+      <mc:AlternateContent xmlns:mc="http://schemas.openxmlformats.org/markup-compatibility/2006" xmlns:a14="http://schemas.microsoft.com/office/drawing/2010/main">
+        <mc:Choice Requires="a14">
           <p:graphicFrame>
             <p:nvGraphicFramePr>
               <p:cNvPr id="2" name="Table 1">
@@ -7757,7 +10616,7 @@
             </a:graphic>
           </p:graphicFrame>
         </mc:Choice>
-        <mc:Fallback>
+        <mc:Fallback xmlns="">
           <p:graphicFrame>
             <p:nvGraphicFramePr>
               <p:cNvPr id="2" name="Table 1">
@@ -8937,7 +11796,7 @@
 </p:sld>
 </file>
 
-<file path=ppt/slides/slide5.xml><?xml version="1.0" encoding="utf-8"?>
+<file path=ppt/slides/slide6.xml><?xml version="1.0" encoding="utf-8"?>
 <p:sld xmlns:a="http://schemas.openxmlformats.org/drawingml/2006/main" xmlns:r="http://schemas.openxmlformats.org/officeDocument/2006/relationships" xmlns:p="http://schemas.openxmlformats.org/presentationml/2006/main">
   <p:cSld>
     <p:spTree>
@@ -9184,8 +12043,8 @@
           </a:p>
         </p:txBody>
       </p:sp>
-      <mc:AlternateContent xmlns:mc="http://schemas.openxmlformats.org/markup-compatibility/2006">
-        <mc:Choice xmlns:a14="http://schemas.microsoft.com/office/drawing/2010/main" Requires="a14">
+      <mc:AlternateContent xmlns:mc="http://schemas.openxmlformats.org/markup-compatibility/2006" xmlns:a14="http://schemas.microsoft.com/office/drawing/2010/main">
+        <mc:Choice Requires="a14">
           <p:graphicFrame>
             <p:nvGraphicFramePr>
               <p:cNvPr id="20" name="Table 19">
@@ -10396,7 +13255,7 @@
             </a:graphic>
           </p:graphicFrame>
         </mc:Choice>
-        <mc:Fallback>
+        <mc:Fallback xmlns="">
           <p:graphicFrame>
             <p:nvGraphicFramePr>
               <p:cNvPr id="20" name="Table 19">
@@ -11406,7 +14265,7 @@
 </p:sld>
 </file>
 
-<file path=ppt/slides/slide6.xml><?xml version="1.0" encoding="utf-8"?>
+<file path=ppt/slides/slide7.xml><?xml version="1.0" encoding="utf-8"?>
 <p:sld xmlns:a="http://schemas.openxmlformats.org/drawingml/2006/main" xmlns:r="http://schemas.openxmlformats.org/officeDocument/2006/relationships" xmlns:p="http://schemas.openxmlformats.org/presentationml/2006/main">
   <p:cSld>
     <p:spTree>
@@ -11670,8 +14529,8 @@
           </a:p>
         </p:txBody>
       </p:sp>
-      <mc:AlternateContent xmlns:mc="http://schemas.openxmlformats.org/markup-compatibility/2006">
-        <mc:Choice xmlns:a14="http://schemas.microsoft.com/office/drawing/2010/main" Requires="a14">
+      <mc:AlternateContent xmlns:mc="http://schemas.openxmlformats.org/markup-compatibility/2006" xmlns:a14="http://schemas.microsoft.com/office/drawing/2010/main">
+        <mc:Choice Requires="a14">
           <p:graphicFrame>
             <p:nvGraphicFramePr>
               <p:cNvPr id="3" name="Table 2">
@@ -12888,7 +15747,7 @@
             </a:graphic>
           </p:graphicFrame>
         </mc:Choice>
-        <mc:Fallback>
+        <mc:Fallback xmlns="">
           <p:graphicFrame>
             <p:nvGraphicFramePr>
               <p:cNvPr id="3" name="Table 2">
@@ -13795,7 +16654,7 @@
 </p:sld>
 </file>
 
-<file path=ppt/slides/slide7.xml><?xml version="1.0" encoding="utf-8"?>
+<file path=ppt/slides/slide8.xml><?xml version="1.0" encoding="utf-8"?>
 <p:sld xmlns:a="http://schemas.openxmlformats.org/drawingml/2006/main" xmlns:r="http://schemas.openxmlformats.org/officeDocument/2006/relationships" xmlns:p="http://schemas.openxmlformats.org/presentationml/2006/main">
   <p:cSld>
     <p:spTree>
@@ -13846,8 +16705,8 @@
           </a:p>
         </p:txBody>
       </p:sp>
-      <mc:AlternateContent xmlns:mc="http://schemas.openxmlformats.org/markup-compatibility/2006">
-        <mc:Choice xmlns:a14="http://schemas.microsoft.com/office/drawing/2010/main" Requires="a14">
+      <mc:AlternateContent xmlns:mc="http://schemas.openxmlformats.org/markup-compatibility/2006" xmlns:a14="http://schemas.microsoft.com/office/drawing/2010/main">
+        <mc:Choice Requires="a14">
           <p:sp>
             <p:nvSpPr>
               <p:cNvPr id="10" name="TextBox 9">
@@ -14012,7 +16871,7 @@
             </p:txBody>
           </p:sp>
         </mc:Choice>
-        <mc:Fallback>
+        <mc:Fallback xmlns="">
           <p:sp>
             <p:nvSpPr>
               <p:cNvPr id="10" name="TextBox 9">
@@ -14208,8 +17067,8 @@
           </a:p>
         </p:txBody>
       </p:sp>
-      <mc:AlternateContent xmlns:mc="http://schemas.openxmlformats.org/markup-compatibility/2006">
-        <mc:Choice xmlns:a14="http://schemas.microsoft.com/office/drawing/2010/main" Requires="a14">
+      <mc:AlternateContent xmlns:mc="http://schemas.openxmlformats.org/markup-compatibility/2006" xmlns:a14="http://schemas.microsoft.com/office/drawing/2010/main">
+        <mc:Choice Requires="a14">
           <p:graphicFrame>
             <p:nvGraphicFramePr>
               <p:cNvPr id="3" name="Table 2">
@@ -15420,7 +18279,7 @@
             </a:graphic>
           </p:graphicFrame>
         </mc:Choice>
-        <mc:Fallback>
+        <mc:Fallback xmlns="">
           <p:graphicFrame>
             <p:nvGraphicFramePr>
               <p:cNvPr id="3" name="Table 2">
@@ -16321,7 +19180,7 @@
 </p:sld>
 </file>
 
-<file path=ppt/slides/slide8.xml><?xml version="1.0" encoding="utf-8"?>
+<file path=ppt/slides/slide9.xml><?xml version="1.0" encoding="utf-8"?>
 <p:sld xmlns:a="http://schemas.openxmlformats.org/drawingml/2006/main" xmlns:r="http://schemas.openxmlformats.org/officeDocument/2006/relationships" xmlns:p="http://schemas.openxmlformats.org/presentationml/2006/main">
   <p:cSld>
     <p:spTree>
@@ -16372,8 +19231,8 @@
           </a:p>
         </p:txBody>
       </p:sp>
-      <mc:AlternateContent xmlns:mc="http://schemas.openxmlformats.org/markup-compatibility/2006">
-        <mc:Choice xmlns:a14="http://schemas.microsoft.com/office/drawing/2010/main" Requires="a14">
+      <mc:AlternateContent xmlns:mc="http://schemas.openxmlformats.org/markup-compatibility/2006" xmlns:a14="http://schemas.microsoft.com/office/drawing/2010/main">
+        <mc:Choice Requires="a14">
           <p:sp>
             <p:nvSpPr>
               <p:cNvPr id="10" name="TextBox 9">
@@ -16623,7 +19482,7 @@
             </p:txBody>
           </p:sp>
         </mc:Choice>
-        <mc:Fallback>
+        <mc:Fallback xmlns="">
           <p:sp>
             <p:nvSpPr>
               <p:cNvPr id="10" name="TextBox 9">
@@ -16819,8 +19678,8 @@
           </a:p>
         </p:txBody>
       </p:sp>
-      <mc:AlternateContent xmlns:mc="http://schemas.openxmlformats.org/markup-compatibility/2006">
-        <mc:Choice xmlns:a14="http://schemas.microsoft.com/office/drawing/2010/main" Requires="a14">
+      <mc:AlternateContent xmlns:mc="http://schemas.openxmlformats.org/markup-compatibility/2006" xmlns:a14="http://schemas.microsoft.com/office/drawing/2010/main">
+        <mc:Choice Requires="a14">
           <p:graphicFrame>
             <p:nvGraphicFramePr>
               <p:cNvPr id="11" name="Table 10">
@@ -18037,7 +20896,7 @@
             </a:graphic>
           </p:graphicFrame>
         </mc:Choice>
-        <mc:Fallback>
+        <mc:Fallback xmlns="">
           <p:graphicFrame>
             <p:nvGraphicFramePr>
               <p:cNvPr id="11" name="Table 10">
@@ -18932,2752 +21791,6 @@
     <p:extLst>
       <p:ext uri="{BB962C8B-B14F-4D97-AF65-F5344CB8AC3E}">
         <p14:creationId xmlns:p14="http://schemas.microsoft.com/office/powerpoint/2010/main" val="1267504870"/>
-      </p:ext>
-    </p:extLst>
-  </p:cSld>
-  <p:clrMapOvr>
-    <a:masterClrMapping/>
-  </p:clrMapOvr>
-  <p:transition>
-    <p:cut/>
-  </p:transition>
-</p:sld>
-</file>
-
-<file path=ppt/slides/slide9.xml><?xml version="1.0" encoding="utf-8"?>
-<p:sld xmlns:a="http://schemas.openxmlformats.org/drawingml/2006/main" xmlns:r="http://schemas.openxmlformats.org/officeDocument/2006/relationships" xmlns:p="http://schemas.openxmlformats.org/presentationml/2006/main">
-  <p:cSld>
-    <p:spTree>
-      <p:nvGrpSpPr>
-        <p:cNvPr id="1" name="">
-          <a:extLst>
-            <a:ext uri="{FF2B5EF4-FFF2-40B4-BE49-F238E27FC236}">
-              <a16:creationId xmlns:a16="http://schemas.microsoft.com/office/drawing/2014/main" id="{51E8B79B-E8E6-9CBC-CFFE-FCF3DF3ACC0B}"/>
-            </a:ext>
-          </a:extLst>
-        </p:cNvPr>
-        <p:cNvGrpSpPr/>
-        <p:nvPr/>
-      </p:nvGrpSpPr>
-      <p:grpSpPr>
-        <a:xfrm>
-          <a:off x="0" y="0"/>
-          <a:ext cx="0" cy="0"/>
-          <a:chOff x="0" y="0"/>
-          <a:chExt cx="0" cy="0"/>
-        </a:xfrm>
-      </p:grpSpPr>
-      <p:sp>
-        <p:nvSpPr>
-          <p:cNvPr id="25" name="Title 24">
-            <a:extLst>
-              <a:ext uri="{FF2B5EF4-FFF2-40B4-BE49-F238E27FC236}">
-                <a16:creationId xmlns:a16="http://schemas.microsoft.com/office/drawing/2014/main" id="{F8453FC2-5BE9-D49A-A77C-346F0550F648}"/>
-              </a:ext>
-            </a:extLst>
-          </p:cNvPr>
-          <p:cNvSpPr>
-            <a:spLocks noGrp="1"/>
-          </p:cNvSpPr>
-          <p:nvPr>
-            <p:ph type="title"/>
-          </p:nvPr>
-        </p:nvSpPr>
-        <p:spPr/>
-        <p:txBody>
-          <a:bodyPr/>
-          <a:lstStyle/>
-          <a:p>
-            <a:r>
-              <a:rPr lang="en-US" dirty="0"/>
-              <a:t>Decision Errors</a:t>
-            </a:r>
-          </a:p>
-        </p:txBody>
-      </p:sp>
-      <mc:AlternateContent xmlns:mc="http://schemas.openxmlformats.org/markup-compatibility/2006">
-        <mc:Choice xmlns:a14="http://schemas.microsoft.com/office/drawing/2010/main" Requires="a14">
-          <p:sp>
-            <p:nvSpPr>
-              <p:cNvPr id="10" name="TextBox 9">
-                <a:extLst>
-                  <a:ext uri="{FF2B5EF4-FFF2-40B4-BE49-F238E27FC236}">
-                    <a16:creationId xmlns:a16="http://schemas.microsoft.com/office/drawing/2014/main" id="{5912FD36-5C56-DDF1-A12A-DEA4F04B44F4}"/>
-                  </a:ext>
-                </a:extLst>
-              </p:cNvPr>
-              <p:cNvSpPr txBox="1"/>
-              <p:nvPr/>
-            </p:nvSpPr>
-            <p:spPr>
-              <a:xfrm>
-                <a:off x="3464839" y="748226"/>
-                <a:ext cx="8311008" cy="6001643"/>
-              </a:xfrm>
-              <a:prstGeom prst="rect">
-                <a:avLst/>
-              </a:prstGeom>
-              <a:noFill/>
-            </p:spPr>
-            <p:txBody>
-              <a:bodyPr wrap="square" rtlCol="0">
-                <a:spAutoFit/>
-              </a:bodyPr>
-              <a:lstStyle/>
-              <a:p>
-                <a:endParaRPr lang="en-US" sz="2400" dirty="0"/>
-              </a:p>
-              <a:p>
-                <a:endParaRPr lang="en-US" sz="2400" dirty="0"/>
-              </a:p>
-              <a:p>
-                <a:endParaRPr lang="en-US" sz="2400" dirty="0"/>
-              </a:p>
-              <a:p>
-                <a:endParaRPr lang="en-US" sz="2400" dirty="0"/>
-              </a:p>
-              <a:p>
-                <a:endParaRPr lang="en-US" sz="2400" dirty="0"/>
-              </a:p>
-              <a:p>
-                <a:endParaRPr lang="en-US" sz="2400" dirty="0"/>
-              </a:p>
-              <a:p>
-                <a:endParaRPr lang="en-US" sz="2400" dirty="0"/>
-              </a:p>
-              <a:p>
-                <a:endParaRPr lang="en-US" sz="2400" dirty="0"/>
-              </a:p>
-              <a:p>
-                <a:pPr marL="342900" indent="-342900">
-                  <a:buFont typeface="Arial" panose="020B0604020202020204" pitchFamily="34" charset="0"/>
-                  <a:buChar char="•"/>
-                </a:pPr>
-                <a:r>
-                  <a:rPr lang="en-US" sz="2400" dirty="0"/>
-                  <a:t>Because we reject </a:t>
-                </a:r>
-                <a14:m>
-                  <m:oMath xmlns:m="http://schemas.openxmlformats.org/officeDocument/2006/math">
-                    <m:sSub>
-                      <m:sSubPr>
-                        <m:ctrlPr>
-                          <a:rPr lang="en-US" sz="2400" b="0" i="1" smtClean="0">
-                            <a:latin typeface="Cambria Math" panose="02040503050406030204" pitchFamily="18" charset="0"/>
-                          </a:rPr>
-                        </m:ctrlPr>
-                      </m:sSubPr>
-                      <m:e>
-                        <m:r>
-                          <a:rPr lang="en-US" sz="2400" b="0" i="1" smtClean="0">
-                            <a:latin typeface="Cambria Math" panose="02040503050406030204" pitchFamily="18" charset="0"/>
-                          </a:rPr>
-                          <m:t>𝐻</m:t>
-                        </m:r>
-                      </m:e>
-                      <m:sub>
-                        <m:r>
-                          <a:rPr lang="en-US" sz="2400" b="0" i="1" smtClean="0">
-                            <a:latin typeface="Cambria Math" panose="02040503050406030204" pitchFamily="18" charset="0"/>
-                          </a:rPr>
-                          <m:t>0</m:t>
-                        </m:r>
-                      </m:sub>
-                    </m:sSub>
-                  </m:oMath>
-                </a14:m>
-                <a:r>
-                  <a:rPr lang="en-US" sz="2400" dirty="0"/>
-                  <a:t> when </a:t>
-                </a:r>
-                <a14:m>
-                  <m:oMath xmlns:m="http://schemas.openxmlformats.org/officeDocument/2006/math">
-                    <m:r>
-                      <a:rPr lang="en-US" sz="2400" b="0" i="1" smtClean="0">
-                        <a:latin typeface="Cambria Math" panose="02040503050406030204" pitchFamily="18" charset="0"/>
-                      </a:rPr>
-                      <m:t>𝑝</m:t>
-                    </m:r>
-                    <m:r>
-                      <a:rPr lang="en-US" sz="2400" b="0" i="1" smtClean="0">
-                        <a:latin typeface="Cambria Math" panose="02040503050406030204" pitchFamily="18" charset="0"/>
-                      </a:rPr>
-                      <m:t>≤</m:t>
-                    </m:r>
-                    <m:r>
-                      <a:rPr lang="en-US" sz="2400" b="0" i="1" smtClean="0">
-                        <a:latin typeface="Cambria Math" panose="02040503050406030204" pitchFamily="18" charset="0"/>
-                      </a:rPr>
-                      <m:t>𝛼</m:t>
-                    </m:r>
-                  </m:oMath>
-                </a14:m>
-                <a:r>
-                  <a:rPr lang="en-US" sz="2400" dirty="0"/>
-                  <a:t>, the probability of a Type 1 error is </a:t>
-                </a:r>
-                <a14:m>
-                  <m:oMath xmlns:m="http://schemas.openxmlformats.org/officeDocument/2006/math">
-                    <m:r>
-                      <a:rPr lang="en-US" sz="2400" b="0" i="1" smtClean="0">
-                        <a:latin typeface="Cambria Math" panose="02040503050406030204" pitchFamily="18" charset="0"/>
-                      </a:rPr>
-                      <m:t>𝛼</m:t>
-                    </m:r>
-                  </m:oMath>
-                </a14:m>
-                <a:endParaRPr lang="en-US" sz="2400" dirty="0"/>
-              </a:p>
-              <a:p>
-                <a:pPr marL="342900" indent="-342900">
-                  <a:buFont typeface="Arial" panose="020B0604020202020204" pitchFamily="34" charset="0"/>
-                  <a:buChar char="•"/>
-                </a:pPr>
-                <a:r>
-                  <a:rPr lang="en-US" sz="2400" dirty="0"/>
-                  <a:t>The probability of a Type 2 error is </a:t>
-                </a:r>
-                <a14:m>
-                  <m:oMath xmlns:m="http://schemas.openxmlformats.org/officeDocument/2006/math">
-                    <m:r>
-                      <a:rPr lang="en-US" sz="2400" b="0" i="1" smtClean="0">
-                        <a:latin typeface="Cambria Math" panose="02040503050406030204" pitchFamily="18" charset="0"/>
-                      </a:rPr>
-                      <m:t>𝛽</m:t>
-                    </m:r>
-                  </m:oMath>
-                </a14:m>
-                <a:endParaRPr lang="en-US" sz="2400" dirty="0"/>
-              </a:p>
-              <a:p>
-                <a:pPr marL="342900" indent="-342900">
-                  <a:buFont typeface="Arial" panose="020B0604020202020204" pitchFamily="34" charset="0"/>
-                  <a:buChar char="•"/>
-                </a:pPr>
-                <a:endParaRPr lang="en-US" sz="2400" dirty="0"/>
-              </a:p>
-              <a:p>
-                <a:pPr marL="342900" indent="-342900">
-                  <a:buFont typeface="Arial" panose="020B0604020202020204" pitchFamily="34" charset="0"/>
-                  <a:buChar char="•"/>
-                </a:pPr>
-                <a:endParaRPr lang="en-US" sz="2400" dirty="0"/>
-              </a:p>
-              <a:p>
-                <a:pPr marL="342900" indent="-342900">
-                  <a:buFont typeface="Arial" panose="020B0604020202020204" pitchFamily="34" charset="0"/>
-                  <a:buChar char="•"/>
-                </a:pPr>
-                <a:r>
-                  <a:rPr lang="en-US" sz="2400" dirty="0"/>
-                  <a:t>The </a:t>
-                </a:r>
-                <a:r>
-                  <a:rPr lang="en-US" sz="2400" b="1" i="1" dirty="0"/>
-                  <a:t>power </a:t>
-                </a:r>
-                <a:r>
-                  <a:rPr lang="en-US" sz="2400" dirty="0"/>
-                  <a:t>of a statistical test is the probability of correctly rejecting a false </a:t>
-                </a:r>
-                <a14:m>
-                  <m:oMath xmlns:m="http://schemas.openxmlformats.org/officeDocument/2006/math">
-                    <m:sSub>
-                      <m:sSubPr>
-                        <m:ctrlPr>
-                          <a:rPr lang="en-US" sz="2400" b="0" i="1" smtClean="0">
-                            <a:latin typeface="Cambria Math" panose="02040503050406030204" pitchFamily="18" charset="0"/>
-                          </a:rPr>
-                        </m:ctrlPr>
-                      </m:sSubPr>
-                      <m:e>
-                        <m:r>
-                          <a:rPr lang="en-US" sz="2400" b="0" i="1" smtClean="0">
-                            <a:latin typeface="Cambria Math" panose="02040503050406030204" pitchFamily="18" charset="0"/>
-                          </a:rPr>
-                          <m:t>𝐻</m:t>
-                        </m:r>
-                      </m:e>
-                      <m:sub>
-                        <m:r>
-                          <a:rPr lang="en-US" sz="2400" b="0" i="1" smtClean="0">
-                            <a:latin typeface="Cambria Math" panose="02040503050406030204" pitchFamily="18" charset="0"/>
-                          </a:rPr>
-                          <m:t>0</m:t>
-                        </m:r>
-                      </m:sub>
-                    </m:sSub>
-                  </m:oMath>
-                </a14:m>
-                <a:r>
-                  <a:rPr lang="en-US" sz="2400" dirty="0"/>
-                  <a:t> (</a:t>
-                </a:r>
-                <a14:m>
-                  <m:oMath xmlns:m="http://schemas.openxmlformats.org/officeDocument/2006/math">
-                    <m:r>
-                      <a:rPr lang="en-US" sz="2400" b="0" i="1" smtClean="0">
-                        <a:latin typeface="Cambria Math" panose="02040503050406030204" pitchFamily="18" charset="0"/>
-                      </a:rPr>
-                      <m:t>1−</m:t>
-                    </m:r>
-                    <m:r>
-                      <a:rPr lang="en-US" sz="2400" b="0" i="1" smtClean="0">
-                        <a:latin typeface="Cambria Math" panose="02040503050406030204" pitchFamily="18" charset="0"/>
-                      </a:rPr>
-                      <m:t>𝛽</m:t>
-                    </m:r>
-                  </m:oMath>
-                </a14:m>
-                <a:r>
-                  <a:rPr lang="en-US" sz="2400" dirty="0"/>
-                  <a:t>)</a:t>
-                </a:r>
-              </a:p>
-              <a:p>
-                <a:endParaRPr lang="en-US" sz="2400" dirty="0"/>
-              </a:p>
-            </p:txBody>
-          </p:sp>
-        </mc:Choice>
-        <mc:Fallback>
-          <p:sp>
-            <p:nvSpPr>
-              <p:cNvPr id="10" name="TextBox 9">
-                <a:extLst>
-                  <a:ext uri="{FF2B5EF4-FFF2-40B4-BE49-F238E27FC236}">
-                    <a16:creationId xmlns:a16="http://schemas.microsoft.com/office/drawing/2014/main" id="{5912FD36-5C56-DDF1-A12A-DEA4F04B44F4}"/>
-                  </a:ext>
-                </a:extLst>
-              </p:cNvPr>
-              <p:cNvSpPr txBox="1">
-                <a:spLocks noRot="1" noChangeAspect="1" noMove="1" noResize="1" noEditPoints="1" noAdjustHandles="1" noChangeArrowheads="1" noChangeShapeType="1" noTextEdit="1"/>
-              </p:cNvSpPr>
-              <p:nvPr/>
-            </p:nvSpPr>
-            <p:spPr>
-              <a:xfrm>
-                <a:off x="3464839" y="748226"/>
-                <a:ext cx="8311008" cy="6001643"/>
-              </a:xfrm>
-              <a:prstGeom prst="rect">
-                <a:avLst/>
-              </a:prstGeom>
-              <a:blipFill>
-                <a:blip r:embed="rId3"/>
-                <a:stretch>
-                  <a:fillRect l="-915"/>
-                </a:stretch>
-              </a:blipFill>
-            </p:spPr>
-            <p:txBody>
-              <a:bodyPr/>
-              <a:lstStyle/>
-              <a:p>
-                <a:r>
-                  <a:rPr lang="en-US">
-                    <a:noFill/>
-                  </a:rPr>
-                  <a:t> </a:t>
-                </a:r>
-              </a:p>
-            </p:txBody>
-          </p:sp>
-        </mc:Fallback>
-      </mc:AlternateContent>
-      <p:sp>
-        <p:nvSpPr>
-          <p:cNvPr id="4" name="Rectangle 3">
-            <a:extLst>
-              <a:ext uri="{FF2B5EF4-FFF2-40B4-BE49-F238E27FC236}">
-                <a16:creationId xmlns:a16="http://schemas.microsoft.com/office/drawing/2014/main" id="{8F9FED91-E2C2-4F33-9677-2C3630A5969D}"/>
-              </a:ext>
-            </a:extLst>
-          </p:cNvPr>
-          <p:cNvSpPr/>
-          <p:nvPr/>
-        </p:nvSpPr>
-        <p:spPr>
-          <a:xfrm>
-            <a:off x="4959927" y="2854036"/>
-            <a:ext cx="512618" cy="485792"/>
-          </a:xfrm>
-          <a:prstGeom prst="rect">
-            <a:avLst/>
-          </a:prstGeom>
-          <a:ln>
-            <a:noFill/>
-          </a:ln>
-        </p:spPr>
-        <p:style>
-          <a:lnRef idx="2">
-            <a:schemeClr val="accent6"/>
-          </a:lnRef>
-          <a:fillRef idx="1">
-            <a:schemeClr val="lt1"/>
-          </a:fillRef>
-          <a:effectRef idx="0">
-            <a:schemeClr val="accent6"/>
-          </a:effectRef>
-          <a:fontRef idx="minor">
-            <a:schemeClr val="dk1"/>
-          </a:fontRef>
-        </p:style>
-        <p:txBody>
-          <a:bodyPr rtlCol="0" anchor="ctr"/>
-          <a:lstStyle/>
-          <a:p>
-            <a:pPr algn="ctr"/>
-            <a:endParaRPr lang="en-US"/>
-          </a:p>
-        </p:txBody>
-      </p:sp>
-      <p:sp>
-        <p:nvSpPr>
-          <p:cNvPr id="8" name="Rectangle 7">
-            <a:extLst>
-              <a:ext uri="{FF2B5EF4-FFF2-40B4-BE49-F238E27FC236}">
-                <a16:creationId xmlns:a16="http://schemas.microsoft.com/office/drawing/2014/main" id="{671C6698-57EE-95F9-B5BC-E2F2C1B9C21A}"/>
-              </a:ext>
-            </a:extLst>
-          </p:cNvPr>
-          <p:cNvSpPr/>
-          <p:nvPr/>
-        </p:nvSpPr>
-        <p:spPr>
-          <a:xfrm>
-            <a:off x="9354272" y="2658169"/>
-            <a:ext cx="1745849" cy="509286"/>
-          </a:xfrm>
-          <a:prstGeom prst="rect">
-            <a:avLst/>
-          </a:prstGeom>
-          <a:solidFill>
-            <a:schemeClr val="bg1"/>
-          </a:solidFill>
-          <a:ln>
-            <a:noFill/>
-          </a:ln>
-        </p:spPr>
-        <p:style>
-          <a:lnRef idx="2">
-            <a:schemeClr val="accent1">
-              <a:shade val="15000"/>
-            </a:schemeClr>
-          </a:lnRef>
-          <a:fillRef idx="1">
-            <a:schemeClr val="accent1"/>
-          </a:fillRef>
-          <a:effectRef idx="0">
-            <a:schemeClr val="accent1"/>
-          </a:effectRef>
-          <a:fontRef idx="minor">
-            <a:schemeClr val="lt1"/>
-          </a:fontRef>
-        </p:style>
-        <p:txBody>
-          <a:bodyPr rtlCol="0" anchor="ctr"/>
-          <a:lstStyle/>
-          <a:p>
-            <a:pPr algn="ctr"/>
-            <a:endParaRPr lang="en-US"/>
-          </a:p>
-        </p:txBody>
-      </p:sp>
-      <p:sp>
-        <p:nvSpPr>
-          <p:cNvPr id="9" name="Rectangle 8">
-            <a:extLst>
-              <a:ext uri="{FF2B5EF4-FFF2-40B4-BE49-F238E27FC236}">
-                <a16:creationId xmlns:a16="http://schemas.microsoft.com/office/drawing/2014/main" id="{86BD752D-4781-7701-FF0E-49C83C0540AE}"/>
-              </a:ext>
-            </a:extLst>
-          </p:cNvPr>
-          <p:cNvSpPr/>
-          <p:nvPr/>
-        </p:nvSpPr>
-        <p:spPr>
-          <a:xfrm>
-            <a:off x="7382476" y="2658169"/>
-            <a:ext cx="1745849" cy="509286"/>
-          </a:xfrm>
-          <a:prstGeom prst="rect">
-            <a:avLst/>
-          </a:prstGeom>
-          <a:solidFill>
-            <a:schemeClr val="bg1"/>
-          </a:solidFill>
-          <a:ln>
-            <a:noFill/>
-          </a:ln>
-        </p:spPr>
-        <p:style>
-          <a:lnRef idx="2">
-            <a:schemeClr val="accent1">
-              <a:shade val="15000"/>
-            </a:schemeClr>
-          </a:lnRef>
-          <a:fillRef idx="1">
-            <a:schemeClr val="accent1"/>
-          </a:fillRef>
-          <a:effectRef idx="0">
-            <a:schemeClr val="accent1"/>
-          </a:effectRef>
-          <a:fontRef idx="minor">
-            <a:schemeClr val="lt1"/>
-          </a:fontRef>
-        </p:style>
-        <p:txBody>
-          <a:bodyPr rtlCol="0" anchor="ctr"/>
-          <a:lstStyle/>
-          <a:p>
-            <a:pPr algn="ctr"/>
-            <a:endParaRPr lang="en-US"/>
-          </a:p>
-        </p:txBody>
-      </p:sp>
-      <mc:AlternateContent xmlns:mc="http://schemas.openxmlformats.org/markup-compatibility/2006">
-        <mc:Choice xmlns:a14="http://schemas.microsoft.com/office/drawing/2010/main" Requires="a14">
-          <p:graphicFrame>
-            <p:nvGraphicFramePr>
-              <p:cNvPr id="11" name="Table 10">
-                <a:extLst>
-                  <a:ext uri="{FF2B5EF4-FFF2-40B4-BE49-F238E27FC236}">
-                    <a16:creationId xmlns:a16="http://schemas.microsoft.com/office/drawing/2014/main" id="{0229C7F4-F9DF-7B3E-ED6B-08A61D7144DE}"/>
-                  </a:ext>
-                </a:extLst>
-              </p:cNvPr>
-              <p:cNvGraphicFramePr>
-                <a:graphicFrameLocks noGrp="1"/>
-              </p:cNvGraphicFramePr>
-              <p:nvPr>
-                <p:extLst>
-                  <p:ext uri="{D42A27DB-BD31-4B8C-83A1-F6EECF244321}">
-                    <p14:modId xmlns:p14="http://schemas.microsoft.com/office/powerpoint/2010/main" val="1089887293"/>
-                  </p:ext>
-                </p:extLst>
-              </p:nvPr>
-            </p:nvGraphicFramePr>
-            <p:xfrm>
-              <a:off x="3556343" y="159429"/>
-              <a:ext cx="8219504" cy="2528082"/>
-            </p:xfrm>
-            <a:graphic>
-              <a:graphicData uri="http://schemas.openxmlformats.org/drawingml/2006/table">
-                <a:tbl>
-                  <a:tblPr firstRow="1" bandRow="1">
-                    <a:tableStyleId>{5940675A-B579-460E-94D1-54222C63F5DA}</a:tableStyleId>
-                  </a:tblPr>
-                  <a:tblGrid>
-                    <a:gridCol w="1117339">
-                      <a:extLst>
-                        <a:ext uri="{9D8B030D-6E8A-4147-A177-3AD203B41FA5}">
-                          <a16:colId xmlns:a16="http://schemas.microsoft.com/office/drawing/2014/main" val="1078454106"/>
-                        </a:ext>
-                      </a:extLst>
-                    </a:gridCol>
-                    <a:gridCol w="1767453">
-                      <a:extLst>
-                        <a:ext uri="{9D8B030D-6E8A-4147-A177-3AD203B41FA5}">
-                          <a16:colId xmlns:a16="http://schemas.microsoft.com/office/drawing/2014/main" val="1156508427"/>
-                        </a:ext>
-                      </a:extLst>
-                    </a:gridCol>
-                    <a:gridCol w="2633623">
-                      <a:extLst>
-                        <a:ext uri="{9D8B030D-6E8A-4147-A177-3AD203B41FA5}">
-                          <a16:colId xmlns:a16="http://schemas.microsoft.com/office/drawing/2014/main" val="3036579095"/>
-                        </a:ext>
-                      </a:extLst>
-                    </a:gridCol>
-                    <a:gridCol w="2701089">
-                      <a:extLst>
-                        <a:ext uri="{9D8B030D-6E8A-4147-A177-3AD203B41FA5}">
-                          <a16:colId xmlns:a16="http://schemas.microsoft.com/office/drawing/2014/main" val="4107515368"/>
-                        </a:ext>
-                      </a:extLst>
-                    </a:gridCol>
-                  </a:tblGrid>
-                  <a:tr h="409158">
-                    <a:tc>
-                      <a:txBody>
-                        <a:bodyPr/>
-                        <a:lstStyle/>
-                        <a:p>
-                          <a:endParaRPr lang="en-US" sz="2000" dirty="0"/>
-                        </a:p>
-                      </a:txBody>
-                      <a:tcPr>
-                        <a:lnL w="12700" cmpd="sng">
-                          <a:noFill/>
-                        </a:lnL>
-                        <a:lnR w="12700" cmpd="sng">
-                          <a:noFill/>
-                        </a:lnR>
-                        <a:lnT w="12700" cap="flat" cmpd="sng" algn="ctr">
-                          <a:noFill/>
-                          <a:prstDash val="solid"/>
-                          <a:round/>
-                          <a:headEnd type="none" w="med" len="med"/>
-                          <a:tailEnd type="none" w="med" len="med"/>
-                        </a:lnT>
-                        <a:lnB w="12700" cmpd="sng">
-                          <a:noFill/>
-                        </a:lnB>
-                        <a:lnTlToBr w="12700" cmpd="sng">
-                          <a:noFill/>
-                          <a:prstDash val="solid"/>
-                        </a:lnTlToBr>
-                        <a:lnBlToTr w="12700" cmpd="sng">
-                          <a:noFill/>
-                          <a:prstDash val="solid"/>
-                        </a:lnBlToTr>
-                      </a:tcPr>
-                    </a:tc>
-                    <a:tc>
-                      <a:txBody>
-                        <a:bodyPr/>
-                        <a:lstStyle/>
-                        <a:p>
-                          <a:endParaRPr lang="en-US" sz="2000" dirty="0"/>
-                        </a:p>
-                      </a:txBody>
-                      <a:tcPr>
-                        <a:lnL w="12700" cmpd="sng">
-                          <a:noFill/>
-                        </a:lnL>
-                        <a:lnR w="12700" cmpd="sng">
-                          <a:noFill/>
-                        </a:lnR>
-                        <a:lnT w="12700" cap="flat" cmpd="sng" algn="ctr">
-                          <a:noFill/>
-                          <a:prstDash val="solid"/>
-                          <a:round/>
-                          <a:headEnd type="none" w="med" len="med"/>
-                          <a:tailEnd type="none" w="med" len="med"/>
-                        </a:lnT>
-                        <a:lnB w="12700" cmpd="sng">
-                          <a:noFill/>
-                        </a:lnB>
-                        <a:lnTlToBr w="12700" cmpd="sng">
-                          <a:noFill/>
-                          <a:prstDash val="solid"/>
-                        </a:lnTlToBr>
-                        <a:lnBlToTr w="12700" cmpd="sng">
-                          <a:noFill/>
-                          <a:prstDash val="solid"/>
-                        </a:lnBlToTr>
-                      </a:tcPr>
-                    </a:tc>
-                    <a:tc gridSpan="2">
-                      <a:txBody>
-                        <a:bodyPr/>
-                        <a:lstStyle/>
-                        <a:p>
-                          <a:pPr algn="ctr"/>
-                          <a:r>
-                            <a:rPr lang="en-US" sz="2000" b="1" dirty="0">
-                              <a:solidFill>
-                                <a:schemeClr val="bg1"/>
-                              </a:solidFill>
-                            </a:rPr>
-                            <a:t>Test Conclusion</a:t>
-                          </a:r>
-                        </a:p>
-                      </a:txBody>
-                      <a:tcPr anchor="ctr">
-                        <a:lnL w="12700" cmpd="sng">
-                          <a:noFill/>
-                        </a:lnL>
-                        <a:lnR w="12700" cmpd="sng">
-                          <a:noFill/>
-                        </a:lnR>
-                        <a:lnT w="38100" cap="flat" cmpd="sng" algn="ctr">
-                          <a:solidFill>
-                            <a:schemeClr val="tx1"/>
-                          </a:solidFill>
-                          <a:prstDash val="solid"/>
-                          <a:round/>
-                          <a:headEnd type="none" w="med" len="med"/>
-                          <a:tailEnd type="none" w="med" len="med"/>
-                        </a:lnT>
-                        <a:lnB w="12700" cap="flat" cmpd="sng" algn="ctr">
-                          <a:noFill/>
-                          <a:prstDash val="solid"/>
-                          <a:round/>
-                          <a:headEnd type="none" w="med" len="med"/>
-                          <a:tailEnd type="none" w="med" len="med"/>
-                        </a:lnB>
-                        <a:lnTlToBr w="12700" cmpd="sng">
-                          <a:noFill/>
-                          <a:prstDash val="solid"/>
-                        </a:lnTlToBr>
-                        <a:lnBlToTr w="12700" cmpd="sng">
-                          <a:noFill/>
-                          <a:prstDash val="solid"/>
-                        </a:lnBlToTr>
-                        <a:solidFill>
-                          <a:schemeClr val="accent6"/>
-                        </a:solidFill>
-                      </a:tcPr>
-                    </a:tc>
-                    <a:tc hMerge="1">
-                      <a:txBody>
-                        <a:bodyPr/>
-                        <a:lstStyle/>
-                        <a:p>
-                          <a:endParaRPr lang="en-US" dirty="0"/>
-                        </a:p>
-                      </a:txBody>
-                      <a:tcPr/>
-                    </a:tc>
-                    <a:extLst>
-                      <a:ext uri="{0D108BD9-81ED-4DB2-BD59-A6C34878D82A}">
-                        <a16:rowId xmlns:a16="http://schemas.microsoft.com/office/drawing/2014/main" val="997505066"/>
-                      </a:ext>
-                    </a:extLst>
-                  </a:tr>
-                  <a:tr h="723894">
-                    <a:tc>
-                      <a:txBody>
-                        <a:bodyPr/>
-                        <a:lstStyle/>
-                        <a:p>
-                          <a:endParaRPr lang="en-US" sz="2000" dirty="0"/>
-                        </a:p>
-                      </a:txBody>
-                      <a:tcPr>
-                        <a:lnL w="12700" cmpd="sng">
-                          <a:noFill/>
-                        </a:lnL>
-                        <a:lnR w="12700" cmpd="sng">
-                          <a:noFill/>
-                        </a:lnR>
-                        <a:lnT w="12700" cmpd="sng">
-                          <a:noFill/>
-                        </a:lnT>
-                        <a:lnB w="12700" cap="flat" cmpd="sng" algn="ctr">
-                          <a:solidFill>
-                            <a:schemeClr val="tx1"/>
-                          </a:solidFill>
-                          <a:prstDash val="solid"/>
-                          <a:round/>
-                          <a:headEnd type="none" w="med" len="med"/>
-                          <a:tailEnd type="none" w="med" len="med"/>
-                        </a:lnB>
-                        <a:lnTlToBr w="12700" cmpd="sng">
-                          <a:noFill/>
-                          <a:prstDash val="solid"/>
-                        </a:lnTlToBr>
-                        <a:lnBlToTr w="12700" cmpd="sng">
-                          <a:noFill/>
-                          <a:prstDash val="solid"/>
-                        </a:lnBlToTr>
-                      </a:tcPr>
-                    </a:tc>
-                    <a:tc>
-                      <a:txBody>
-                        <a:bodyPr/>
-                        <a:lstStyle/>
-                        <a:p>
-                          <a:endParaRPr lang="en-US" sz="2000" dirty="0"/>
-                        </a:p>
-                      </a:txBody>
-                      <a:tcPr>
-                        <a:lnL w="12700" cmpd="sng">
-                          <a:noFill/>
-                        </a:lnL>
-                        <a:lnR w="12700" cap="flat" cmpd="sng" algn="ctr">
-                          <a:solidFill>
-                            <a:schemeClr val="tx1"/>
-                          </a:solidFill>
-                          <a:prstDash val="solid"/>
-                          <a:round/>
-                          <a:headEnd type="none" w="med" len="med"/>
-                          <a:tailEnd type="none" w="med" len="med"/>
-                        </a:lnR>
-                        <a:lnT w="12700" cmpd="sng">
-                          <a:noFill/>
-                        </a:lnT>
-                        <a:lnB w="12700" cap="flat" cmpd="sng" algn="ctr">
-                          <a:solidFill>
-                            <a:schemeClr val="tx1"/>
-                          </a:solidFill>
-                          <a:prstDash val="solid"/>
-                          <a:round/>
-                          <a:headEnd type="none" w="med" len="med"/>
-                          <a:tailEnd type="none" w="med" len="med"/>
-                        </a:lnB>
-                        <a:lnTlToBr w="12700" cmpd="sng">
-                          <a:noFill/>
-                          <a:prstDash val="solid"/>
-                        </a:lnTlToBr>
-                        <a:lnBlToTr w="12700" cmpd="sng">
-                          <a:noFill/>
-                          <a:prstDash val="solid"/>
-                        </a:lnBlToTr>
-                      </a:tcPr>
-                    </a:tc>
-                    <a:tc>
-                      <a:txBody>
-                        <a:bodyPr/>
-                        <a:lstStyle/>
-                        <a:p>
-                          <a:pPr algn="ctr"/>
-                          <a:r>
-                            <a:rPr lang="en-US" sz="2000" dirty="0"/>
-                            <a:t>Reject </a:t>
-                          </a:r>
-                          <a14:m>
-                            <m:oMath xmlns:m="http://schemas.openxmlformats.org/officeDocument/2006/math">
-                              <m:sSub>
-                                <m:sSubPr>
-                                  <m:ctrlPr>
-                                    <a:rPr lang="en-US" sz="2000" b="0" i="1" smtClean="0">
-                                      <a:latin typeface="Cambria Math" panose="02040503050406030204" pitchFamily="18" charset="0"/>
-                                    </a:rPr>
-                                  </m:ctrlPr>
-                                </m:sSubPr>
-                                <m:e>
-                                  <m:r>
-                                    <a:rPr lang="en-US" sz="2000" b="0" i="1" smtClean="0">
-                                      <a:latin typeface="Cambria Math" panose="02040503050406030204" pitchFamily="18" charset="0"/>
-                                    </a:rPr>
-                                    <m:t>𝐻</m:t>
-                                  </m:r>
-                                </m:e>
-                                <m:sub>
-                                  <m:r>
-                                    <a:rPr lang="en-US" sz="2000" b="0" i="1" smtClean="0">
-                                      <a:latin typeface="Cambria Math" panose="02040503050406030204" pitchFamily="18" charset="0"/>
-                                    </a:rPr>
-                                    <m:t>0</m:t>
-                                  </m:r>
-                                </m:sub>
-                              </m:sSub>
-                            </m:oMath>
-                          </a14:m>
-                          <a:r>
-                            <a:rPr lang="en-US" sz="2000" dirty="0"/>
-                            <a:t> </a:t>
-                          </a:r>
-                        </a:p>
-                        <a:p>
-                          <a:pPr algn="ctr"/>
-                          <a:r>
-                            <a:rPr lang="en-US" sz="2000" dirty="0">
-                              <a:solidFill>
-                                <a:schemeClr val="tx1">
-                                  <a:lumMod val="50000"/>
-                                  <a:lumOff val="50000"/>
-                                </a:schemeClr>
-                              </a:solidFill>
-                            </a:rPr>
-                            <a:t>(we suspect</a:t>
-                          </a:r>
-                          <a:r>
-                            <a:rPr lang="en-US" sz="2000" baseline="0" dirty="0">
-                              <a:solidFill>
-                                <a:schemeClr val="tx1">
-                                  <a:lumMod val="50000"/>
-                                  <a:lumOff val="50000"/>
-                                </a:schemeClr>
-                              </a:solidFill>
-                            </a:rPr>
-                            <a:t> </a:t>
-                          </a:r>
-                          <a14:m>
-                            <m:oMath xmlns:m="http://schemas.openxmlformats.org/officeDocument/2006/math">
-                              <m:sSub>
-                                <m:sSubPr>
-                                  <m:ctrlPr>
-                                    <a:rPr lang="en-US" sz="2000" b="0" i="1" baseline="0" smtClean="0">
-                                      <a:solidFill>
-                                        <a:schemeClr val="tx1">
-                                          <a:lumMod val="50000"/>
-                                          <a:lumOff val="50000"/>
-                                        </a:schemeClr>
-                                      </a:solidFill>
-                                      <a:latin typeface="Cambria Math" panose="02040503050406030204" pitchFamily="18" charset="0"/>
-                                    </a:rPr>
-                                  </m:ctrlPr>
-                                </m:sSubPr>
-                                <m:e>
-                                  <m:r>
-                                    <a:rPr lang="en-US" sz="2000" b="0" i="1" baseline="0" smtClean="0">
-                                      <a:solidFill>
-                                        <a:schemeClr val="tx1">
-                                          <a:lumMod val="50000"/>
-                                          <a:lumOff val="50000"/>
-                                        </a:schemeClr>
-                                      </a:solidFill>
-                                      <a:latin typeface="Cambria Math" panose="02040503050406030204" pitchFamily="18" charset="0"/>
-                                    </a:rPr>
-                                    <m:t>𝐻</m:t>
-                                  </m:r>
-                                </m:e>
-                                <m:sub>
-                                  <m:r>
-                                    <a:rPr lang="en-US" sz="2000" b="0" i="1" baseline="0" smtClean="0">
-                                      <a:solidFill>
-                                        <a:schemeClr val="tx1">
-                                          <a:lumMod val="50000"/>
-                                          <a:lumOff val="50000"/>
-                                        </a:schemeClr>
-                                      </a:solidFill>
-                                      <a:latin typeface="Cambria Math" panose="02040503050406030204" pitchFamily="18" charset="0"/>
-                                    </a:rPr>
-                                    <m:t>0</m:t>
-                                  </m:r>
-                                </m:sub>
-                              </m:sSub>
-                            </m:oMath>
-                          </a14:m>
-                          <a:r>
-                            <a:rPr lang="en-US" sz="2000" dirty="0">
-                              <a:solidFill>
-                                <a:schemeClr val="tx1">
-                                  <a:lumMod val="50000"/>
-                                  <a:lumOff val="50000"/>
-                                </a:schemeClr>
-                              </a:solidFill>
-                            </a:rPr>
-                            <a:t> is false)</a:t>
-                          </a:r>
-                        </a:p>
-                      </a:txBody>
-                      <a:tcPr>
-                        <a:lnL w="12700" cap="flat" cmpd="sng" algn="ctr">
-                          <a:solidFill>
-                            <a:schemeClr val="tx1"/>
-                          </a:solidFill>
-                          <a:prstDash val="solid"/>
-                          <a:round/>
-                          <a:headEnd type="none" w="med" len="med"/>
-                          <a:tailEnd type="none" w="med" len="med"/>
-                        </a:lnL>
-                        <a:lnR w="12700" cap="flat" cmpd="sng" algn="ctr">
-                          <a:solidFill>
-                            <a:schemeClr val="tx1"/>
-                          </a:solidFill>
-                          <a:prstDash val="solid"/>
-                          <a:round/>
-                          <a:headEnd type="none" w="med" len="med"/>
-                          <a:tailEnd type="none" w="med" len="med"/>
-                        </a:lnR>
-                        <a:lnT w="12700" cap="flat" cmpd="sng" algn="ctr">
-                          <a:noFill/>
-                          <a:prstDash val="solid"/>
-                          <a:round/>
-                          <a:headEnd type="none" w="med" len="med"/>
-                          <a:tailEnd type="none" w="med" len="med"/>
-                        </a:lnT>
-                        <a:lnB w="12700" cap="flat" cmpd="sng" algn="ctr">
-                          <a:solidFill>
-                            <a:schemeClr val="tx1"/>
-                          </a:solidFill>
-                          <a:prstDash val="solid"/>
-                          <a:round/>
-                          <a:headEnd type="none" w="med" len="med"/>
-                          <a:tailEnd type="none" w="med" len="med"/>
-                        </a:lnB>
-                        <a:lnTlToBr w="12700" cmpd="sng">
-                          <a:noFill/>
-                          <a:prstDash val="solid"/>
-                        </a:lnTlToBr>
-                        <a:lnBlToTr w="12700" cmpd="sng">
-                          <a:noFill/>
-                          <a:prstDash val="solid"/>
-                        </a:lnBlToTr>
-                      </a:tcPr>
-                    </a:tc>
-                    <a:tc>
-                      <a:txBody>
-                        <a:bodyPr/>
-                        <a:lstStyle/>
-                        <a:p>
-                          <a:pPr marL="0" marR="0" lvl="0" indent="0" algn="ctr" defTabSz="914400" rtl="0" eaLnBrk="1" fontAlgn="auto" latinLnBrk="0" hangingPunct="1">
-                            <a:lnSpc>
-                              <a:spcPct val="100000"/>
-                            </a:lnSpc>
-                            <a:spcBef>
-                              <a:spcPts val="0"/>
-                            </a:spcBef>
-                            <a:spcAft>
-                              <a:spcPts val="0"/>
-                            </a:spcAft>
-                            <a:buClrTx/>
-                            <a:buSzTx/>
-                            <a:buFontTx/>
-                            <a:buNone/>
-                            <a:tabLst/>
-                            <a:defRPr/>
-                          </a:pPr>
-                          <a:r>
-                            <a:rPr lang="en-US" sz="2000" dirty="0"/>
-                            <a:t>Fail</a:t>
-                          </a:r>
-                          <a:r>
-                            <a:rPr lang="en-US" sz="2000" baseline="0" dirty="0"/>
-                            <a:t> to r</a:t>
-                          </a:r>
-                          <a:r>
-                            <a:rPr lang="en-US" sz="2000" dirty="0"/>
-                            <a:t>eject </a:t>
-                          </a:r>
-                          <a14:m>
-                            <m:oMath xmlns:m="http://schemas.openxmlformats.org/officeDocument/2006/math">
-                              <m:sSub>
-                                <m:sSubPr>
-                                  <m:ctrlPr>
-                                    <a:rPr lang="en-US" sz="2000" b="0" i="1" smtClean="0">
-                                      <a:latin typeface="Cambria Math" panose="02040503050406030204" pitchFamily="18" charset="0"/>
-                                    </a:rPr>
-                                  </m:ctrlPr>
-                                </m:sSubPr>
-                                <m:e>
-                                  <m:r>
-                                    <a:rPr lang="en-US" sz="2000" b="0" i="1" smtClean="0">
-                                      <a:latin typeface="Cambria Math" panose="02040503050406030204" pitchFamily="18" charset="0"/>
-                                    </a:rPr>
-                                    <m:t>𝐻</m:t>
-                                  </m:r>
-                                </m:e>
-                                <m:sub>
-                                  <m:r>
-                                    <a:rPr lang="en-US" sz="2000" b="0" i="1" smtClean="0">
-                                      <a:latin typeface="Cambria Math" panose="02040503050406030204" pitchFamily="18" charset="0"/>
-                                    </a:rPr>
-                                    <m:t>0</m:t>
-                                  </m:r>
-                                </m:sub>
-                              </m:sSub>
-                            </m:oMath>
-                          </a14:m>
-                          <a:r>
-                            <a:rPr lang="en-US" sz="2000" dirty="0"/>
-                            <a:t> </a:t>
-                          </a:r>
-                        </a:p>
-                        <a:p>
-                          <a:pPr marL="0" marR="0" lvl="0" indent="0" algn="ctr" defTabSz="914400" rtl="0" eaLnBrk="1" fontAlgn="auto" latinLnBrk="0" hangingPunct="1">
-                            <a:lnSpc>
-                              <a:spcPct val="100000"/>
-                            </a:lnSpc>
-                            <a:spcBef>
-                              <a:spcPts val="0"/>
-                            </a:spcBef>
-                            <a:spcAft>
-                              <a:spcPts val="0"/>
-                            </a:spcAft>
-                            <a:buClrTx/>
-                            <a:buSzTx/>
-                            <a:buFontTx/>
-                            <a:buNone/>
-                            <a:tabLst/>
-                            <a:defRPr/>
-                          </a:pPr>
-                          <a:r>
-                            <a:rPr lang="en-US" sz="2000" dirty="0">
-                              <a:solidFill>
-                                <a:schemeClr val="tx1">
-                                  <a:lumMod val="50000"/>
-                                  <a:lumOff val="50000"/>
-                                </a:schemeClr>
-                              </a:solidFill>
-                            </a:rPr>
-                            <a:t>(we</a:t>
-                          </a:r>
-                          <a:r>
-                            <a:rPr lang="en-US" sz="2000" baseline="0" dirty="0">
-                              <a:solidFill>
-                                <a:schemeClr val="tx1">
-                                  <a:lumMod val="50000"/>
-                                  <a:lumOff val="50000"/>
-                                </a:schemeClr>
-                              </a:solidFill>
-                            </a:rPr>
-                            <a:t> suspect </a:t>
-                          </a:r>
-                          <a14:m>
-                            <m:oMath xmlns:m="http://schemas.openxmlformats.org/officeDocument/2006/math">
-                              <m:sSub>
-                                <m:sSubPr>
-                                  <m:ctrlPr>
-                                    <a:rPr lang="en-US" sz="2000" b="0" i="1" baseline="0" smtClean="0">
-                                      <a:solidFill>
-                                        <a:schemeClr val="tx1">
-                                          <a:lumMod val="50000"/>
-                                          <a:lumOff val="50000"/>
-                                        </a:schemeClr>
-                                      </a:solidFill>
-                                      <a:latin typeface="Cambria Math" panose="02040503050406030204" pitchFamily="18" charset="0"/>
-                                    </a:rPr>
-                                  </m:ctrlPr>
-                                </m:sSubPr>
-                                <m:e>
-                                  <m:r>
-                                    <a:rPr lang="en-US" sz="2000" b="0" i="1" baseline="0" smtClean="0">
-                                      <a:solidFill>
-                                        <a:schemeClr val="tx1">
-                                          <a:lumMod val="50000"/>
-                                          <a:lumOff val="50000"/>
-                                        </a:schemeClr>
-                                      </a:solidFill>
-                                      <a:latin typeface="Cambria Math" panose="02040503050406030204" pitchFamily="18" charset="0"/>
-                                    </a:rPr>
-                                    <m:t>𝐻</m:t>
-                                  </m:r>
-                                </m:e>
-                                <m:sub>
-                                  <m:r>
-                                    <a:rPr lang="en-US" sz="2000" b="0" i="1" baseline="0" smtClean="0">
-                                      <a:solidFill>
-                                        <a:schemeClr val="tx1">
-                                          <a:lumMod val="50000"/>
-                                          <a:lumOff val="50000"/>
-                                        </a:schemeClr>
-                                      </a:solidFill>
-                                      <a:latin typeface="Cambria Math" panose="02040503050406030204" pitchFamily="18" charset="0"/>
-                                    </a:rPr>
-                                    <m:t>0</m:t>
-                                  </m:r>
-                                </m:sub>
-                              </m:sSub>
-                            </m:oMath>
-                          </a14:m>
-                          <a:r>
-                            <a:rPr lang="en-US" sz="2000" dirty="0">
-                              <a:solidFill>
-                                <a:schemeClr val="tx1">
-                                  <a:lumMod val="50000"/>
-                                  <a:lumOff val="50000"/>
-                                </a:schemeClr>
-                              </a:solidFill>
-                            </a:rPr>
-                            <a:t> is true)</a:t>
-                          </a:r>
-                        </a:p>
-                      </a:txBody>
-                      <a:tcPr>
-                        <a:lnL w="12700" cap="flat" cmpd="sng" algn="ctr">
-                          <a:solidFill>
-                            <a:schemeClr val="tx1"/>
-                          </a:solidFill>
-                          <a:prstDash val="solid"/>
-                          <a:round/>
-                          <a:headEnd type="none" w="med" len="med"/>
-                          <a:tailEnd type="none" w="med" len="med"/>
-                        </a:lnL>
-                        <a:lnR w="12700" cmpd="sng">
-                          <a:noFill/>
-                        </a:lnR>
-                        <a:lnT w="12700" cap="flat" cmpd="sng" algn="ctr">
-                          <a:noFill/>
-                          <a:prstDash val="solid"/>
-                          <a:round/>
-                          <a:headEnd type="none" w="med" len="med"/>
-                          <a:tailEnd type="none" w="med" len="med"/>
-                        </a:lnT>
-                        <a:lnB w="12700" cap="flat" cmpd="sng" algn="ctr">
-                          <a:solidFill>
-                            <a:schemeClr val="tx1"/>
-                          </a:solidFill>
-                          <a:prstDash val="solid"/>
-                          <a:round/>
-                          <a:headEnd type="none" w="med" len="med"/>
-                          <a:tailEnd type="none" w="med" len="med"/>
-                        </a:lnB>
-                        <a:lnTlToBr w="12700" cmpd="sng">
-                          <a:noFill/>
-                          <a:prstDash val="solid"/>
-                        </a:lnTlToBr>
-                        <a:lnBlToTr w="12700" cmpd="sng">
-                          <a:noFill/>
-                          <a:prstDash val="solid"/>
-                        </a:lnBlToTr>
-                      </a:tcPr>
-                    </a:tc>
-                    <a:extLst>
-                      <a:ext uri="{0D108BD9-81ED-4DB2-BD59-A6C34878D82A}">
-                        <a16:rowId xmlns:a16="http://schemas.microsoft.com/office/drawing/2014/main" val="1176627883"/>
-                      </a:ext>
-                    </a:extLst>
-                  </a:tr>
-                  <a:tr h="671136">
-                    <a:tc rowSpan="2">
-                      <a:txBody>
-                        <a:bodyPr/>
-                        <a:lstStyle/>
-                        <a:p>
-                          <a:pPr algn="ctr"/>
-                          <a:r>
-                            <a:rPr lang="en-US" sz="2000" b="1" dirty="0">
-                              <a:solidFill>
-                                <a:schemeClr val="bg1"/>
-                              </a:solidFill>
-                            </a:rPr>
-                            <a:t>Truth</a:t>
-                          </a:r>
-                        </a:p>
-                      </a:txBody>
-                      <a:tcPr anchor="ctr">
-                        <a:lnL w="12700" cmpd="sng">
-                          <a:noFill/>
-                        </a:lnL>
-                        <a:lnR w="12700" cmpd="sng">
-                          <a:noFill/>
-                        </a:lnR>
-                        <a:lnT w="12700" cap="flat" cmpd="sng" algn="ctr">
-                          <a:solidFill>
-                            <a:schemeClr val="tx1"/>
-                          </a:solidFill>
-                          <a:prstDash val="solid"/>
-                          <a:round/>
-                          <a:headEnd type="none" w="med" len="med"/>
-                          <a:tailEnd type="none" w="med" len="med"/>
-                        </a:lnT>
-                        <a:lnB w="38100" cap="flat" cmpd="sng" algn="ctr">
-                          <a:solidFill>
-                            <a:schemeClr val="tx1"/>
-                          </a:solidFill>
-                          <a:prstDash val="solid"/>
-                          <a:round/>
-                          <a:headEnd type="none" w="med" len="med"/>
-                          <a:tailEnd type="none" w="med" len="med"/>
-                        </a:lnB>
-                        <a:lnTlToBr w="12700" cmpd="sng">
-                          <a:noFill/>
-                          <a:prstDash val="solid"/>
-                        </a:lnTlToBr>
-                        <a:lnBlToTr w="12700" cmpd="sng">
-                          <a:noFill/>
-                          <a:prstDash val="solid"/>
-                        </a:lnBlToTr>
-                        <a:solidFill>
-                          <a:schemeClr val="accent6"/>
-                        </a:solidFill>
-                      </a:tcPr>
-                    </a:tc>
-                    <a:tc>
-                      <a:txBody>
-                        <a:bodyPr/>
-                        <a:lstStyle/>
-                        <a:p>
-                          <a:pPr algn="ctr"/>
-                          <a14:m>
-                            <m:oMath xmlns:m="http://schemas.openxmlformats.org/officeDocument/2006/math">
-                              <m:sSub>
-                                <m:sSubPr>
-                                  <m:ctrlPr>
-                                    <a:rPr lang="en-US" sz="2000" b="0" i="1" smtClean="0">
-                                      <a:latin typeface="Cambria Math" panose="02040503050406030204" pitchFamily="18" charset="0"/>
-                                    </a:rPr>
-                                  </m:ctrlPr>
-                                </m:sSubPr>
-                                <m:e>
-                                  <m:r>
-                                    <a:rPr lang="en-US" sz="2000" b="0" i="1" smtClean="0">
-                                      <a:latin typeface="Cambria Math" panose="02040503050406030204" pitchFamily="18" charset="0"/>
-                                    </a:rPr>
-                                    <m:t>𝐻</m:t>
-                                  </m:r>
-                                </m:e>
-                                <m:sub>
-                                  <m:r>
-                                    <a:rPr lang="en-US" sz="2000" b="0" i="1" smtClean="0">
-                                      <a:latin typeface="Cambria Math" panose="02040503050406030204" pitchFamily="18" charset="0"/>
-                                    </a:rPr>
-                                    <m:t>0</m:t>
-                                  </m:r>
-                                </m:sub>
-                              </m:sSub>
-                            </m:oMath>
-                          </a14:m>
-                          <a:r>
-                            <a:rPr lang="en-US" sz="2000" dirty="0"/>
-                            <a:t> is true</a:t>
-                          </a:r>
-                        </a:p>
-                      </a:txBody>
-                      <a:tcPr anchor="ctr">
-                        <a:lnL w="12700" cmpd="sng">
-                          <a:noFill/>
-                        </a:lnL>
-                        <a:lnR w="12700" cap="flat" cmpd="sng" algn="ctr">
-                          <a:solidFill>
-                            <a:schemeClr val="tx1"/>
-                          </a:solidFill>
-                          <a:prstDash val="solid"/>
-                          <a:round/>
-                          <a:headEnd type="none" w="med" len="med"/>
-                          <a:tailEnd type="none" w="med" len="med"/>
-                        </a:lnR>
-                        <a:lnT w="12700" cap="flat" cmpd="sng" algn="ctr">
-                          <a:solidFill>
-                            <a:schemeClr val="tx1"/>
-                          </a:solidFill>
-                          <a:prstDash val="solid"/>
-                          <a:round/>
-                          <a:headEnd type="none" w="med" len="med"/>
-                          <a:tailEnd type="none" w="med" len="med"/>
-                        </a:lnT>
-                        <a:lnB w="12700" cap="flat" cmpd="sng" algn="ctr">
-                          <a:solidFill>
-                            <a:schemeClr val="tx1"/>
-                          </a:solidFill>
-                          <a:prstDash val="solid"/>
-                          <a:round/>
-                          <a:headEnd type="none" w="med" len="med"/>
-                          <a:tailEnd type="none" w="med" len="med"/>
-                        </a:lnB>
-                        <a:lnTlToBr w="12700" cmpd="sng">
-                          <a:noFill/>
-                          <a:prstDash val="solid"/>
-                        </a:lnTlToBr>
-                        <a:lnBlToTr w="12700" cmpd="sng">
-                          <a:noFill/>
-                          <a:prstDash val="solid"/>
-                        </a:lnBlToTr>
-                      </a:tcPr>
-                    </a:tc>
-                    <a:tc>
-                      <a:txBody>
-                        <a:bodyPr/>
-                        <a:lstStyle/>
-                        <a:p>
-                          <a:pPr algn="ctr"/>
-                          <a:r>
-                            <a:rPr lang="en-US" sz="2000" b="1" dirty="0">
-                              <a:solidFill>
-                                <a:srgbClr val="C00000"/>
-                              </a:solidFill>
-                            </a:rPr>
-                            <a:t>Type 1 Error</a:t>
-                          </a:r>
-                        </a:p>
-                      </a:txBody>
-                      <a:tcPr anchor="ctr">
-                        <a:lnL w="12700" cap="flat" cmpd="sng" algn="ctr">
-                          <a:solidFill>
-                            <a:schemeClr val="tx1"/>
-                          </a:solidFill>
-                          <a:prstDash val="solid"/>
-                          <a:round/>
-                          <a:headEnd type="none" w="med" len="med"/>
-                          <a:tailEnd type="none" w="med" len="med"/>
-                        </a:lnL>
-                        <a:lnR w="12700" cap="flat" cmpd="sng" algn="ctr">
-                          <a:solidFill>
-                            <a:schemeClr val="tx1"/>
-                          </a:solidFill>
-                          <a:prstDash val="solid"/>
-                          <a:round/>
-                          <a:headEnd type="none" w="med" len="med"/>
-                          <a:tailEnd type="none" w="med" len="med"/>
-                        </a:lnR>
-                        <a:lnT w="12700" cap="flat" cmpd="sng" algn="ctr">
-                          <a:solidFill>
-                            <a:schemeClr val="tx1"/>
-                          </a:solidFill>
-                          <a:prstDash val="solid"/>
-                          <a:round/>
-                          <a:headEnd type="none" w="med" len="med"/>
-                          <a:tailEnd type="none" w="med" len="med"/>
-                        </a:lnT>
-                        <a:lnB w="12700" cap="flat" cmpd="sng" algn="ctr">
-                          <a:solidFill>
-                            <a:schemeClr val="tx1"/>
-                          </a:solidFill>
-                          <a:prstDash val="solid"/>
-                          <a:round/>
-                          <a:headEnd type="none" w="med" len="med"/>
-                          <a:tailEnd type="none" w="med" len="med"/>
-                        </a:lnB>
-                        <a:lnTlToBr w="12700" cmpd="sng">
-                          <a:noFill/>
-                          <a:prstDash val="solid"/>
-                        </a:lnTlToBr>
-                        <a:lnBlToTr w="12700" cmpd="sng">
-                          <a:noFill/>
-                          <a:prstDash val="solid"/>
-                        </a:lnBlToTr>
-                      </a:tcPr>
-                    </a:tc>
-                    <a:tc>
-                      <a:txBody>
-                        <a:bodyPr/>
-                        <a:lstStyle/>
-                        <a:p>
-                          <a:pPr algn="ctr"/>
-                          <a:endParaRPr lang="en-US" sz="2000" dirty="0"/>
-                        </a:p>
-                      </a:txBody>
-                      <a:tcPr anchor="ctr">
-                        <a:lnL w="12700" cap="flat" cmpd="sng" algn="ctr">
-                          <a:solidFill>
-                            <a:schemeClr val="tx1"/>
-                          </a:solidFill>
-                          <a:prstDash val="solid"/>
-                          <a:round/>
-                          <a:headEnd type="none" w="med" len="med"/>
-                          <a:tailEnd type="none" w="med" len="med"/>
-                        </a:lnL>
-                        <a:lnR w="12700" cmpd="sng">
-                          <a:noFill/>
-                        </a:lnR>
-                        <a:lnT w="12700" cap="flat" cmpd="sng" algn="ctr">
-                          <a:solidFill>
-                            <a:schemeClr val="tx1"/>
-                          </a:solidFill>
-                          <a:prstDash val="solid"/>
-                          <a:round/>
-                          <a:headEnd type="none" w="med" len="med"/>
-                          <a:tailEnd type="none" w="med" len="med"/>
-                        </a:lnT>
-                        <a:lnB w="12700" cap="flat" cmpd="sng" algn="ctr">
-                          <a:solidFill>
-                            <a:schemeClr val="tx1"/>
-                          </a:solidFill>
-                          <a:prstDash val="solid"/>
-                          <a:round/>
-                          <a:headEnd type="none" w="med" len="med"/>
-                          <a:tailEnd type="none" w="med" len="med"/>
-                        </a:lnB>
-                        <a:lnTlToBr w="12700" cmpd="sng">
-                          <a:noFill/>
-                          <a:prstDash val="solid"/>
-                        </a:lnTlToBr>
-                        <a:lnBlToTr w="12700" cmpd="sng">
-                          <a:noFill/>
-                          <a:prstDash val="solid"/>
-                        </a:lnBlToTr>
-                      </a:tcPr>
-                    </a:tc>
-                    <a:extLst>
-                      <a:ext uri="{0D108BD9-81ED-4DB2-BD59-A6C34878D82A}">
-                        <a16:rowId xmlns:a16="http://schemas.microsoft.com/office/drawing/2014/main" val="1253287830"/>
-                      </a:ext>
-                    </a:extLst>
-                  </a:tr>
-                  <a:tr h="723894">
-                    <a:tc vMerge="1">
-                      <a:txBody>
-                        <a:bodyPr/>
-                        <a:lstStyle/>
-                        <a:p>
-                          <a:endParaRPr lang="en-US" dirty="0"/>
-                        </a:p>
-                      </a:txBody>
-                      <a:tcPr/>
-                    </a:tc>
-                    <a:tc>
-                      <a:txBody>
-                        <a:bodyPr/>
-                        <a:lstStyle/>
-                        <a:p>
-                          <a:pPr algn="ctr"/>
-                          <a14:m>
-                            <m:oMath xmlns:m="http://schemas.openxmlformats.org/officeDocument/2006/math">
-                              <m:sSub>
-                                <m:sSubPr>
-                                  <m:ctrlPr>
-                                    <a:rPr lang="en-US" sz="2000" b="0" i="1" smtClean="0">
-                                      <a:latin typeface="Cambria Math" panose="02040503050406030204" pitchFamily="18" charset="0"/>
-                                    </a:rPr>
-                                  </m:ctrlPr>
-                                </m:sSubPr>
-                                <m:e>
-                                  <m:r>
-                                    <a:rPr lang="en-US" sz="2000" b="0" i="1" smtClean="0">
-                                      <a:latin typeface="Cambria Math" panose="02040503050406030204" pitchFamily="18" charset="0"/>
-                                    </a:rPr>
-                                    <m:t>𝐻</m:t>
-                                  </m:r>
-                                </m:e>
-                                <m:sub>
-                                  <m:r>
-                                    <a:rPr lang="en-US" sz="2000" b="0" i="1" smtClean="0">
-                                      <a:latin typeface="Cambria Math" panose="02040503050406030204" pitchFamily="18" charset="0"/>
-                                    </a:rPr>
-                                    <m:t>0</m:t>
-                                  </m:r>
-                                </m:sub>
-                              </m:sSub>
-                            </m:oMath>
-                          </a14:m>
-                          <a:r>
-                            <a:rPr lang="en-US" sz="2000" b="0" i="0" dirty="0">
-                              <a:latin typeface="+mj-lt"/>
-                            </a:rPr>
-                            <a:t> is false</a:t>
-                          </a:r>
-                          <a:endParaRPr lang="en-US" sz="2000" b="0" i="1" dirty="0">
-                            <a:latin typeface="Cambria Math" panose="02040503050406030204" pitchFamily="18" charset="0"/>
-                          </a:endParaRPr>
-                        </a:p>
-                        <a:p>
-                          <a:pPr algn="ctr"/>
-                          <a:r>
-                            <a:rPr lang="en-US" sz="2000" b="0" dirty="0">
-                              <a:solidFill>
-                                <a:schemeClr val="tx1">
-                                  <a:lumMod val="50000"/>
-                                  <a:lumOff val="50000"/>
-                                </a:schemeClr>
-                              </a:solidFill>
-                            </a:rPr>
-                            <a:t>(</a:t>
-                          </a:r>
-                          <a14:m>
-                            <m:oMath xmlns:m="http://schemas.openxmlformats.org/officeDocument/2006/math">
-                              <m:sSub>
-                                <m:sSubPr>
-                                  <m:ctrlPr>
-                                    <a:rPr lang="en-US" sz="2000" b="0" i="1" smtClean="0">
-                                      <a:solidFill>
-                                        <a:schemeClr val="tx1">
-                                          <a:lumMod val="50000"/>
-                                          <a:lumOff val="50000"/>
-                                        </a:schemeClr>
-                                      </a:solidFill>
-                                      <a:latin typeface="Cambria Math" panose="02040503050406030204" pitchFamily="18" charset="0"/>
-                                    </a:rPr>
-                                  </m:ctrlPr>
-                                </m:sSubPr>
-                                <m:e>
-                                  <m:r>
-                                    <a:rPr lang="en-US" sz="2000" b="0" i="1" smtClean="0">
-                                      <a:solidFill>
-                                        <a:schemeClr val="tx1">
-                                          <a:lumMod val="50000"/>
-                                          <a:lumOff val="50000"/>
-                                        </a:schemeClr>
-                                      </a:solidFill>
-                                      <a:latin typeface="Cambria Math" panose="02040503050406030204" pitchFamily="18" charset="0"/>
-                                    </a:rPr>
-                                    <m:t>𝐻</m:t>
-                                  </m:r>
-                                </m:e>
-                                <m:sub>
-                                  <m:r>
-                                    <a:rPr lang="en-US" sz="2000" b="0" i="1" smtClean="0">
-                                      <a:solidFill>
-                                        <a:schemeClr val="tx1">
-                                          <a:lumMod val="50000"/>
-                                          <a:lumOff val="50000"/>
-                                        </a:schemeClr>
-                                      </a:solidFill>
-                                      <a:latin typeface="Cambria Math" panose="02040503050406030204" pitchFamily="18" charset="0"/>
-                                    </a:rPr>
-                                    <m:t>𝐴</m:t>
-                                  </m:r>
-                                </m:sub>
-                              </m:sSub>
-                            </m:oMath>
-                          </a14:m>
-                          <a:r>
-                            <a:rPr lang="en-US" sz="2000" dirty="0">
-                              <a:solidFill>
-                                <a:schemeClr val="tx1">
-                                  <a:lumMod val="50000"/>
-                                  <a:lumOff val="50000"/>
-                                </a:schemeClr>
-                              </a:solidFill>
-                            </a:rPr>
-                            <a:t> is true)</a:t>
-                          </a:r>
-                        </a:p>
-                      </a:txBody>
-                      <a:tcPr>
-                        <a:lnL w="12700" cmpd="sng">
-                          <a:noFill/>
-                        </a:lnL>
-                        <a:lnR w="12700" cap="flat" cmpd="sng" algn="ctr">
-                          <a:solidFill>
-                            <a:schemeClr val="tx1"/>
-                          </a:solidFill>
-                          <a:prstDash val="solid"/>
-                          <a:round/>
-                          <a:headEnd type="none" w="med" len="med"/>
-                          <a:tailEnd type="none" w="med" len="med"/>
-                        </a:lnR>
-                        <a:lnT w="12700" cap="flat" cmpd="sng" algn="ctr">
-                          <a:solidFill>
-                            <a:schemeClr val="tx1"/>
-                          </a:solidFill>
-                          <a:prstDash val="solid"/>
-                          <a:round/>
-                          <a:headEnd type="none" w="med" len="med"/>
-                          <a:tailEnd type="none" w="med" len="med"/>
-                        </a:lnT>
-                        <a:lnB w="38100" cap="flat" cmpd="sng" algn="ctr">
-                          <a:solidFill>
-                            <a:schemeClr val="tx1"/>
-                          </a:solidFill>
-                          <a:prstDash val="solid"/>
-                          <a:round/>
-                          <a:headEnd type="none" w="med" len="med"/>
-                          <a:tailEnd type="none" w="med" len="med"/>
-                        </a:lnB>
-                        <a:lnTlToBr w="12700" cmpd="sng">
-                          <a:noFill/>
-                          <a:prstDash val="solid"/>
-                        </a:lnTlToBr>
-                        <a:lnBlToTr w="12700" cmpd="sng">
-                          <a:noFill/>
-                          <a:prstDash val="solid"/>
-                        </a:lnBlToTr>
-                      </a:tcPr>
-                    </a:tc>
-                    <a:tc>
-                      <a:txBody>
-                        <a:bodyPr/>
-                        <a:lstStyle/>
-                        <a:p>
-                          <a:pPr algn="ctr"/>
-                          <a:endParaRPr lang="en-US" sz="2000" dirty="0"/>
-                        </a:p>
-                      </a:txBody>
-                      <a:tcPr anchor="ctr">
-                        <a:lnL w="12700" cap="flat" cmpd="sng" algn="ctr">
-                          <a:solidFill>
-                            <a:schemeClr val="tx1"/>
-                          </a:solidFill>
-                          <a:prstDash val="solid"/>
-                          <a:round/>
-                          <a:headEnd type="none" w="med" len="med"/>
-                          <a:tailEnd type="none" w="med" len="med"/>
-                        </a:lnL>
-                        <a:lnR w="12700" cap="flat" cmpd="sng" algn="ctr">
-                          <a:solidFill>
-                            <a:schemeClr val="tx1"/>
-                          </a:solidFill>
-                          <a:prstDash val="solid"/>
-                          <a:round/>
-                          <a:headEnd type="none" w="med" len="med"/>
-                          <a:tailEnd type="none" w="med" len="med"/>
-                        </a:lnR>
-                        <a:lnT w="12700" cap="flat" cmpd="sng" algn="ctr">
-                          <a:solidFill>
-                            <a:schemeClr val="tx1"/>
-                          </a:solidFill>
-                          <a:prstDash val="solid"/>
-                          <a:round/>
-                          <a:headEnd type="none" w="med" len="med"/>
-                          <a:tailEnd type="none" w="med" len="med"/>
-                        </a:lnT>
-                        <a:lnB w="38100" cap="flat" cmpd="sng" algn="ctr">
-                          <a:solidFill>
-                            <a:schemeClr val="tx1"/>
-                          </a:solidFill>
-                          <a:prstDash val="solid"/>
-                          <a:round/>
-                          <a:headEnd type="none" w="med" len="med"/>
-                          <a:tailEnd type="none" w="med" len="med"/>
-                        </a:lnB>
-                        <a:lnTlToBr w="12700" cmpd="sng">
-                          <a:noFill/>
-                          <a:prstDash val="solid"/>
-                        </a:lnTlToBr>
-                        <a:lnBlToTr w="12700" cmpd="sng">
-                          <a:noFill/>
-                          <a:prstDash val="solid"/>
-                        </a:lnBlToTr>
-                      </a:tcPr>
-                    </a:tc>
-                    <a:tc>
-                      <a:txBody>
-                        <a:bodyPr/>
-                        <a:lstStyle/>
-                        <a:p>
-                          <a:pPr algn="ctr"/>
-                          <a:r>
-                            <a:rPr lang="en-US" sz="2000" b="1" dirty="0">
-                              <a:solidFill>
-                                <a:srgbClr val="C00000"/>
-                              </a:solidFill>
-                            </a:rPr>
-                            <a:t>Type 2 error</a:t>
-                          </a:r>
-                        </a:p>
-                      </a:txBody>
-                      <a:tcPr anchor="ctr">
-                        <a:lnL w="12700" cap="flat" cmpd="sng" algn="ctr">
-                          <a:solidFill>
-                            <a:schemeClr val="tx1"/>
-                          </a:solidFill>
-                          <a:prstDash val="solid"/>
-                          <a:round/>
-                          <a:headEnd type="none" w="med" len="med"/>
-                          <a:tailEnd type="none" w="med" len="med"/>
-                        </a:lnL>
-                        <a:lnR w="12700" cmpd="sng">
-                          <a:noFill/>
-                        </a:lnR>
-                        <a:lnT w="12700" cap="flat" cmpd="sng" algn="ctr">
-                          <a:solidFill>
-                            <a:schemeClr val="tx1"/>
-                          </a:solidFill>
-                          <a:prstDash val="solid"/>
-                          <a:round/>
-                          <a:headEnd type="none" w="med" len="med"/>
-                          <a:tailEnd type="none" w="med" len="med"/>
-                        </a:lnT>
-                        <a:lnB w="38100" cap="flat" cmpd="sng" algn="ctr">
-                          <a:solidFill>
-                            <a:schemeClr val="tx1"/>
-                          </a:solidFill>
-                          <a:prstDash val="solid"/>
-                          <a:round/>
-                          <a:headEnd type="none" w="med" len="med"/>
-                          <a:tailEnd type="none" w="med" len="med"/>
-                        </a:lnB>
-                        <a:lnTlToBr w="12700" cmpd="sng">
-                          <a:noFill/>
-                          <a:prstDash val="solid"/>
-                        </a:lnTlToBr>
-                        <a:lnBlToTr w="12700" cmpd="sng">
-                          <a:noFill/>
-                          <a:prstDash val="solid"/>
-                        </a:lnBlToTr>
-                      </a:tcPr>
-                    </a:tc>
-                    <a:extLst>
-                      <a:ext uri="{0D108BD9-81ED-4DB2-BD59-A6C34878D82A}">
-                        <a16:rowId xmlns:a16="http://schemas.microsoft.com/office/drawing/2014/main" val="986018790"/>
-                      </a:ext>
-                    </a:extLst>
-                  </a:tr>
-                </a:tbl>
-              </a:graphicData>
-            </a:graphic>
-          </p:graphicFrame>
-        </mc:Choice>
-        <mc:Fallback>
-          <p:graphicFrame>
-            <p:nvGraphicFramePr>
-              <p:cNvPr id="11" name="Table 10">
-                <a:extLst>
-                  <a:ext uri="{FF2B5EF4-FFF2-40B4-BE49-F238E27FC236}">
-                    <a16:creationId xmlns:a16="http://schemas.microsoft.com/office/drawing/2014/main" id="{0229C7F4-F9DF-7B3E-ED6B-08A61D7144DE}"/>
-                  </a:ext>
-                </a:extLst>
-              </p:cNvPr>
-              <p:cNvGraphicFramePr>
-                <a:graphicFrameLocks noGrp="1"/>
-              </p:cNvGraphicFramePr>
-              <p:nvPr>
-                <p:extLst>
-                  <p:ext uri="{D42A27DB-BD31-4B8C-83A1-F6EECF244321}">
-                    <p14:modId xmlns:p14="http://schemas.microsoft.com/office/powerpoint/2010/main" val="1089887293"/>
-                  </p:ext>
-                </p:extLst>
-              </p:nvPr>
-            </p:nvGraphicFramePr>
-            <p:xfrm>
-              <a:off x="3556343" y="159429"/>
-              <a:ext cx="8219504" cy="2528082"/>
-            </p:xfrm>
-            <a:graphic>
-              <a:graphicData uri="http://schemas.openxmlformats.org/drawingml/2006/table">
-                <a:tbl>
-                  <a:tblPr firstRow="1" bandRow="1">
-                    <a:tableStyleId>{5940675A-B579-460E-94D1-54222C63F5DA}</a:tableStyleId>
-                  </a:tblPr>
-                  <a:tblGrid>
-                    <a:gridCol w="1117339">
-                      <a:extLst>
-                        <a:ext uri="{9D8B030D-6E8A-4147-A177-3AD203B41FA5}">
-                          <a16:colId xmlns:a16="http://schemas.microsoft.com/office/drawing/2014/main" val="1078454106"/>
-                        </a:ext>
-                      </a:extLst>
-                    </a:gridCol>
-                    <a:gridCol w="1767453">
-                      <a:extLst>
-                        <a:ext uri="{9D8B030D-6E8A-4147-A177-3AD203B41FA5}">
-                          <a16:colId xmlns:a16="http://schemas.microsoft.com/office/drawing/2014/main" val="1156508427"/>
-                        </a:ext>
-                      </a:extLst>
-                    </a:gridCol>
-                    <a:gridCol w="2633623">
-                      <a:extLst>
-                        <a:ext uri="{9D8B030D-6E8A-4147-A177-3AD203B41FA5}">
-                          <a16:colId xmlns:a16="http://schemas.microsoft.com/office/drawing/2014/main" val="3036579095"/>
-                        </a:ext>
-                      </a:extLst>
-                    </a:gridCol>
-                    <a:gridCol w="2701089">
-                      <a:extLst>
-                        <a:ext uri="{9D8B030D-6E8A-4147-A177-3AD203B41FA5}">
-                          <a16:colId xmlns:a16="http://schemas.microsoft.com/office/drawing/2014/main" val="4107515368"/>
-                        </a:ext>
-                      </a:extLst>
-                    </a:gridCol>
-                  </a:tblGrid>
-                  <a:tr h="409158">
-                    <a:tc>
-                      <a:txBody>
-                        <a:bodyPr/>
-                        <a:lstStyle/>
-                        <a:p>
-                          <a:endParaRPr lang="en-US" sz="2000" dirty="0"/>
-                        </a:p>
-                      </a:txBody>
-                      <a:tcPr>
-                        <a:lnL w="12700" cmpd="sng">
-                          <a:noFill/>
-                        </a:lnL>
-                        <a:lnR w="12700" cmpd="sng">
-                          <a:noFill/>
-                        </a:lnR>
-                        <a:lnT w="12700" cap="flat" cmpd="sng" algn="ctr">
-                          <a:noFill/>
-                          <a:prstDash val="solid"/>
-                          <a:round/>
-                          <a:headEnd type="none" w="med" len="med"/>
-                          <a:tailEnd type="none" w="med" len="med"/>
-                        </a:lnT>
-                        <a:lnB w="12700" cmpd="sng">
-                          <a:noFill/>
-                        </a:lnB>
-                        <a:lnTlToBr w="12700" cmpd="sng">
-                          <a:noFill/>
-                          <a:prstDash val="solid"/>
-                        </a:lnTlToBr>
-                        <a:lnBlToTr w="12700" cmpd="sng">
-                          <a:noFill/>
-                          <a:prstDash val="solid"/>
-                        </a:lnBlToTr>
-                      </a:tcPr>
-                    </a:tc>
-                    <a:tc>
-                      <a:txBody>
-                        <a:bodyPr/>
-                        <a:lstStyle/>
-                        <a:p>
-                          <a:endParaRPr lang="en-US" sz="2000" dirty="0"/>
-                        </a:p>
-                      </a:txBody>
-                      <a:tcPr>
-                        <a:lnL w="12700" cmpd="sng">
-                          <a:noFill/>
-                        </a:lnL>
-                        <a:lnR w="12700" cmpd="sng">
-                          <a:noFill/>
-                        </a:lnR>
-                        <a:lnT w="12700" cap="flat" cmpd="sng" algn="ctr">
-                          <a:noFill/>
-                          <a:prstDash val="solid"/>
-                          <a:round/>
-                          <a:headEnd type="none" w="med" len="med"/>
-                          <a:tailEnd type="none" w="med" len="med"/>
-                        </a:lnT>
-                        <a:lnB w="12700" cmpd="sng">
-                          <a:noFill/>
-                        </a:lnB>
-                        <a:lnTlToBr w="12700" cmpd="sng">
-                          <a:noFill/>
-                          <a:prstDash val="solid"/>
-                        </a:lnTlToBr>
-                        <a:lnBlToTr w="12700" cmpd="sng">
-                          <a:noFill/>
-                          <a:prstDash val="solid"/>
-                        </a:lnBlToTr>
-                      </a:tcPr>
-                    </a:tc>
-                    <a:tc gridSpan="2">
-                      <a:txBody>
-                        <a:bodyPr/>
-                        <a:lstStyle/>
-                        <a:p>
-                          <a:pPr algn="ctr"/>
-                          <a:r>
-                            <a:rPr lang="en-US" sz="2000" b="1" dirty="0">
-                              <a:solidFill>
-                                <a:schemeClr val="bg1"/>
-                              </a:solidFill>
-                            </a:rPr>
-                            <a:t>Test Conclusion</a:t>
-                          </a:r>
-                        </a:p>
-                      </a:txBody>
-                      <a:tcPr anchor="ctr">
-                        <a:lnL w="12700" cmpd="sng">
-                          <a:noFill/>
-                        </a:lnL>
-                        <a:lnR w="12700" cmpd="sng">
-                          <a:noFill/>
-                        </a:lnR>
-                        <a:lnT w="38100" cap="flat" cmpd="sng" algn="ctr">
-                          <a:solidFill>
-                            <a:schemeClr val="tx1"/>
-                          </a:solidFill>
-                          <a:prstDash val="solid"/>
-                          <a:round/>
-                          <a:headEnd type="none" w="med" len="med"/>
-                          <a:tailEnd type="none" w="med" len="med"/>
-                        </a:lnT>
-                        <a:lnB w="12700" cap="flat" cmpd="sng" algn="ctr">
-                          <a:noFill/>
-                          <a:prstDash val="solid"/>
-                          <a:round/>
-                          <a:headEnd type="none" w="med" len="med"/>
-                          <a:tailEnd type="none" w="med" len="med"/>
-                        </a:lnB>
-                        <a:lnTlToBr w="12700" cmpd="sng">
-                          <a:noFill/>
-                          <a:prstDash val="solid"/>
-                        </a:lnTlToBr>
-                        <a:lnBlToTr w="12700" cmpd="sng">
-                          <a:noFill/>
-                          <a:prstDash val="solid"/>
-                        </a:lnBlToTr>
-                        <a:solidFill>
-                          <a:schemeClr val="accent6"/>
-                        </a:solidFill>
-                      </a:tcPr>
-                    </a:tc>
-                    <a:tc hMerge="1">
-                      <a:txBody>
-                        <a:bodyPr/>
-                        <a:lstStyle/>
-                        <a:p>
-                          <a:endParaRPr lang="en-US" dirty="0"/>
-                        </a:p>
-                      </a:txBody>
-                      <a:tcPr/>
-                    </a:tc>
-                    <a:extLst>
-                      <a:ext uri="{0D108BD9-81ED-4DB2-BD59-A6C34878D82A}">
-                        <a16:rowId xmlns:a16="http://schemas.microsoft.com/office/drawing/2014/main" val="997505066"/>
-                      </a:ext>
-                    </a:extLst>
-                  </a:tr>
-                  <a:tr h="723894">
-                    <a:tc>
-                      <a:txBody>
-                        <a:bodyPr/>
-                        <a:lstStyle/>
-                        <a:p>
-                          <a:endParaRPr lang="en-US" sz="2000" dirty="0"/>
-                        </a:p>
-                      </a:txBody>
-                      <a:tcPr>
-                        <a:lnL w="12700" cmpd="sng">
-                          <a:noFill/>
-                        </a:lnL>
-                        <a:lnR w="12700" cmpd="sng">
-                          <a:noFill/>
-                        </a:lnR>
-                        <a:lnT w="12700" cmpd="sng">
-                          <a:noFill/>
-                        </a:lnT>
-                        <a:lnB w="12700" cap="flat" cmpd="sng" algn="ctr">
-                          <a:solidFill>
-                            <a:schemeClr val="tx1"/>
-                          </a:solidFill>
-                          <a:prstDash val="solid"/>
-                          <a:round/>
-                          <a:headEnd type="none" w="med" len="med"/>
-                          <a:tailEnd type="none" w="med" len="med"/>
-                        </a:lnB>
-                        <a:lnTlToBr w="12700" cmpd="sng">
-                          <a:noFill/>
-                          <a:prstDash val="solid"/>
-                        </a:lnTlToBr>
-                        <a:lnBlToTr w="12700" cmpd="sng">
-                          <a:noFill/>
-                          <a:prstDash val="solid"/>
-                        </a:lnBlToTr>
-                      </a:tcPr>
-                    </a:tc>
-                    <a:tc>
-                      <a:txBody>
-                        <a:bodyPr/>
-                        <a:lstStyle/>
-                        <a:p>
-                          <a:endParaRPr lang="en-US" sz="2000" dirty="0"/>
-                        </a:p>
-                      </a:txBody>
-                      <a:tcPr>
-                        <a:lnL w="12700" cmpd="sng">
-                          <a:noFill/>
-                        </a:lnL>
-                        <a:lnR w="12700" cap="flat" cmpd="sng" algn="ctr">
-                          <a:solidFill>
-                            <a:schemeClr val="tx1"/>
-                          </a:solidFill>
-                          <a:prstDash val="solid"/>
-                          <a:round/>
-                          <a:headEnd type="none" w="med" len="med"/>
-                          <a:tailEnd type="none" w="med" len="med"/>
-                        </a:lnR>
-                        <a:lnT w="12700" cmpd="sng">
-                          <a:noFill/>
-                        </a:lnT>
-                        <a:lnB w="12700" cap="flat" cmpd="sng" algn="ctr">
-                          <a:solidFill>
-                            <a:schemeClr val="tx1"/>
-                          </a:solidFill>
-                          <a:prstDash val="solid"/>
-                          <a:round/>
-                          <a:headEnd type="none" w="med" len="med"/>
-                          <a:tailEnd type="none" w="med" len="med"/>
-                        </a:lnB>
-                        <a:lnTlToBr w="12700" cmpd="sng">
-                          <a:noFill/>
-                          <a:prstDash val="solid"/>
-                        </a:lnTlToBr>
-                        <a:lnBlToTr w="12700" cmpd="sng">
-                          <a:noFill/>
-                          <a:prstDash val="solid"/>
-                        </a:lnBlToTr>
-                      </a:tcPr>
-                    </a:tc>
-                    <a:tc>
-                      <a:txBody>
-                        <a:bodyPr/>
-                        <a:lstStyle/>
-                        <a:p>
-                          <a:endParaRPr lang="en-US"/>
-                        </a:p>
-                      </a:txBody>
-                      <a:tcPr>
-                        <a:lnL w="12700" cap="flat" cmpd="sng" algn="ctr">
-                          <a:solidFill>
-                            <a:schemeClr val="tx1"/>
-                          </a:solidFill>
-                          <a:prstDash val="solid"/>
-                          <a:round/>
-                          <a:headEnd type="none" w="med" len="med"/>
-                          <a:tailEnd type="none" w="med" len="med"/>
-                        </a:lnL>
-                        <a:lnR w="12700" cap="flat" cmpd="sng" algn="ctr">
-                          <a:solidFill>
-                            <a:schemeClr val="tx1"/>
-                          </a:solidFill>
-                          <a:prstDash val="solid"/>
-                          <a:round/>
-                          <a:headEnd type="none" w="med" len="med"/>
-                          <a:tailEnd type="none" w="med" len="med"/>
-                        </a:lnR>
-                        <a:lnT w="12700" cap="flat" cmpd="sng" algn="ctr">
-                          <a:noFill/>
-                          <a:prstDash val="solid"/>
-                          <a:round/>
-                          <a:headEnd type="none" w="med" len="med"/>
-                          <a:tailEnd type="none" w="med" len="med"/>
-                        </a:lnT>
-                        <a:lnB w="12700" cap="flat" cmpd="sng" algn="ctr">
-                          <a:solidFill>
-                            <a:schemeClr val="tx1"/>
-                          </a:solidFill>
-                          <a:prstDash val="solid"/>
-                          <a:round/>
-                          <a:headEnd type="none" w="med" len="med"/>
-                          <a:tailEnd type="none" w="med" len="med"/>
-                        </a:lnB>
-                        <a:lnTlToBr w="12700" cmpd="sng">
-                          <a:noFill/>
-                          <a:prstDash val="solid"/>
-                        </a:lnTlToBr>
-                        <a:lnBlToTr w="12700" cmpd="sng">
-                          <a:noFill/>
-                          <a:prstDash val="solid"/>
-                        </a:lnBlToTr>
-                        <a:blipFill>
-                          <a:blip r:embed="rId4"/>
-                          <a:stretch>
-                            <a:fillRect l="-109615" t="-58621" r="-102885" b="-201724"/>
-                          </a:stretch>
-                        </a:blipFill>
-                      </a:tcPr>
-                    </a:tc>
-                    <a:tc>
-                      <a:txBody>
-                        <a:bodyPr/>
-                        <a:lstStyle/>
-                        <a:p>
-                          <a:endParaRPr lang="en-US"/>
-                        </a:p>
-                      </a:txBody>
-                      <a:tcPr>
-                        <a:lnL w="12700" cap="flat" cmpd="sng" algn="ctr">
-                          <a:solidFill>
-                            <a:schemeClr val="tx1"/>
-                          </a:solidFill>
-                          <a:prstDash val="solid"/>
-                          <a:round/>
-                          <a:headEnd type="none" w="med" len="med"/>
-                          <a:tailEnd type="none" w="med" len="med"/>
-                        </a:lnL>
-                        <a:lnR w="12700" cmpd="sng">
-                          <a:noFill/>
-                        </a:lnR>
-                        <a:lnT w="12700" cap="flat" cmpd="sng" algn="ctr">
-                          <a:noFill/>
-                          <a:prstDash val="solid"/>
-                          <a:round/>
-                          <a:headEnd type="none" w="med" len="med"/>
-                          <a:tailEnd type="none" w="med" len="med"/>
-                        </a:lnT>
-                        <a:lnB w="12700" cap="flat" cmpd="sng" algn="ctr">
-                          <a:solidFill>
-                            <a:schemeClr val="tx1"/>
-                          </a:solidFill>
-                          <a:prstDash val="solid"/>
-                          <a:round/>
-                          <a:headEnd type="none" w="med" len="med"/>
-                          <a:tailEnd type="none" w="med" len="med"/>
-                        </a:lnB>
-                        <a:lnTlToBr w="12700" cmpd="sng">
-                          <a:noFill/>
-                          <a:prstDash val="solid"/>
-                        </a:lnTlToBr>
-                        <a:lnBlToTr w="12700" cmpd="sng">
-                          <a:noFill/>
-                          <a:prstDash val="solid"/>
-                        </a:lnBlToTr>
-                        <a:blipFill>
-                          <a:blip r:embed="rId4"/>
-                          <a:stretch>
-                            <a:fillRect l="-204695" t="-58621" r="-469" b="-201724"/>
-                          </a:stretch>
-                        </a:blipFill>
-                      </a:tcPr>
-                    </a:tc>
-                    <a:extLst>
-                      <a:ext uri="{0D108BD9-81ED-4DB2-BD59-A6C34878D82A}">
-                        <a16:rowId xmlns:a16="http://schemas.microsoft.com/office/drawing/2014/main" val="1176627883"/>
-                      </a:ext>
-                    </a:extLst>
-                  </a:tr>
-                  <a:tr h="671136">
-                    <a:tc rowSpan="2">
-                      <a:txBody>
-                        <a:bodyPr/>
-                        <a:lstStyle/>
-                        <a:p>
-                          <a:pPr algn="ctr"/>
-                          <a:r>
-                            <a:rPr lang="en-US" sz="2000" b="1" dirty="0">
-                              <a:solidFill>
-                                <a:schemeClr val="bg1"/>
-                              </a:solidFill>
-                            </a:rPr>
-                            <a:t>Truth</a:t>
-                          </a:r>
-                        </a:p>
-                      </a:txBody>
-                      <a:tcPr anchor="ctr">
-                        <a:lnL w="12700" cmpd="sng">
-                          <a:noFill/>
-                        </a:lnL>
-                        <a:lnR w="12700" cmpd="sng">
-                          <a:noFill/>
-                        </a:lnR>
-                        <a:lnT w="12700" cap="flat" cmpd="sng" algn="ctr">
-                          <a:solidFill>
-                            <a:schemeClr val="tx1"/>
-                          </a:solidFill>
-                          <a:prstDash val="solid"/>
-                          <a:round/>
-                          <a:headEnd type="none" w="med" len="med"/>
-                          <a:tailEnd type="none" w="med" len="med"/>
-                        </a:lnT>
-                        <a:lnB w="38100" cap="flat" cmpd="sng" algn="ctr">
-                          <a:solidFill>
-                            <a:schemeClr val="tx1"/>
-                          </a:solidFill>
-                          <a:prstDash val="solid"/>
-                          <a:round/>
-                          <a:headEnd type="none" w="med" len="med"/>
-                          <a:tailEnd type="none" w="med" len="med"/>
-                        </a:lnB>
-                        <a:lnTlToBr w="12700" cmpd="sng">
-                          <a:noFill/>
-                          <a:prstDash val="solid"/>
-                        </a:lnTlToBr>
-                        <a:lnBlToTr w="12700" cmpd="sng">
-                          <a:noFill/>
-                          <a:prstDash val="solid"/>
-                        </a:lnBlToTr>
-                        <a:solidFill>
-                          <a:schemeClr val="accent6"/>
-                        </a:solidFill>
-                      </a:tcPr>
-                    </a:tc>
-                    <a:tc>
-                      <a:txBody>
-                        <a:bodyPr/>
-                        <a:lstStyle/>
-                        <a:p>
-                          <a:endParaRPr lang="en-US"/>
-                        </a:p>
-                      </a:txBody>
-                      <a:tcPr anchor="ctr">
-                        <a:lnL w="12700" cmpd="sng">
-                          <a:noFill/>
-                        </a:lnL>
-                        <a:lnR w="12700" cap="flat" cmpd="sng" algn="ctr">
-                          <a:solidFill>
-                            <a:schemeClr val="tx1"/>
-                          </a:solidFill>
-                          <a:prstDash val="solid"/>
-                          <a:round/>
-                          <a:headEnd type="none" w="med" len="med"/>
-                          <a:tailEnd type="none" w="med" len="med"/>
-                        </a:lnR>
-                        <a:lnT w="12700" cap="flat" cmpd="sng" algn="ctr">
-                          <a:solidFill>
-                            <a:schemeClr val="tx1"/>
-                          </a:solidFill>
-                          <a:prstDash val="solid"/>
-                          <a:round/>
-                          <a:headEnd type="none" w="med" len="med"/>
-                          <a:tailEnd type="none" w="med" len="med"/>
-                        </a:lnT>
-                        <a:lnB w="12700" cap="flat" cmpd="sng" algn="ctr">
-                          <a:solidFill>
-                            <a:schemeClr val="tx1"/>
-                          </a:solidFill>
-                          <a:prstDash val="solid"/>
-                          <a:round/>
-                          <a:headEnd type="none" w="med" len="med"/>
-                          <a:tailEnd type="none" w="med" len="med"/>
-                        </a:lnB>
-                        <a:lnTlToBr w="12700" cmpd="sng">
-                          <a:noFill/>
-                          <a:prstDash val="solid"/>
-                        </a:lnTlToBr>
-                        <a:lnBlToTr w="12700" cmpd="sng">
-                          <a:noFill/>
-                          <a:prstDash val="solid"/>
-                        </a:lnBlToTr>
-                        <a:blipFill>
-                          <a:blip r:embed="rId4"/>
-                          <a:stretch>
-                            <a:fillRect l="-64029" t="-173585" r="-303597" b="-120755"/>
-                          </a:stretch>
-                        </a:blipFill>
-                      </a:tcPr>
-                    </a:tc>
-                    <a:tc>
-                      <a:txBody>
-                        <a:bodyPr/>
-                        <a:lstStyle/>
-                        <a:p>
-                          <a:pPr algn="ctr"/>
-                          <a:r>
-                            <a:rPr lang="en-US" sz="2000" b="1" dirty="0">
-                              <a:solidFill>
-                                <a:srgbClr val="C00000"/>
-                              </a:solidFill>
-                            </a:rPr>
-                            <a:t>Type 1 Error</a:t>
-                          </a:r>
-                        </a:p>
-                      </a:txBody>
-                      <a:tcPr anchor="ctr">
-                        <a:lnL w="12700" cap="flat" cmpd="sng" algn="ctr">
-                          <a:solidFill>
-                            <a:schemeClr val="tx1"/>
-                          </a:solidFill>
-                          <a:prstDash val="solid"/>
-                          <a:round/>
-                          <a:headEnd type="none" w="med" len="med"/>
-                          <a:tailEnd type="none" w="med" len="med"/>
-                        </a:lnL>
-                        <a:lnR w="12700" cap="flat" cmpd="sng" algn="ctr">
-                          <a:solidFill>
-                            <a:schemeClr val="tx1"/>
-                          </a:solidFill>
-                          <a:prstDash val="solid"/>
-                          <a:round/>
-                          <a:headEnd type="none" w="med" len="med"/>
-                          <a:tailEnd type="none" w="med" len="med"/>
-                        </a:lnR>
-                        <a:lnT w="12700" cap="flat" cmpd="sng" algn="ctr">
-                          <a:solidFill>
-                            <a:schemeClr val="tx1"/>
-                          </a:solidFill>
-                          <a:prstDash val="solid"/>
-                          <a:round/>
-                          <a:headEnd type="none" w="med" len="med"/>
-                          <a:tailEnd type="none" w="med" len="med"/>
-                        </a:lnT>
-                        <a:lnB w="12700" cap="flat" cmpd="sng" algn="ctr">
-                          <a:solidFill>
-                            <a:schemeClr val="tx1"/>
-                          </a:solidFill>
-                          <a:prstDash val="solid"/>
-                          <a:round/>
-                          <a:headEnd type="none" w="med" len="med"/>
-                          <a:tailEnd type="none" w="med" len="med"/>
-                        </a:lnB>
-                        <a:lnTlToBr w="12700" cmpd="sng">
-                          <a:noFill/>
-                          <a:prstDash val="solid"/>
-                        </a:lnTlToBr>
-                        <a:lnBlToTr w="12700" cmpd="sng">
-                          <a:noFill/>
-                          <a:prstDash val="solid"/>
-                        </a:lnBlToTr>
-                      </a:tcPr>
-                    </a:tc>
-                    <a:tc>
-                      <a:txBody>
-                        <a:bodyPr/>
-                        <a:lstStyle/>
-                        <a:p>
-                          <a:pPr algn="ctr"/>
-                          <a:endParaRPr lang="en-US" sz="2000" dirty="0"/>
-                        </a:p>
-                      </a:txBody>
-                      <a:tcPr anchor="ctr">
-                        <a:lnL w="12700" cap="flat" cmpd="sng" algn="ctr">
-                          <a:solidFill>
-                            <a:schemeClr val="tx1"/>
-                          </a:solidFill>
-                          <a:prstDash val="solid"/>
-                          <a:round/>
-                          <a:headEnd type="none" w="med" len="med"/>
-                          <a:tailEnd type="none" w="med" len="med"/>
-                        </a:lnL>
-                        <a:lnR w="12700" cmpd="sng">
-                          <a:noFill/>
-                        </a:lnR>
-                        <a:lnT w="12700" cap="flat" cmpd="sng" algn="ctr">
-                          <a:solidFill>
-                            <a:schemeClr val="tx1"/>
-                          </a:solidFill>
-                          <a:prstDash val="solid"/>
-                          <a:round/>
-                          <a:headEnd type="none" w="med" len="med"/>
-                          <a:tailEnd type="none" w="med" len="med"/>
-                        </a:lnT>
-                        <a:lnB w="12700" cap="flat" cmpd="sng" algn="ctr">
-                          <a:solidFill>
-                            <a:schemeClr val="tx1"/>
-                          </a:solidFill>
-                          <a:prstDash val="solid"/>
-                          <a:round/>
-                          <a:headEnd type="none" w="med" len="med"/>
-                          <a:tailEnd type="none" w="med" len="med"/>
-                        </a:lnB>
-                        <a:lnTlToBr w="12700" cmpd="sng">
-                          <a:noFill/>
-                          <a:prstDash val="solid"/>
-                        </a:lnTlToBr>
-                        <a:lnBlToTr w="12700" cmpd="sng">
-                          <a:noFill/>
-                          <a:prstDash val="solid"/>
-                        </a:lnBlToTr>
-                      </a:tcPr>
-                    </a:tc>
-                    <a:extLst>
-                      <a:ext uri="{0D108BD9-81ED-4DB2-BD59-A6C34878D82A}">
-                        <a16:rowId xmlns:a16="http://schemas.microsoft.com/office/drawing/2014/main" val="1253287830"/>
-                      </a:ext>
-                    </a:extLst>
-                  </a:tr>
-                  <a:tr h="723894">
-                    <a:tc vMerge="1">
-                      <a:txBody>
-                        <a:bodyPr/>
-                        <a:lstStyle/>
-                        <a:p>
-                          <a:endParaRPr lang="en-US" dirty="0"/>
-                        </a:p>
-                      </a:txBody>
-                      <a:tcPr/>
-                    </a:tc>
-                    <a:tc>
-                      <a:txBody>
-                        <a:bodyPr/>
-                        <a:lstStyle/>
-                        <a:p>
-                          <a:endParaRPr lang="en-US"/>
-                        </a:p>
-                      </a:txBody>
-                      <a:tcPr>
-                        <a:lnL w="12700" cmpd="sng">
-                          <a:noFill/>
-                        </a:lnL>
-                        <a:lnR w="12700" cap="flat" cmpd="sng" algn="ctr">
-                          <a:solidFill>
-                            <a:schemeClr val="tx1"/>
-                          </a:solidFill>
-                          <a:prstDash val="solid"/>
-                          <a:round/>
-                          <a:headEnd type="none" w="med" len="med"/>
-                          <a:tailEnd type="none" w="med" len="med"/>
-                        </a:lnR>
-                        <a:lnT w="12700" cap="flat" cmpd="sng" algn="ctr">
-                          <a:solidFill>
-                            <a:schemeClr val="tx1"/>
-                          </a:solidFill>
-                          <a:prstDash val="solid"/>
-                          <a:round/>
-                          <a:headEnd type="none" w="med" len="med"/>
-                          <a:tailEnd type="none" w="med" len="med"/>
-                        </a:lnT>
-                        <a:lnB w="38100" cap="flat" cmpd="sng" algn="ctr">
-                          <a:solidFill>
-                            <a:schemeClr val="tx1"/>
-                          </a:solidFill>
-                          <a:prstDash val="solid"/>
-                          <a:round/>
-                          <a:headEnd type="none" w="med" len="med"/>
-                          <a:tailEnd type="none" w="med" len="med"/>
-                        </a:lnB>
-                        <a:lnTlToBr w="12700" cmpd="sng">
-                          <a:noFill/>
-                          <a:prstDash val="solid"/>
-                        </a:lnTlToBr>
-                        <a:lnBlToTr w="12700" cmpd="sng">
-                          <a:noFill/>
-                          <a:prstDash val="solid"/>
-                        </a:lnBlToTr>
-                        <a:blipFill>
-                          <a:blip r:embed="rId4"/>
-                          <a:stretch>
-                            <a:fillRect l="-64029" t="-254386" r="-303597" b="-12281"/>
-                          </a:stretch>
-                        </a:blipFill>
-                      </a:tcPr>
-                    </a:tc>
-                    <a:tc>
-                      <a:txBody>
-                        <a:bodyPr/>
-                        <a:lstStyle/>
-                        <a:p>
-                          <a:pPr algn="ctr"/>
-                          <a:endParaRPr lang="en-US" sz="2000" dirty="0"/>
-                        </a:p>
-                      </a:txBody>
-                      <a:tcPr anchor="ctr">
-                        <a:lnL w="12700" cap="flat" cmpd="sng" algn="ctr">
-                          <a:solidFill>
-                            <a:schemeClr val="tx1"/>
-                          </a:solidFill>
-                          <a:prstDash val="solid"/>
-                          <a:round/>
-                          <a:headEnd type="none" w="med" len="med"/>
-                          <a:tailEnd type="none" w="med" len="med"/>
-                        </a:lnL>
-                        <a:lnR w="12700" cap="flat" cmpd="sng" algn="ctr">
-                          <a:solidFill>
-                            <a:schemeClr val="tx1"/>
-                          </a:solidFill>
-                          <a:prstDash val="solid"/>
-                          <a:round/>
-                          <a:headEnd type="none" w="med" len="med"/>
-                          <a:tailEnd type="none" w="med" len="med"/>
-                        </a:lnR>
-                        <a:lnT w="12700" cap="flat" cmpd="sng" algn="ctr">
-                          <a:solidFill>
-                            <a:schemeClr val="tx1"/>
-                          </a:solidFill>
-                          <a:prstDash val="solid"/>
-                          <a:round/>
-                          <a:headEnd type="none" w="med" len="med"/>
-                          <a:tailEnd type="none" w="med" len="med"/>
-                        </a:lnT>
-                        <a:lnB w="38100" cap="flat" cmpd="sng" algn="ctr">
-                          <a:solidFill>
-                            <a:schemeClr val="tx1"/>
-                          </a:solidFill>
-                          <a:prstDash val="solid"/>
-                          <a:round/>
-                          <a:headEnd type="none" w="med" len="med"/>
-                          <a:tailEnd type="none" w="med" len="med"/>
-                        </a:lnB>
-                        <a:lnTlToBr w="12700" cmpd="sng">
-                          <a:noFill/>
-                          <a:prstDash val="solid"/>
-                        </a:lnTlToBr>
-                        <a:lnBlToTr w="12700" cmpd="sng">
-                          <a:noFill/>
-                          <a:prstDash val="solid"/>
-                        </a:lnBlToTr>
-                      </a:tcPr>
-                    </a:tc>
-                    <a:tc>
-                      <a:txBody>
-                        <a:bodyPr/>
-                        <a:lstStyle/>
-                        <a:p>
-                          <a:pPr algn="ctr"/>
-                          <a:r>
-                            <a:rPr lang="en-US" sz="2000" b="1" dirty="0">
-                              <a:solidFill>
-                                <a:srgbClr val="C00000"/>
-                              </a:solidFill>
-                            </a:rPr>
-                            <a:t>Type 2 error</a:t>
-                          </a:r>
-                        </a:p>
-                      </a:txBody>
-                      <a:tcPr anchor="ctr">
-                        <a:lnL w="12700" cap="flat" cmpd="sng" algn="ctr">
-                          <a:solidFill>
-                            <a:schemeClr val="tx1"/>
-                          </a:solidFill>
-                          <a:prstDash val="solid"/>
-                          <a:round/>
-                          <a:headEnd type="none" w="med" len="med"/>
-                          <a:tailEnd type="none" w="med" len="med"/>
-                        </a:lnL>
-                        <a:lnR w="12700" cmpd="sng">
-                          <a:noFill/>
-                        </a:lnR>
-                        <a:lnT w="12700" cap="flat" cmpd="sng" algn="ctr">
-                          <a:solidFill>
-                            <a:schemeClr val="tx1"/>
-                          </a:solidFill>
-                          <a:prstDash val="solid"/>
-                          <a:round/>
-                          <a:headEnd type="none" w="med" len="med"/>
-                          <a:tailEnd type="none" w="med" len="med"/>
-                        </a:lnT>
-                        <a:lnB w="38100" cap="flat" cmpd="sng" algn="ctr">
-                          <a:solidFill>
-                            <a:schemeClr val="tx1"/>
-                          </a:solidFill>
-                          <a:prstDash val="solid"/>
-                          <a:round/>
-                          <a:headEnd type="none" w="med" len="med"/>
-                          <a:tailEnd type="none" w="med" len="med"/>
-                        </a:lnB>
-                        <a:lnTlToBr w="12700" cmpd="sng">
-                          <a:noFill/>
-                          <a:prstDash val="solid"/>
-                        </a:lnTlToBr>
-                        <a:lnBlToTr w="12700" cmpd="sng">
-                          <a:noFill/>
-                          <a:prstDash val="solid"/>
-                        </a:lnBlToTr>
-                      </a:tcPr>
-                    </a:tc>
-                    <a:extLst>
-                      <a:ext uri="{0D108BD9-81ED-4DB2-BD59-A6C34878D82A}">
-                        <a16:rowId xmlns:a16="http://schemas.microsoft.com/office/drawing/2014/main" val="986018790"/>
-                      </a:ext>
-                    </a:extLst>
-                  </a:tr>
-                </a:tbl>
-              </a:graphicData>
-            </a:graphic>
-          </p:graphicFrame>
-        </mc:Fallback>
-      </mc:AlternateContent>
-      <p:pic>
-        <p:nvPicPr>
-          <p:cNvPr id="18" name="Graphic 17" descr="Thumbs up sign with solid fill">
-            <a:extLst>
-              <a:ext uri="{FF2B5EF4-FFF2-40B4-BE49-F238E27FC236}">
-                <a16:creationId xmlns:a16="http://schemas.microsoft.com/office/drawing/2014/main" id="{FE215A2C-6127-0B47-86BE-79C3385F71C4}"/>
-              </a:ext>
-            </a:extLst>
-          </p:cNvPr>
-          <p:cNvPicPr>
-            <a:picLocks noChangeAspect="1"/>
-          </p:cNvPicPr>
-          <p:nvPr/>
-        </p:nvPicPr>
-        <p:blipFill>
-          <a:blip r:embed="rId5">
-            <a:extLst>
-              <a:ext uri="{96DAC541-7B7A-43D3-8B79-37D633B846F1}">
-                <asvg:svgBlip xmlns:asvg="http://schemas.microsoft.com/office/drawing/2016/SVG/main" r:embed="rId6"/>
-              </a:ext>
-            </a:extLst>
-          </a:blip>
-          <a:stretch>
-            <a:fillRect/>
-          </a:stretch>
-        </p:blipFill>
-        <p:spPr>
-          <a:xfrm>
-            <a:off x="7305841" y="1910350"/>
-            <a:ext cx="777160" cy="777160"/>
-          </a:xfrm>
-          <a:prstGeom prst="rect">
-            <a:avLst/>
-          </a:prstGeom>
-        </p:spPr>
-      </p:pic>
-      <p:pic>
-        <p:nvPicPr>
-          <p:cNvPr id="19" name="Graphic 18" descr="Thumbs up sign with solid fill">
-            <a:extLst>
-              <a:ext uri="{FF2B5EF4-FFF2-40B4-BE49-F238E27FC236}">
-                <a16:creationId xmlns:a16="http://schemas.microsoft.com/office/drawing/2014/main" id="{49D69BE1-469A-4B88-E8F8-0566CB503A84}"/>
-              </a:ext>
-            </a:extLst>
-          </p:cNvPr>
-          <p:cNvPicPr>
-            <a:picLocks noChangeAspect="1"/>
-          </p:cNvPicPr>
-          <p:nvPr/>
-        </p:nvPicPr>
-        <p:blipFill>
-          <a:blip r:embed="rId5">
-            <a:extLst>
-              <a:ext uri="{96DAC541-7B7A-43D3-8B79-37D633B846F1}">
-                <asvg:svgBlip xmlns:asvg="http://schemas.microsoft.com/office/drawing/2016/SVG/main" r:embed="rId6"/>
-              </a:ext>
-            </a:extLst>
-          </a:blip>
-          <a:stretch>
-            <a:fillRect/>
-          </a:stretch>
-        </p:blipFill>
-        <p:spPr>
-          <a:xfrm>
-            <a:off x="9992932" y="1256709"/>
-            <a:ext cx="777160" cy="777160"/>
-          </a:xfrm>
-          <a:prstGeom prst="rect">
-            <a:avLst/>
-          </a:prstGeom>
-        </p:spPr>
-      </p:pic>
-      <p:sp>
-        <p:nvSpPr>
-          <p:cNvPr id="2" name="Rounded Rectangle 1">
-            <a:extLst>
-              <a:ext uri="{FF2B5EF4-FFF2-40B4-BE49-F238E27FC236}">
-                <a16:creationId xmlns:a16="http://schemas.microsoft.com/office/drawing/2014/main" id="{3B247E05-CC17-433E-E9BB-51C1E3B5B8C9}"/>
-              </a:ext>
-            </a:extLst>
-          </p:cNvPr>
-          <p:cNvSpPr/>
-          <p:nvPr/>
-        </p:nvSpPr>
-        <p:spPr>
-          <a:xfrm>
-            <a:off x="460524" y="2854035"/>
-            <a:ext cx="11522928" cy="3958885"/>
-          </a:xfrm>
-          <a:prstGeom prst="roundRect">
-            <a:avLst/>
-          </a:prstGeom>
-        </p:spPr>
-        <p:style>
-          <a:lnRef idx="0">
-            <a:schemeClr val="accent5"/>
-          </a:lnRef>
-          <a:fillRef idx="3">
-            <a:schemeClr val="accent5"/>
-          </a:fillRef>
-          <a:effectRef idx="3">
-            <a:schemeClr val="accent5"/>
-          </a:effectRef>
-          <a:fontRef idx="minor">
-            <a:schemeClr val="lt1"/>
-          </a:fontRef>
-        </p:style>
-        <p:txBody>
-          <a:bodyPr rtlCol="0" anchor="ctr"/>
-          <a:lstStyle/>
-          <a:p>
-            <a:r>
-              <a:rPr lang="en-US" sz="2000" dirty="0"/>
-              <a:t>Suppose you are the manager of a professional baseball team. </a:t>
-            </a:r>
-          </a:p>
-          <a:p>
-            <a:pPr marL="342900" indent="-342900">
-              <a:buFont typeface="Arial" panose="020B0604020202020204" pitchFamily="34" charset="0"/>
-              <a:buChar char="•"/>
-            </a:pPr>
-            <a:r>
-              <a:rPr lang="en-US" sz="2000" dirty="0"/>
-              <a:t>One of the players on your team consistently had a 0.250 batting average (they hit about one out of every four times at the plate).</a:t>
-            </a:r>
-          </a:p>
-          <a:p>
-            <a:pPr marL="342900" indent="-342900">
-              <a:buFont typeface="Arial" panose="020B0604020202020204" pitchFamily="34" charset="0"/>
-              <a:buChar char="•"/>
-            </a:pPr>
-            <a:r>
-              <a:rPr lang="en-US" sz="2000" dirty="0"/>
-              <a:t>When you sit down to negotiate, this player claims they have been working hard in the off season and improved to become a 0.333 hitter.</a:t>
-            </a:r>
-          </a:p>
-          <a:p>
-            <a:pPr marL="342900" indent="-342900">
-              <a:buFont typeface="Arial" panose="020B0604020202020204" pitchFamily="34" charset="0"/>
-              <a:buChar char="•"/>
-            </a:pPr>
-            <a:endParaRPr lang="en-US" sz="2000" dirty="0"/>
-          </a:p>
-          <a:p>
-            <a:r>
-              <a:rPr lang="en-US" sz="2000" dirty="0"/>
-              <a:t>Should you offer this player a raise (at the expense of another players salary)?</a:t>
-            </a:r>
-          </a:p>
-          <a:p>
-            <a:pPr marL="800100" lvl="1" indent="-342900">
-              <a:buFont typeface="Wingdings" pitchFamily="2" charset="2"/>
-              <a:buChar char="Ø"/>
-            </a:pPr>
-            <a:r>
-              <a:rPr lang="en-US" sz="2000" dirty="0"/>
-              <a:t>What is the parameter of interest in this context?</a:t>
-            </a:r>
-          </a:p>
-          <a:p>
-            <a:pPr marL="800100" lvl="1" indent="-342900">
-              <a:buFont typeface="Wingdings" pitchFamily="2" charset="2"/>
-              <a:buChar char="Ø"/>
-            </a:pPr>
-            <a:r>
-              <a:rPr lang="en-US" sz="2000" dirty="0"/>
-              <a:t>If you were to conduct a hypothesis test, what would your null and alternative hypotheses be?</a:t>
-            </a:r>
-          </a:p>
-          <a:p>
-            <a:pPr marL="800100" lvl="1" indent="-342900">
-              <a:buFont typeface="Wingdings" pitchFamily="2" charset="2"/>
-              <a:buChar char="Ø"/>
-            </a:pPr>
-            <a:r>
-              <a:rPr lang="en-US" sz="2000" dirty="0"/>
-              <a:t>What would a Type 1 error be in the context of this problem?</a:t>
-            </a:r>
-          </a:p>
-          <a:p>
-            <a:pPr marL="800100" lvl="1" indent="-342900">
-              <a:buFont typeface="Wingdings" pitchFamily="2" charset="2"/>
-              <a:buChar char="Ø"/>
-            </a:pPr>
-            <a:r>
-              <a:rPr lang="en-US" sz="2000" dirty="0"/>
-              <a:t>What would a Type 2 error be in the context of this problem?</a:t>
-            </a:r>
-          </a:p>
-          <a:p>
-            <a:pPr marL="800100" lvl="1" indent="-342900">
-              <a:buFont typeface="Wingdings" pitchFamily="2" charset="2"/>
-              <a:buChar char="Ø"/>
-            </a:pPr>
-            <a:r>
-              <a:rPr lang="en-US" sz="2000" dirty="0"/>
-              <a:t>Who would be most worried about each type of error (you or the player)? </a:t>
-            </a:r>
-          </a:p>
-        </p:txBody>
-      </p:sp>
-    </p:spTree>
-    <p:extLst>
-      <p:ext uri="{BB962C8B-B14F-4D97-AF65-F5344CB8AC3E}">
-        <p14:creationId xmlns:p14="http://schemas.microsoft.com/office/powerpoint/2010/main" val="187991199"/>
       </p:ext>
     </p:extLst>
   </p:cSld>
